--- a/docs/linux-deamons.pptx
+++ b/docs/linux-deamons.pptx
@@ -6,7 +6,11 @@
   </p:sldMasterIdLst>
   <p:sldIdLst>
     <p:sldId id="256" r:id="rId2"/>
-    <p:sldId id="257" r:id="rId3"/>
+    <p:sldId id="260" r:id="rId3"/>
+    <p:sldId id="257" r:id="rId4"/>
+    <p:sldId id="258" r:id="rId5"/>
+    <p:sldId id="259" r:id="rId6"/>
+    <p:sldId id="261" r:id="rId7"/>
   </p:sldIdLst>
   <p:sldSz cx="12192000" cy="6858000"/>
   <p:notesSz cx="6858000" cy="9144000"/>
@@ -244,7 +248,7 @@
           <a:p>
             <a:fld id="{A4AC1E80-B3D7-43F3-A8C9-A8CB4D81571C}" type="datetimeFigureOut">
               <a:rPr lang="en-US" smtClean="0"/>
-              <a:t>10/14/2014</a:t>
+              <a:t>11/21/2014</a:t>
             </a:fld>
             <a:endParaRPr lang="en-US"/>
           </a:p>
@@ -414,7 +418,7 @@
           <a:p>
             <a:fld id="{A4AC1E80-B3D7-43F3-A8C9-A8CB4D81571C}" type="datetimeFigureOut">
               <a:rPr lang="en-US" smtClean="0"/>
-              <a:t>10/14/2014</a:t>
+              <a:t>11/21/2014</a:t>
             </a:fld>
             <a:endParaRPr lang="en-US"/>
           </a:p>
@@ -594,7 +598,7 @@
           <a:p>
             <a:fld id="{A4AC1E80-B3D7-43F3-A8C9-A8CB4D81571C}" type="datetimeFigureOut">
               <a:rPr lang="en-US" smtClean="0"/>
-              <a:t>10/14/2014</a:t>
+              <a:t>11/21/2014</a:t>
             </a:fld>
             <a:endParaRPr lang="en-US"/>
           </a:p>
@@ -764,7 +768,7 @@
           <a:p>
             <a:fld id="{A4AC1E80-B3D7-43F3-A8C9-A8CB4D81571C}" type="datetimeFigureOut">
               <a:rPr lang="en-US" smtClean="0"/>
-              <a:t>10/14/2014</a:t>
+              <a:t>11/21/2014</a:t>
             </a:fld>
             <a:endParaRPr lang="en-US"/>
           </a:p>
@@ -1010,7 +1014,7 @@
           <a:p>
             <a:fld id="{A4AC1E80-B3D7-43F3-A8C9-A8CB4D81571C}" type="datetimeFigureOut">
               <a:rPr lang="en-US" smtClean="0"/>
-              <a:t>10/14/2014</a:t>
+              <a:t>11/21/2014</a:t>
             </a:fld>
             <a:endParaRPr lang="en-US"/>
           </a:p>
@@ -1242,7 +1246,7 @@
           <a:p>
             <a:fld id="{A4AC1E80-B3D7-43F3-A8C9-A8CB4D81571C}" type="datetimeFigureOut">
               <a:rPr lang="en-US" smtClean="0"/>
-              <a:t>10/14/2014</a:t>
+              <a:t>11/21/2014</a:t>
             </a:fld>
             <a:endParaRPr lang="en-US"/>
           </a:p>
@@ -1609,7 +1613,7 @@
           <a:p>
             <a:fld id="{A4AC1E80-B3D7-43F3-A8C9-A8CB4D81571C}" type="datetimeFigureOut">
               <a:rPr lang="en-US" smtClean="0"/>
-              <a:t>10/14/2014</a:t>
+              <a:t>11/21/2014</a:t>
             </a:fld>
             <a:endParaRPr lang="en-US"/>
           </a:p>
@@ -1727,7 +1731,7 @@
           <a:p>
             <a:fld id="{A4AC1E80-B3D7-43F3-A8C9-A8CB4D81571C}" type="datetimeFigureOut">
               <a:rPr lang="en-US" smtClean="0"/>
-              <a:t>10/14/2014</a:t>
+              <a:t>11/21/2014</a:t>
             </a:fld>
             <a:endParaRPr lang="en-US"/>
           </a:p>
@@ -1822,7 +1826,7 @@
           <a:p>
             <a:fld id="{A4AC1E80-B3D7-43F3-A8C9-A8CB4D81571C}" type="datetimeFigureOut">
               <a:rPr lang="en-US" smtClean="0"/>
-              <a:t>10/14/2014</a:t>
+              <a:t>11/21/2014</a:t>
             </a:fld>
             <a:endParaRPr lang="en-US"/>
           </a:p>
@@ -2099,7 +2103,7 @@
           <a:p>
             <a:fld id="{A4AC1E80-B3D7-43F3-A8C9-A8CB4D81571C}" type="datetimeFigureOut">
               <a:rPr lang="en-US" smtClean="0"/>
-              <a:t>10/14/2014</a:t>
+              <a:t>11/21/2014</a:t>
             </a:fld>
             <a:endParaRPr lang="en-US"/>
           </a:p>
@@ -2352,7 +2356,7 @@
           <a:p>
             <a:fld id="{A4AC1E80-B3D7-43F3-A8C9-A8CB4D81571C}" type="datetimeFigureOut">
               <a:rPr lang="en-US" smtClean="0"/>
-              <a:t>10/14/2014</a:t>
+              <a:t>11/21/2014</a:t>
             </a:fld>
             <a:endParaRPr lang="en-US"/>
           </a:p>
@@ -2565,7 +2569,7 @@
           <a:p>
             <a:fld id="{A4AC1E80-B3D7-43F3-A8C9-A8CB4D81571C}" type="datetimeFigureOut">
               <a:rPr lang="en-US" smtClean="0"/>
-              <a:t>10/14/2014</a:t>
+              <a:t>11/21/2014</a:t>
             </a:fld>
             <a:endParaRPr lang="en-US"/>
           </a:p>
@@ -2978,7 +2982,7 @@
         </p:nvSpPr>
         <p:spPr>
           <a:xfrm>
-            <a:off x="3682032" y="841311"/>
+            <a:off x="3682032" y="1506332"/>
             <a:ext cx="4130917" cy="1905538"/>
           </a:xfrm>
           <a:prstGeom prst="rect">
@@ -3023,7 +3027,7 @@
         </p:nvSpPr>
         <p:spPr>
           <a:xfrm>
-            <a:off x="6518712" y="836037"/>
+            <a:off x="6518712" y="1501058"/>
             <a:ext cx="986937" cy="307777"/>
           </a:xfrm>
           <a:prstGeom prst="rect">
@@ -3053,7 +3057,7 @@
         </p:nvSpPr>
         <p:spPr>
           <a:xfrm>
-            <a:off x="4476194" y="1630444"/>
+            <a:off x="4476194" y="2295465"/>
             <a:ext cx="945572" cy="348170"/>
           </a:xfrm>
           <a:prstGeom prst="rect">
@@ -3106,7 +3110,7 @@
         </p:nvSpPr>
         <p:spPr>
           <a:xfrm>
-            <a:off x="5815228" y="5103102"/>
+            <a:off x="5784056" y="5377953"/>
             <a:ext cx="511155" cy="407564"/>
           </a:xfrm>
           <a:prstGeom prst="rect">
@@ -3170,7 +3174,7 @@
         </p:nvSpPr>
         <p:spPr>
           <a:xfrm>
-            <a:off x="4397784" y="2236493"/>
+            <a:off x="4397784" y="2901514"/>
             <a:ext cx="1102393" cy="509155"/>
           </a:xfrm>
           <a:prstGeom prst="rect">
@@ -3228,7 +3232,7 @@
         </p:nvSpPr>
         <p:spPr>
           <a:xfrm>
-            <a:off x="4920052" y="4393978"/>
+            <a:off x="4888880" y="4668829"/>
             <a:ext cx="1268296" cy="553998"/>
           </a:xfrm>
           <a:prstGeom prst="rect">
@@ -3273,7 +3277,7 @@
         </p:nvCxnSpPr>
         <p:spPr>
           <a:xfrm flipV="1">
-            <a:off x="4978670" y="4256264"/>
+            <a:off x="4947498" y="4531115"/>
             <a:ext cx="132" cy="796043"/>
           </a:xfrm>
           <a:prstGeom prst="straightConnector1">
@@ -3306,7 +3310,7 @@
         </p:nvSpPr>
         <p:spPr>
           <a:xfrm>
-            <a:off x="4427473" y="5052307"/>
+            <a:off x="4396301" y="5327158"/>
             <a:ext cx="1102393" cy="509155"/>
           </a:xfrm>
           <a:prstGeom prst="rect">
@@ -3367,7 +3371,7 @@
         </p:nvCxnSpPr>
         <p:spPr>
           <a:xfrm flipH="1" flipV="1">
-            <a:off x="6326383" y="5306884"/>
+            <a:off x="6295211" y="5581735"/>
             <a:ext cx="234041" cy="1"/>
           </a:xfrm>
           <a:prstGeom prst="straightConnector1">
@@ -3400,7 +3404,7 @@
         </p:nvSpPr>
         <p:spPr>
           <a:xfrm>
-            <a:off x="6437385" y="1161886"/>
+            <a:off x="6437385" y="1826907"/>
             <a:ext cx="1102393" cy="263108"/>
           </a:xfrm>
           <a:prstGeom prst="rect">
@@ -3461,7 +3465,7 @@
         </p:nvCxnSpPr>
         <p:spPr>
           <a:xfrm flipH="1" flipV="1">
-            <a:off x="4948980" y="1978614"/>
+            <a:off x="4948980" y="2643635"/>
             <a:ext cx="1" cy="257879"/>
           </a:xfrm>
           <a:prstGeom prst="straightConnector1">
@@ -3494,7 +3498,7 @@
         </p:nvCxnSpPr>
         <p:spPr>
           <a:xfrm flipH="1">
-            <a:off x="6153797" y="841309"/>
+            <a:off x="6153797" y="1506330"/>
             <a:ext cx="10418" cy="1905539"/>
           </a:xfrm>
           <a:prstGeom prst="line">
@@ -3525,7 +3529,7 @@
         </p:nvSpPr>
         <p:spPr>
           <a:xfrm>
-            <a:off x="6216559" y="890600"/>
+            <a:off x="6216559" y="1555621"/>
             <a:ext cx="1516164" cy="1806199"/>
           </a:xfrm>
           <a:prstGeom prst="rect">
@@ -3573,7 +3577,7 @@
         </p:nvSpPr>
         <p:spPr>
           <a:xfrm>
-            <a:off x="6437385" y="2359517"/>
+            <a:off x="6437385" y="3024538"/>
             <a:ext cx="1102393" cy="263108"/>
           </a:xfrm>
           <a:prstGeom prst="rect">
@@ -3634,7 +3638,7 @@
         </p:nvCxnSpPr>
         <p:spPr>
           <a:xfrm>
-            <a:off x="6988582" y="1424994"/>
+            <a:off x="6988582" y="2090015"/>
             <a:ext cx="0" cy="934523"/>
           </a:xfrm>
           <a:prstGeom prst="line">
@@ -3667,7 +3671,7 @@
         </p:nvSpPr>
         <p:spPr>
           <a:xfrm>
-            <a:off x="5111467" y="3567782"/>
+            <a:off x="5080295" y="3842633"/>
             <a:ext cx="2970429" cy="369332"/>
           </a:xfrm>
           <a:prstGeom prst="rect">
@@ -3683,11 +3687,7 @@
           <a:p>
             <a:r>
               <a:rPr lang="en-US" dirty="0" smtClean="0"/>
-              <a:t>Scripts Management </a:t>
-            </a:r>
-            <a:r>
-              <a:rPr lang="en-US" dirty="0" smtClean="0"/>
-              <a:t>Daemon</a:t>
+              <a:t>Scripts Management Daemon</a:t>
             </a:r>
             <a:endParaRPr lang="en-US" dirty="0"/>
           </a:p>
@@ -3704,7 +3704,7 @@
         </p:nvCxnSpPr>
         <p:spPr>
           <a:xfrm flipV="1">
-            <a:off x="5421766" y="1793700"/>
+            <a:off x="5421766" y="2458721"/>
             <a:ext cx="794793" cy="10829"/>
           </a:xfrm>
           <a:prstGeom prst="straightConnector1">
@@ -3767,7 +3767,7 @@
         </p:nvSpPr>
         <p:spPr>
           <a:xfrm>
-            <a:off x="3981705" y="3912918"/>
+            <a:off x="3950533" y="4187769"/>
             <a:ext cx="4130917" cy="1905538"/>
           </a:xfrm>
           <a:prstGeom prst="rect">
@@ -3812,7 +3812,7 @@
         </p:nvSpPr>
         <p:spPr>
           <a:xfrm>
-            <a:off x="4408584" y="3911717"/>
+            <a:off x="4377412" y="4186568"/>
             <a:ext cx="1140435" cy="344547"/>
           </a:xfrm>
           <a:prstGeom prst="rect">
@@ -3865,7 +3865,7 @@
         </p:nvSpPr>
         <p:spPr>
           <a:xfrm>
-            <a:off x="6560424" y="5052307"/>
+            <a:off x="6529252" y="5327158"/>
             <a:ext cx="1102393" cy="509155"/>
           </a:xfrm>
           <a:prstGeom prst="rect">
@@ -3925,9 +3925,9 @@
           <p:nvPr/>
         </p:nvCxnSpPr>
         <p:spPr>
-          <a:xfrm flipH="1" flipV="1">
-            <a:off x="4948981" y="2745648"/>
-            <a:ext cx="29821" cy="1166069"/>
+          <a:xfrm flipV="1">
+            <a:off x="4947630" y="3410669"/>
+            <a:ext cx="1351" cy="775899"/>
           </a:xfrm>
           <a:prstGeom prst="straightConnector1">
             <a:avLst/>
@@ -3962,7 +3962,7 @@
         </p:nvCxnSpPr>
         <p:spPr>
           <a:xfrm flipV="1">
-            <a:off x="5529866" y="5306884"/>
+            <a:off x="5498694" y="5581735"/>
             <a:ext cx="285362" cy="1"/>
           </a:xfrm>
           <a:prstGeom prst="straightConnector1">
@@ -3995,7 +3995,7 @@
         </p:nvSpPr>
         <p:spPr>
           <a:xfrm>
-            <a:off x="6560424" y="4060454"/>
+            <a:off x="6529252" y="4335305"/>
             <a:ext cx="1102393" cy="256491"/>
           </a:xfrm>
           <a:prstGeom prst="rect">
@@ -4048,7 +4048,7 @@
         </p:nvSpPr>
         <p:spPr>
           <a:xfrm>
-            <a:off x="6560424" y="4553488"/>
+            <a:off x="6529252" y="4828339"/>
             <a:ext cx="1102393" cy="251513"/>
           </a:xfrm>
           <a:prstGeom prst="rect">
@@ -4104,7 +4104,7 @@
         </p:nvCxnSpPr>
         <p:spPr>
           <a:xfrm flipV="1">
-            <a:off x="7111621" y="4805001"/>
+            <a:off x="7080449" y="5079852"/>
             <a:ext cx="0" cy="247306"/>
           </a:xfrm>
           <a:prstGeom prst="straightConnector1">
@@ -4140,7 +4140,7 @@
         </p:nvCxnSpPr>
         <p:spPr>
           <a:xfrm flipV="1">
-            <a:off x="7111621" y="4316945"/>
+            <a:off x="7080449" y="4591796"/>
             <a:ext cx="0" cy="236543"/>
           </a:xfrm>
           <a:prstGeom prst="straightConnector1">
@@ -4173,7 +4173,7 @@
         </p:nvSpPr>
         <p:spPr>
           <a:xfrm>
-            <a:off x="7312809" y="5164942"/>
+            <a:off x="7281637" y="5439793"/>
             <a:ext cx="755096" cy="299095"/>
           </a:xfrm>
           <a:prstGeom prst="arc">
@@ -4218,7 +4218,7 @@
         </p:nvSpPr>
         <p:spPr>
           <a:xfrm rot="10800000">
-            <a:off x="4022452" y="5198909"/>
+            <a:off x="3991280" y="5473760"/>
             <a:ext cx="755096" cy="299095"/>
           </a:xfrm>
           <a:prstGeom prst="arc">
@@ -4294,19 +4294,84 @@
       </p:grpSpPr>
       <p:sp>
         <p:nvSpPr>
-          <p:cNvPr id="4" name="Rectangle 3"/>
+          <p:cNvPr id="17" name="TextBox 16"/>
+          <p:cNvSpPr txBox="1"/>
+          <p:nvPr/>
+        </p:nvSpPr>
+        <p:spPr>
+          <a:xfrm>
+            <a:off x="3870457" y="3610824"/>
+            <a:ext cx="1661032" cy="246221"/>
+          </a:xfrm>
+          <a:prstGeom prst="rect">
+            <a:avLst/>
+          </a:prstGeom>
+          <a:noFill/>
+        </p:spPr>
+        <p:txBody>
+          <a:bodyPr wrap="none" rtlCol="0">
+            <a:spAutoFit/>
+          </a:bodyPr>
+          <a:lstStyle/>
+          <a:p>
+            <a:r>
+              <a:rPr lang="en-US" sz="1000" dirty="0" smtClean="0"/>
+              <a:t>RFCOMM Sensor Command</a:t>
+            </a:r>
+            <a:endParaRPr lang="en-US" sz="1000" dirty="0"/>
+          </a:p>
+        </p:txBody>
+      </p:sp>
+      <p:sp>
+        <p:nvSpPr>
+          <p:cNvPr id="63" name="TextBox 62"/>
+          <p:cNvSpPr txBox="1"/>
+          <p:nvPr/>
+        </p:nvSpPr>
+        <p:spPr>
+          <a:xfrm>
+            <a:off x="4570597" y="454169"/>
+            <a:ext cx="1721369" cy="369332"/>
+          </a:xfrm>
+          <a:prstGeom prst="rect">
+            <a:avLst/>
+          </a:prstGeom>
+          <a:noFill/>
+        </p:spPr>
+        <p:txBody>
+          <a:bodyPr wrap="none" rtlCol="0">
+            <a:spAutoFit/>
+          </a:bodyPr>
+          <a:lstStyle/>
+          <a:p>
+            <a:r>
+              <a:rPr lang="en-US" dirty="0" smtClean="0"/>
+              <a:t>Packet Structure</a:t>
+            </a:r>
+            <a:endParaRPr lang="en-US" dirty="0"/>
+          </a:p>
+        </p:txBody>
+      </p:sp>
+      <p:sp>
+        <p:nvSpPr>
+          <p:cNvPr id="33" name="Rectangle 32"/>
           <p:cNvSpPr/>
           <p:nvPr/>
         </p:nvSpPr>
         <p:spPr>
           <a:xfrm>
-            <a:off x="2784764" y="1392382"/>
-            <a:ext cx="7813963" cy="2571295"/>
+            <a:off x="330221" y="2103815"/>
+            <a:ext cx="968644" cy="348170"/>
           </a:xfrm>
           <a:prstGeom prst="rect">
             <a:avLst/>
           </a:prstGeom>
-          <a:noFill/>
+          <a:solidFill>
+            <a:schemeClr val="accent6">
+              <a:lumMod val="60000"/>
+              <a:lumOff val="40000"/>
+            </a:schemeClr>
+          </a:solidFill>
         </p:spPr>
         <p:style>
           <a:lnRef idx="2">
@@ -4329,6 +4394,25 @@
           <a:lstStyle/>
           <a:p>
             <a:pPr algn="ctr"/>
+            <a:r>
+              <a:rPr lang="en-US" sz="1000" dirty="0" smtClean="0">
+                <a:solidFill>
+                  <a:schemeClr val="tx1"/>
+                </a:solidFill>
+              </a:rPr>
+              <a:t>Magic Number</a:t>
+            </a:r>
+          </a:p>
+          <a:p>
+            <a:pPr algn="ctr"/>
+            <a:r>
+              <a:rPr lang="en-US" sz="1000" dirty="0" smtClean="0">
+                <a:solidFill>
+                  <a:schemeClr val="tx1"/>
+                </a:solidFill>
+              </a:rPr>
+              <a:t>(2 bytes)</a:t>
+            </a:r>
             <a:endParaRPr lang="en-US" sz="1000" dirty="0">
               <a:solidFill>
                 <a:schemeClr val="tx1"/>
@@ -4339,49 +4423,23 @@
       </p:sp>
       <p:sp>
         <p:nvSpPr>
-          <p:cNvPr id="6" name="TextBox 5"/>
-          <p:cNvSpPr txBox="1"/>
-          <p:nvPr/>
-        </p:nvSpPr>
-        <p:spPr>
-          <a:xfrm>
-            <a:off x="5005239" y="1011915"/>
-            <a:ext cx="1907895" cy="369332"/>
+          <p:cNvPr id="35" name="Rectangle 34"/>
+          <p:cNvSpPr/>
+          <p:nvPr/>
+        </p:nvSpPr>
+        <p:spPr>
+          <a:xfrm>
+            <a:off x="1298865" y="2103815"/>
+            <a:ext cx="862444" cy="348170"/>
           </a:xfrm>
           <a:prstGeom prst="rect">
             <a:avLst/>
           </a:prstGeom>
-          <a:noFill/>
-        </p:spPr>
-        <p:txBody>
-          <a:bodyPr wrap="none" rtlCol="0">
-            <a:spAutoFit/>
-          </a:bodyPr>
-          <a:lstStyle/>
-          <a:p>
-            <a:r>
-              <a:rPr lang="en-US" dirty="0" smtClean="0"/>
-              <a:t>nRF24l01 Daemon</a:t>
-            </a:r>
-            <a:endParaRPr lang="en-US" dirty="0"/>
-          </a:p>
-        </p:txBody>
-      </p:sp>
-      <p:sp>
-        <p:nvSpPr>
-          <p:cNvPr id="11" name="Rectangle 10"/>
-          <p:cNvSpPr/>
-          <p:nvPr/>
-        </p:nvSpPr>
-        <p:spPr>
-          <a:xfrm>
-            <a:off x="3367796" y="2423452"/>
-            <a:ext cx="945572" cy="509155"/>
-          </a:xfrm>
-          <a:prstGeom prst="rect">
-            <a:avLst/>
-          </a:prstGeom>
-          <a:noFill/>
+          <a:solidFill>
+            <a:schemeClr val="accent2">
+              <a:lumMod val="75000"/>
+            </a:schemeClr>
+          </a:solidFill>
         </p:spPr>
         <p:style>
           <a:lnRef idx="2">
@@ -4410,7 +4468,18 @@
                   <a:schemeClr val="tx1"/>
                 </a:solidFill>
               </a:rPr>
-              <a:t>nRF24l01 OUT packets queue</a:t>
+              <a:t>Control Flags</a:t>
+            </a:r>
+          </a:p>
+          <a:p>
+            <a:pPr algn="ctr"/>
+            <a:r>
+              <a:rPr lang="en-US" sz="1000" dirty="0" smtClean="0">
+                <a:solidFill>
+                  <a:schemeClr val="tx1"/>
+                </a:solidFill>
+              </a:rPr>
+              <a:t>(1 byte)</a:t>
             </a:r>
             <a:endParaRPr lang="en-US" sz="1000" dirty="0">
               <a:solidFill>
@@ -4422,14 +4491,14 @@
       </p:sp>
       <p:sp>
         <p:nvSpPr>
-          <p:cNvPr id="12" name="Rectangle 11"/>
+          <p:cNvPr id="36" name="Rectangle 35"/>
           <p:cNvSpPr/>
           <p:nvPr/>
         </p:nvSpPr>
         <p:spPr>
           <a:xfrm>
-            <a:off x="4918693" y="2423451"/>
-            <a:ext cx="1469928" cy="509155"/>
+            <a:off x="2161309" y="2103815"/>
+            <a:ext cx="561110" cy="348170"/>
           </a:xfrm>
           <a:prstGeom prst="rect">
             <a:avLst/>
@@ -4458,12 +4527,156 @@
           <a:p>
             <a:pPr algn="ctr"/>
             <a:r>
+              <a:rPr lang="en-US" sz="800" dirty="0" smtClean="0">
+                <a:solidFill>
+                  <a:schemeClr val="tx1"/>
+                </a:solidFill>
+              </a:rPr>
+              <a:t>Sender</a:t>
+            </a:r>
+          </a:p>
+          <a:p>
+            <a:pPr algn="ctr"/>
+            <a:r>
+              <a:rPr lang="en-US" sz="800" dirty="0" smtClean="0">
+                <a:solidFill>
+                  <a:schemeClr val="tx1"/>
+                </a:solidFill>
+              </a:rPr>
+              <a:t>(5 bytes)</a:t>
+            </a:r>
+            <a:endParaRPr lang="en-US" sz="800" dirty="0">
+              <a:solidFill>
+                <a:schemeClr val="tx1"/>
+              </a:solidFill>
+            </a:endParaRPr>
+          </a:p>
+        </p:txBody>
+      </p:sp>
+      <p:sp>
+        <p:nvSpPr>
+          <p:cNvPr id="37" name="Rectangle 36"/>
+          <p:cNvSpPr/>
+          <p:nvPr/>
+        </p:nvSpPr>
+        <p:spPr>
+          <a:xfrm>
+            <a:off x="2722419" y="2103815"/>
+            <a:ext cx="532228" cy="348170"/>
+          </a:xfrm>
+          <a:prstGeom prst="rect">
+            <a:avLst/>
+          </a:prstGeom>
+          <a:noFill/>
+        </p:spPr>
+        <p:style>
+          <a:lnRef idx="2">
+            <a:schemeClr val="accent1">
+              <a:shade val="50000"/>
+            </a:schemeClr>
+          </a:lnRef>
+          <a:fillRef idx="1">
+            <a:schemeClr val="accent1"/>
+          </a:fillRef>
+          <a:effectRef idx="0">
+            <a:schemeClr val="accent1"/>
+          </a:effectRef>
+          <a:fontRef idx="minor">
+            <a:schemeClr val="lt1"/>
+          </a:fontRef>
+        </p:style>
+        <p:txBody>
+          <a:bodyPr rtlCol="0" anchor="ctr"/>
+          <a:lstStyle/>
+          <a:p>
+            <a:pPr algn="ctr"/>
+            <a:r>
+              <a:rPr lang="en-US" sz="700" dirty="0" smtClean="0">
+                <a:solidFill>
+                  <a:schemeClr val="tx1"/>
+                </a:solidFill>
+              </a:rPr>
+              <a:t>Target</a:t>
+            </a:r>
+          </a:p>
+          <a:p>
+            <a:pPr algn="ctr"/>
+            <a:r>
+              <a:rPr lang="en-US" sz="700" dirty="0" smtClean="0">
+                <a:solidFill>
+                  <a:schemeClr val="tx1"/>
+                </a:solidFill>
+              </a:rPr>
+              <a:t>(5 bytes)</a:t>
+            </a:r>
+            <a:endParaRPr lang="en-US" sz="700" dirty="0">
+              <a:solidFill>
+                <a:schemeClr val="tx1"/>
+              </a:solidFill>
+            </a:endParaRPr>
+          </a:p>
+        </p:txBody>
+      </p:sp>
+      <p:sp>
+        <p:nvSpPr>
+          <p:cNvPr id="39" name="Rectangle 38"/>
+          <p:cNvSpPr/>
+          <p:nvPr/>
+        </p:nvSpPr>
+        <p:spPr>
+          <a:xfrm>
+            <a:off x="3254647" y="2103815"/>
+            <a:ext cx="1080655" cy="348170"/>
+          </a:xfrm>
+          <a:prstGeom prst="rect">
+            <a:avLst/>
+          </a:prstGeom>
+          <a:solidFill>
+            <a:schemeClr val="accent5">
+              <a:lumMod val="40000"/>
+              <a:lumOff val="60000"/>
+            </a:schemeClr>
+          </a:solidFill>
+        </p:spPr>
+        <p:style>
+          <a:lnRef idx="2">
+            <a:schemeClr val="accent1">
+              <a:shade val="50000"/>
+            </a:schemeClr>
+          </a:lnRef>
+          <a:fillRef idx="1">
+            <a:schemeClr val="accent1"/>
+          </a:fillRef>
+          <a:effectRef idx="0">
+            <a:schemeClr val="accent1"/>
+          </a:effectRef>
+          <a:fontRef idx="minor">
+            <a:schemeClr val="lt1"/>
+          </a:fontRef>
+        </p:style>
+        <p:txBody>
+          <a:bodyPr rtlCol="0" anchor="ctr"/>
+          <a:lstStyle/>
+          <a:p>
+            <a:pPr algn="ctr"/>
+            <a:r>
               <a:rPr lang="en-US" sz="1000" dirty="0" smtClean="0">
                 <a:solidFill>
                   <a:schemeClr val="tx1"/>
                 </a:solidFill>
               </a:rPr>
-              <a:t>nRF24l01 ACK WAITNG packets queue</a:t>
+              <a:t>Data Information</a:t>
+            </a:r>
+          </a:p>
+          <a:p>
+            <a:pPr algn="ctr"/>
+            <a:r>
+              <a:rPr lang="en-US" sz="1000" dirty="0" smtClean="0">
+                <a:solidFill>
+                  <a:schemeClr val="tx1"/>
+                </a:solidFill>
+              </a:rPr>
+              <a:t>(1 byte)</a:t>
             </a:r>
             <a:endParaRPr lang="en-US" sz="1000" dirty="0">
               <a:solidFill>
@@ -4475,13 +4688,2290 @@
       </p:sp>
       <p:sp>
         <p:nvSpPr>
+          <p:cNvPr id="40" name="Rectangle 39"/>
+          <p:cNvSpPr/>
+          <p:nvPr/>
+        </p:nvSpPr>
+        <p:spPr>
+          <a:xfrm>
+            <a:off x="4330716" y="2103815"/>
+            <a:ext cx="1205346" cy="348170"/>
+          </a:xfrm>
+          <a:prstGeom prst="rect">
+            <a:avLst/>
+          </a:prstGeom>
+          <a:solidFill>
+            <a:schemeClr val="accent3">
+              <a:lumMod val="60000"/>
+              <a:lumOff val="40000"/>
+            </a:schemeClr>
+          </a:solidFill>
+        </p:spPr>
+        <p:style>
+          <a:lnRef idx="2">
+            <a:schemeClr val="accent1">
+              <a:shade val="50000"/>
+            </a:schemeClr>
+          </a:lnRef>
+          <a:fillRef idx="1">
+            <a:schemeClr val="accent1"/>
+          </a:fillRef>
+          <a:effectRef idx="0">
+            <a:schemeClr val="accent1"/>
+          </a:effectRef>
+          <a:fontRef idx="minor">
+            <a:schemeClr val="lt1"/>
+          </a:fontRef>
+        </p:style>
+        <p:txBody>
+          <a:bodyPr rtlCol="0" anchor="ctr"/>
+          <a:lstStyle/>
+          <a:p>
+            <a:pPr algn="ctr"/>
+            <a:r>
+              <a:rPr lang="en-US" sz="1000" dirty="0" smtClean="0">
+                <a:solidFill>
+                  <a:schemeClr val="tx1"/>
+                </a:solidFill>
+              </a:rPr>
+              <a:t>Sender Information</a:t>
+            </a:r>
+          </a:p>
+          <a:p>
+            <a:pPr algn="ctr"/>
+            <a:r>
+              <a:rPr lang="en-US" sz="1000" dirty="0" smtClean="0">
+                <a:solidFill>
+                  <a:schemeClr val="tx1"/>
+                </a:solidFill>
+              </a:rPr>
+              <a:t>(1 byte)</a:t>
+            </a:r>
+            <a:endParaRPr lang="en-US" sz="1000" dirty="0">
+              <a:solidFill>
+                <a:schemeClr val="tx1"/>
+              </a:solidFill>
+            </a:endParaRPr>
+          </a:p>
+        </p:txBody>
+      </p:sp>
+      <p:sp>
+        <p:nvSpPr>
+          <p:cNvPr id="41" name="Rectangle 40"/>
+          <p:cNvSpPr/>
+          <p:nvPr/>
+        </p:nvSpPr>
+        <p:spPr>
+          <a:xfrm>
+            <a:off x="5536063" y="2103815"/>
+            <a:ext cx="5571818" cy="348170"/>
+          </a:xfrm>
+          <a:prstGeom prst="rect">
+            <a:avLst/>
+          </a:prstGeom>
+          <a:solidFill>
+            <a:schemeClr val="accent4">
+              <a:lumMod val="40000"/>
+              <a:lumOff val="60000"/>
+            </a:schemeClr>
+          </a:solidFill>
+        </p:spPr>
+        <p:style>
+          <a:lnRef idx="2">
+            <a:schemeClr val="accent1">
+              <a:shade val="50000"/>
+            </a:schemeClr>
+          </a:lnRef>
+          <a:fillRef idx="1">
+            <a:schemeClr val="accent1"/>
+          </a:fillRef>
+          <a:effectRef idx="0">
+            <a:schemeClr val="accent1"/>
+          </a:effectRef>
+          <a:fontRef idx="minor">
+            <a:schemeClr val="lt1"/>
+          </a:fontRef>
+        </p:style>
+        <p:txBody>
+          <a:bodyPr rtlCol="0" anchor="ctr"/>
+          <a:lstStyle/>
+          <a:p>
+            <a:pPr algn="ctr"/>
+            <a:r>
+              <a:rPr lang="en-US" sz="1000" dirty="0" smtClean="0">
+                <a:solidFill>
+                  <a:schemeClr val="tx1"/>
+                </a:solidFill>
+              </a:rPr>
+              <a:t>Data Frame (Payload)</a:t>
+            </a:r>
+          </a:p>
+          <a:p>
+            <a:pPr algn="ctr"/>
+            <a:r>
+              <a:rPr lang="en-US" sz="1000" dirty="0" smtClean="0">
+                <a:solidFill>
+                  <a:schemeClr val="tx1"/>
+                </a:solidFill>
+              </a:rPr>
+              <a:t>(15 bytes)</a:t>
+            </a:r>
+            <a:endParaRPr lang="en-US" sz="1000" dirty="0">
+              <a:solidFill>
+                <a:schemeClr val="tx1"/>
+              </a:solidFill>
+            </a:endParaRPr>
+          </a:p>
+        </p:txBody>
+      </p:sp>
+      <p:sp>
+        <p:nvSpPr>
+          <p:cNvPr id="42" name="Rectangle 41"/>
+          <p:cNvSpPr/>
+          <p:nvPr/>
+        </p:nvSpPr>
+        <p:spPr>
+          <a:xfrm>
+            <a:off x="11107882" y="2103815"/>
+            <a:ext cx="696191" cy="348170"/>
+          </a:xfrm>
+          <a:prstGeom prst="rect">
+            <a:avLst/>
+          </a:prstGeom>
+          <a:noFill/>
+        </p:spPr>
+        <p:style>
+          <a:lnRef idx="2">
+            <a:schemeClr val="accent1">
+              <a:shade val="50000"/>
+            </a:schemeClr>
+          </a:lnRef>
+          <a:fillRef idx="1">
+            <a:schemeClr val="accent1"/>
+          </a:fillRef>
+          <a:effectRef idx="0">
+            <a:schemeClr val="accent1"/>
+          </a:effectRef>
+          <a:fontRef idx="minor">
+            <a:schemeClr val="lt1"/>
+          </a:fontRef>
+        </p:style>
+        <p:txBody>
+          <a:bodyPr rtlCol="0" anchor="ctr"/>
+          <a:lstStyle/>
+          <a:p>
+            <a:pPr algn="ctr"/>
+            <a:r>
+              <a:rPr lang="en-US" sz="1000" dirty="0" smtClean="0">
+                <a:solidFill>
+                  <a:schemeClr val="tx1"/>
+                </a:solidFill>
+              </a:rPr>
+              <a:t>Packet ID</a:t>
+            </a:r>
+          </a:p>
+          <a:p>
+            <a:pPr algn="ctr"/>
+            <a:r>
+              <a:rPr lang="en-US" sz="1000" dirty="0" smtClean="0">
+                <a:solidFill>
+                  <a:schemeClr val="tx1"/>
+                </a:solidFill>
+              </a:rPr>
+              <a:t>(2 bytes)</a:t>
+            </a:r>
+            <a:endParaRPr lang="en-US" sz="1000" dirty="0">
+              <a:solidFill>
+                <a:schemeClr val="tx1"/>
+              </a:solidFill>
+            </a:endParaRPr>
+          </a:p>
+        </p:txBody>
+      </p:sp>
+      <p:sp>
+        <p:nvSpPr>
+          <p:cNvPr id="44" name="Rectangle 43"/>
+          <p:cNvSpPr/>
+          <p:nvPr/>
+        </p:nvSpPr>
+        <p:spPr>
+          <a:xfrm>
+            <a:off x="308262" y="2973188"/>
+            <a:ext cx="949035" cy="348170"/>
+          </a:xfrm>
+          <a:prstGeom prst="rect">
+            <a:avLst/>
+          </a:prstGeom>
+          <a:solidFill>
+            <a:schemeClr val="accent2">
+              <a:lumMod val="75000"/>
+            </a:schemeClr>
+          </a:solidFill>
+        </p:spPr>
+        <p:style>
+          <a:lnRef idx="2">
+            <a:schemeClr val="accent1">
+              <a:shade val="50000"/>
+            </a:schemeClr>
+          </a:lnRef>
+          <a:fillRef idx="1">
+            <a:schemeClr val="accent1"/>
+          </a:fillRef>
+          <a:effectRef idx="0">
+            <a:schemeClr val="accent1"/>
+          </a:effectRef>
+          <a:fontRef idx="minor">
+            <a:schemeClr val="lt1"/>
+          </a:fontRef>
+        </p:style>
+        <p:txBody>
+          <a:bodyPr rtlCol="0" anchor="ctr"/>
+          <a:lstStyle/>
+          <a:p>
+            <a:pPr algn="ctr"/>
+            <a:r>
+              <a:rPr lang="en-US" sz="1000" dirty="0" smtClean="0">
+                <a:solidFill>
+                  <a:schemeClr val="tx1"/>
+                </a:solidFill>
+              </a:rPr>
+              <a:t>Fragmentation</a:t>
+            </a:r>
+          </a:p>
+          <a:p>
+            <a:pPr algn="ctr"/>
+            <a:r>
+              <a:rPr lang="en-US" sz="1000" dirty="0" smtClean="0">
+                <a:solidFill>
+                  <a:schemeClr val="tx1"/>
+                </a:solidFill>
+              </a:rPr>
+              <a:t>(1 bit)</a:t>
+            </a:r>
+            <a:endParaRPr lang="en-US" sz="1000" dirty="0">
+              <a:solidFill>
+                <a:schemeClr val="tx1"/>
+              </a:solidFill>
+            </a:endParaRPr>
+          </a:p>
+        </p:txBody>
+      </p:sp>
+      <p:sp>
+        <p:nvSpPr>
+          <p:cNvPr id="45" name="Rectangle 44"/>
+          <p:cNvSpPr/>
+          <p:nvPr/>
+        </p:nvSpPr>
+        <p:spPr>
+          <a:xfrm>
+            <a:off x="1257297" y="2973188"/>
+            <a:ext cx="600939" cy="348170"/>
+          </a:xfrm>
+          <a:prstGeom prst="rect">
+            <a:avLst/>
+          </a:prstGeom>
+          <a:solidFill>
+            <a:schemeClr val="accent2">
+              <a:lumMod val="75000"/>
+            </a:schemeClr>
+          </a:solidFill>
+        </p:spPr>
+        <p:style>
+          <a:lnRef idx="2">
+            <a:schemeClr val="accent1">
+              <a:shade val="50000"/>
+            </a:schemeClr>
+          </a:lnRef>
+          <a:fillRef idx="1">
+            <a:schemeClr val="accent1"/>
+          </a:fillRef>
+          <a:effectRef idx="0">
+            <a:schemeClr val="accent1"/>
+          </a:effectRef>
+          <a:fontRef idx="minor">
+            <a:schemeClr val="lt1"/>
+          </a:fontRef>
+        </p:style>
+        <p:txBody>
+          <a:bodyPr rtlCol="0" anchor="ctr"/>
+          <a:lstStyle/>
+          <a:p>
+            <a:pPr algn="ctr"/>
+            <a:r>
+              <a:rPr lang="en-US" sz="1000" dirty="0" smtClean="0">
+                <a:solidFill>
+                  <a:schemeClr val="tx1"/>
+                </a:solidFill>
+              </a:rPr>
+              <a:t>Version</a:t>
+            </a:r>
+          </a:p>
+          <a:p>
+            <a:pPr algn="ctr"/>
+            <a:r>
+              <a:rPr lang="en-US" sz="1000" dirty="0" smtClean="0">
+                <a:solidFill>
+                  <a:schemeClr val="tx1"/>
+                </a:solidFill>
+              </a:rPr>
+              <a:t>(3 bits)</a:t>
+            </a:r>
+            <a:endParaRPr lang="en-US" sz="1000" dirty="0">
+              <a:solidFill>
+                <a:schemeClr val="tx1"/>
+              </a:solidFill>
+            </a:endParaRPr>
+          </a:p>
+        </p:txBody>
+      </p:sp>
+      <p:sp>
+        <p:nvSpPr>
+          <p:cNvPr id="48" name="Rectangle 47"/>
+          <p:cNvSpPr/>
+          <p:nvPr/>
+        </p:nvSpPr>
+        <p:spPr>
+          <a:xfrm>
+            <a:off x="1858236" y="2973188"/>
+            <a:ext cx="699655" cy="348170"/>
+          </a:xfrm>
+          <a:prstGeom prst="rect">
+            <a:avLst/>
+          </a:prstGeom>
+          <a:solidFill>
+            <a:schemeClr val="accent2">
+              <a:lumMod val="75000"/>
+            </a:schemeClr>
+          </a:solidFill>
+        </p:spPr>
+        <p:style>
+          <a:lnRef idx="2">
+            <a:schemeClr val="accent1">
+              <a:shade val="50000"/>
+            </a:schemeClr>
+          </a:lnRef>
+          <a:fillRef idx="1">
+            <a:schemeClr val="accent1"/>
+          </a:fillRef>
+          <a:effectRef idx="0">
+            <a:schemeClr val="accent1"/>
+          </a:effectRef>
+          <a:fontRef idx="minor">
+            <a:schemeClr val="lt1"/>
+          </a:fontRef>
+        </p:style>
+        <p:txBody>
+          <a:bodyPr rtlCol="0" anchor="ctr"/>
+          <a:lstStyle/>
+          <a:p>
+            <a:pPr algn="ctr"/>
+            <a:r>
+              <a:rPr lang="en-US" sz="1000" dirty="0" smtClean="0">
+                <a:solidFill>
+                  <a:schemeClr val="tx1"/>
+                </a:solidFill>
+              </a:rPr>
+              <a:t>Broadcast</a:t>
+            </a:r>
+          </a:p>
+          <a:p>
+            <a:pPr algn="ctr"/>
+            <a:r>
+              <a:rPr lang="en-US" sz="1000" dirty="0" smtClean="0">
+                <a:solidFill>
+                  <a:schemeClr val="tx1"/>
+                </a:solidFill>
+              </a:rPr>
+              <a:t>(1 bit)</a:t>
+            </a:r>
+            <a:endParaRPr lang="en-US" sz="1000" dirty="0">
+              <a:solidFill>
+                <a:schemeClr val="tx1"/>
+              </a:solidFill>
+            </a:endParaRPr>
+          </a:p>
+        </p:txBody>
+      </p:sp>
+      <p:sp>
+        <p:nvSpPr>
+          <p:cNvPr id="49" name="Rectangle 48"/>
+          <p:cNvSpPr/>
+          <p:nvPr/>
+        </p:nvSpPr>
+        <p:spPr>
+          <a:xfrm>
+            <a:off x="2557891" y="2973188"/>
+            <a:ext cx="413344" cy="348170"/>
+          </a:xfrm>
+          <a:prstGeom prst="rect">
+            <a:avLst/>
+          </a:prstGeom>
+          <a:solidFill>
+            <a:schemeClr val="accent2">
+              <a:lumMod val="75000"/>
+            </a:schemeClr>
+          </a:solidFill>
+        </p:spPr>
+        <p:style>
+          <a:lnRef idx="2">
+            <a:schemeClr val="accent1">
+              <a:shade val="50000"/>
+            </a:schemeClr>
+          </a:lnRef>
+          <a:fillRef idx="1">
+            <a:schemeClr val="accent1"/>
+          </a:fillRef>
+          <a:effectRef idx="0">
+            <a:schemeClr val="accent1"/>
+          </a:effectRef>
+          <a:fontRef idx="minor">
+            <a:schemeClr val="lt1"/>
+          </a:fontRef>
+        </p:style>
+        <p:txBody>
+          <a:bodyPr rtlCol="0" anchor="ctr"/>
+          <a:lstStyle/>
+          <a:p>
+            <a:pPr algn="ctr"/>
+            <a:r>
+              <a:rPr lang="en-US" sz="700" dirty="0" smtClean="0">
+                <a:solidFill>
+                  <a:schemeClr val="tx1"/>
+                </a:solidFill>
+              </a:rPr>
+              <a:t>ACK</a:t>
+            </a:r>
+          </a:p>
+          <a:p>
+            <a:pPr algn="ctr"/>
+            <a:r>
+              <a:rPr lang="en-US" sz="700" dirty="0" smtClean="0">
+                <a:solidFill>
+                  <a:schemeClr val="tx1"/>
+                </a:solidFill>
+              </a:rPr>
+              <a:t>(1 bit)</a:t>
+            </a:r>
+            <a:endParaRPr lang="en-US" sz="700" dirty="0">
+              <a:solidFill>
+                <a:schemeClr val="tx1"/>
+              </a:solidFill>
+            </a:endParaRPr>
+          </a:p>
+        </p:txBody>
+      </p:sp>
+      <p:sp>
+        <p:nvSpPr>
+          <p:cNvPr id="50" name="Rectangle 49"/>
+          <p:cNvSpPr/>
+          <p:nvPr/>
+        </p:nvSpPr>
+        <p:spPr>
+          <a:xfrm>
+            <a:off x="2971235" y="2973188"/>
+            <a:ext cx="742414" cy="348170"/>
+          </a:xfrm>
+          <a:prstGeom prst="rect">
+            <a:avLst/>
+          </a:prstGeom>
+          <a:solidFill>
+            <a:schemeClr val="accent2">
+              <a:lumMod val="75000"/>
+            </a:schemeClr>
+          </a:solidFill>
+        </p:spPr>
+        <p:style>
+          <a:lnRef idx="2">
+            <a:schemeClr val="accent1">
+              <a:shade val="50000"/>
+            </a:schemeClr>
+          </a:lnRef>
+          <a:fillRef idx="1">
+            <a:schemeClr val="accent1"/>
+          </a:fillRef>
+          <a:effectRef idx="0">
+            <a:schemeClr val="accent1"/>
+          </a:effectRef>
+          <a:fontRef idx="minor">
+            <a:schemeClr val="lt1"/>
+          </a:fontRef>
+        </p:style>
+        <p:txBody>
+          <a:bodyPr rtlCol="0" anchor="ctr"/>
+          <a:lstStyle/>
+          <a:p>
+            <a:pPr algn="ctr"/>
+            <a:r>
+              <a:rPr lang="en-US" sz="1000" dirty="0" smtClean="0">
+                <a:solidFill>
+                  <a:schemeClr val="tx1"/>
+                </a:solidFill>
+              </a:rPr>
+              <a:t>Reserved</a:t>
+            </a:r>
+          </a:p>
+          <a:p>
+            <a:pPr algn="ctr"/>
+            <a:r>
+              <a:rPr lang="en-US" sz="1000" dirty="0" smtClean="0">
+                <a:solidFill>
+                  <a:schemeClr val="tx1"/>
+                </a:solidFill>
+              </a:rPr>
+              <a:t>(2 bits)</a:t>
+            </a:r>
+            <a:endParaRPr lang="en-US" sz="1000" dirty="0">
+              <a:solidFill>
+                <a:schemeClr val="tx1"/>
+              </a:solidFill>
+            </a:endParaRPr>
+          </a:p>
+        </p:txBody>
+      </p:sp>
+      <p:cxnSp>
+        <p:nvCxnSpPr>
+          <p:cNvPr id="51" name="Straight Connector 50"/>
+          <p:cNvCxnSpPr/>
+          <p:nvPr/>
+        </p:nvCxnSpPr>
+        <p:spPr>
+          <a:xfrm flipH="1">
+            <a:off x="308261" y="2472371"/>
+            <a:ext cx="990604" cy="498276"/>
+          </a:xfrm>
+          <a:prstGeom prst="line">
+            <a:avLst/>
+          </a:prstGeom>
+          <a:ln w="3175">
+            <a:prstDash val="dash"/>
+          </a:ln>
+        </p:spPr>
+        <p:style>
+          <a:lnRef idx="1">
+            <a:schemeClr val="accent1"/>
+          </a:lnRef>
+          <a:fillRef idx="0">
+            <a:schemeClr val="accent1"/>
+          </a:fillRef>
+          <a:effectRef idx="0">
+            <a:schemeClr val="accent1"/>
+          </a:effectRef>
+          <a:fontRef idx="minor">
+            <a:schemeClr val="tx1"/>
+          </a:fontRef>
+        </p:style>
+      </p:cxnSp>
+      <p:cxnSp>
+        <p:nvCxnSpPr>
+          <p:cNvPr id="53" name="Straight Connector 52"/>
+          <p:cNvCxnSpPr/>
+          <p:nvPr/>
+        </p:nvCxnSpPr>
+        <p:spPr>
+          <a:xfrm>
+            <a:off x="2172564" y="2451985"/>
+            <a:ext cx="1520010" cy="518662"/>
+          </a:xfrm>
+          <a:prstGeom prst="line">
+            <a:avLst/>
+          </a:prstGeom>
+          <a:ln w="3175">
+            <a:prstDash val="dash"/>
+          </a:ln>
+        </p:spPr>
+        <p:style>
+          <a:lnRef idx="1">
+            <a:schemeClr val="accent1"/>
+          </a:lnRef>
+          <a:fillRef idx="0">
+            <a:schemeClr val="accent1"/>
+          </a:fillRef>
+          <a:effectRef idx="0">
+            <a:schemeClr val="accent1"/>
+          </a:effectRef>
+          <a:fontRef idx="minor">
+            <a:schemeClr val="tx1"/>
+          </a:fontRef>
+        </p:style>
+      </p:cxnSp>
+      <p:sp>
+        <p:nvSpPr>
+          <p:cNvPr id="55" name="Rectangle 54"/>
+          <p:cNvSpPr/>
+          <p:nvPr/>
+        </p:nvSpPr>
+        <p:spPr>
+          <a:xfrm>
+            <a:off x="2974713" y="1320959"/>
+            <a:ext cx="717861" cy="348170"/>
+          </a:xfrm>
+          <a:prstGeom prst="rect">
+            <a:avLst/>
+          </a:prstGeom>
+          <a:solidFill>
+            <a:schemeClr val="accent1">
+              <a:lumMod val="40000"/>
+              <a:lumOff val="60000"/>
+            </a:schemeClr>
+          </a:solidFill>
+        </p:spPr>
+        <p:style>
+          <a:lnRef idx="2">
+            <a:schemeClr val="accent1">
+              <a:shade val="50000"/>
+            </a:schemeClr>
+          </a:lnRef>
+          <a:fillRef idx="1">
+            <a:schemeClr val="accent1"/>
+          </a:fillRef>
+          <a:effectRef idx="0">
+            <a:schemeClr val="accent1"/>
+          </a:effectRef>
+          <a:fontRef idx="minor">
+            <a:schemeClr val="lt1"/>
+          </a:fontRef>
+        </p:style>
+        <p:txBody>
+          <a:bodyPr rtlCol="0" anchor="ctr"/>
+          <a:lstStyle/>
+          <a:p>
+            <a:pPr algn="ctr"/>
+            <a:r>
+              <a:rPr lang="en-US" sz="1000" dirty="0" smtClean="0">
+                <a:solidFill>
+                  <a:schemeClr val="tx1"/>
+                </a:solidFill>
+              </a:rPr>
+              <a:t>Data Type</a:t>
+            </a:r>
+          </a:p>
+          <a:p>
+            <a:pPr algn="ctr"/>
+            <a:r>
+              <a:rPr lang="en-US" sz="1000" dirty="0" smtClean="0">
+                <a:solidFill>
+                  <a:schemeClr val="tx1"/>
+                </a:solidFill>
+              </a:rPr>
+              <a:t>(3 bits)</a:t>
+            </a:r>
+            <a:endParaRPr lang="en-US" sz="1000" dirty="0">
+              <a:solidFill>
+                <a:schemeClr val="tx1"/>
+              </a:solidFill>
+            </a:endParaRPr>
+          </a:p>
+        </p:txBody>
+      </p:sp>
+      <p:sp>
+        <p:nvSpPr>
+          <p:cNvPr id="56" name="Rectangle 55"/>
+          <p:cNvSpPr/>
+          <p:nvPr/>
+        </p:nvSpPr>
+        <p:spPr>
+          <a:xfrm>
+            <a:off x="3692574" y="1320959"/>
+            <a:ext cx="717861" cy="348170"/>
+          </a:xfrm>
+          <a:prstGeom prst="rect">
+            <a:avLst/>
+          </a:prstGeom>
+          <a:solidFill>
+            <a:schemeClr val="accent1">
+              <a:lumMod val="40000"/>
+              <a:lumOff val="60000"/>
+            </a:schemeClr>
+          </a:solidFill>
+        </p:spPr>
+        <p:style>
+          <a:lnRef idx="2">
+            <a:schemeClr val="accent1">
+              <a:shade val="50000"/>
+            </a:schemeClr>
+          </a:lnRef>
+          <a:fillRef idx="1">
+            <a:schemeClr val="accent1"/>
+          </a:fillRef>
+          <a:effectRef idx="0">
+            <a:schemeClr val="accent1"/>
+          </a:effectRef>
+          <a:fontRef idx="minor">
+            <a:schemeClr val="lt1"/>
+          </a:fontRef>
+        </p:style>
+        <p:txBody>
+          <a:bodyPr rtlCol="0" anchor="ctr"/>
+          <a:lstStyle/>
+          <a:p>
+            <a:pPr algn="ctr"/>
+            <a:r>
+              <a:rPr lang="en-US" sz="1000" dirty="0" smtClean="0">
+                <a:solidFill>
+                  <a:schemeClr val="tx1"/>
+                </a:solidFill>
+              </a:rPr>
+              <a:t>Data Size</a:t>
+            </a:r>
+          </a:p>
+          <a:p>
+            <a:pPr algn="ctr"/>
+            <a:r>
+              <a:rPr lang="en-US" sz="1000" dirty="0" smtClean="0">
+                <a:solidFill>
+                  <a:schemeClr val="tx1"/>
+                </a:solidFill>
+              </a:rPr>
+              <a:t>(5 bits)</a:t>
+            </a:r>
+            <a:endParaRPr lang="en-US" sz="1000" dirty="0">
+              <a:solidFill>
+                <a:schemeClr val="tx1"/>
+              </a:solidFill>
+            </a:endParaRPr>
+          </a:p>
+        </p:txBody>
+      </p:sp>
+      <p:cxnSp>
+        <p:nvCxnSpPr>
+          <p:cNvPr id="57" name="Straight Connector 56"/>
+          <p:cNvCxnSpPr/>
+          <p:nvPr/>
+        </p:nvCxnSpPr>
+        <p:spPr>
+          <a:xfrm>
+            <a:off x="2974713" y="1679322"/>
+            <a:ext cx="279933" cy="424493"/>
+          </a:xfrm>
+          <a:prstGeom prst="line">
+            <a:avLst/>
+          </a:prstGeom>
+          <a:ln w="3175">
+            <a:prstDash val="dash"/>
+          </a:ln>
+        </p:spPr>
+        <p:style>
+          <a:lnRef idx="1">
+            <a:schemeClr val="accent1"/>
+          </a:lnRef>
+          <a:fillRef idx="0">
+            <a:schemeClr val="accent1"/>
+          </a:fillRef>
+          <a:effectRef idx="0">
+            <a:schemeClr val="accent1"/>
+          </a:effectRef>
+          <a:fontRef idx="minor">
+            <a:schemeClr val="tx1"/>
+          </a:fontRef>
+        </p:style>
+      </p:cxnSp>
+      <p:cxnSp>
+        <p:nvCxnSpPr>
+          <p:cNvPr id="58" name="Straight Connector 57"/>
+          <p:cNvCxnSpPr/>
+          <p:nvPr/>
+        </p:nvCxnSpPr>
+        <p:spPr>
+          <a:xfrm flipH="1">
+            <a:off x="4330715" y="1680785"/>
+            <a:ext cx="84024" cy="423030"/>
+          </a:xfrm>
+          <a:prstGeom prst="line">
+            <a:avLst/>
+          </a:prstGeom>
+          <a:ln w="3175">
+            <a:prstDash val="dash"/>
+          </a:ln>
+        </p:spPr>
+        <p:style>
+          <a:lnRef idx="1">
+            <a:schemeClr val="accent1"/>
+          </a:lnRef>
+          <a:fillRef idx="0">
+            <a:schemeClr val="accent1"/>
+          </a:fillRef>
+          <a:effectRef idx="0">
+            <a:schemeClr val="accent1"/>
+          </a:effectRef>
+          <a:fontRef idx="minor">
+            <a:schemeClr val="tx1"/>
+          </a:fontRef>
+        </p:style>
+      </p:cxnSp>
+      <p:sp>
+        <p:nvSpPr>
+          <p:cNvPr id="59" name="Rectangle 58"/>
+          <p:cNvSpPr/>
+          <p:nvPr/>
+        </p:nvSpPr>
+        <p:spPr>
+          <a:xfrm>
+            <a:off x="3807141" y="2970647"/>
+            <a:ext cx="847984" cy="348170"/>
+          </a:xfrm>
+          <a:prstGeom prst="rect">
+            <a:avLst/>
+          </a:prstGeom>
+          <a:solidFill>
+            <a:schemeClr val="accent3">
+              <a:lumMod val="60000"/>
+              <a:lumOff val="40000"/>
+            </a:schemeClr>
+          </a:solidFill>
+        </p:spPr>
+        <p:style>
+          <a:lnRef idx="2">
+            <a:schemeClr val="accent1">
+              <a:shade val="50000"/>
+            </a:schemeClr>
+          </a:lnRef>
+          <a:fillRef idx="1">
+            <a:schemeClr val="accent1"/>
+          </a:fillRef>
+          <a:effectRef idx="0">
+            <a:schemeClr val="accent1"/>
+          </a:effectRef>
+          <a:fontRef idx="minor">
+            <a:schemeClr val="lt1"/>
+          </a:fontRef>
+        </p:style>
+        <p:txBody>
+          <a:bodyPr rtlCol="0" anchor="ctr"/>
+          <a:lstStyle/>
+          <a:p>
+            <a:pPr algn="ctr"/>
+            <a:r>
+              <a:rPr lang="en-US" sz="1000" dirty="0" smtClean="0">
+                <a:solidFill>
+                  <a:schemeClr val="tx1"/>
+                </a:solidFill>
+              </a:rPr>
+              <a:t>Sender Type</a:t>
+            </a:r>
+          </a:p>
+          <a:p>
+            <a:pPr algn="ctr"/>
+            <a:r>
+              <a:rPr lang="en-US" sz="1000" dirty="0" smtClean="0">
+                <a:solidFill>
+                  <a:schemeClr val="tx1"/>
+                </a:solidFill>
+              </a:rPr>
+              <a:t>(5 bits)</a:t>
+            </a:r>
+            <a:endParaRPr lang="en-US" sz="1000" dirty="0">
+              <a:solidFill>
+                <a:schemeClr val="tx1"/>
+              </a:solidFill>
+            </a:endParaRPr>
+          </a:p>
+        </p:txBody>
+      </p:sp>
+      <p:sp>
+        <p:nvSpPr>
+          <p:cNvPr id="61" name="Rectangle 60"/>
+          <p:cNvSpPr/>
+          <p:nvPr/>
+        </p:nvSpPr>
+        <p:spPr>
+          <a:xfrm>
+            <a:off x="4655125" y="2970647"/>
+            <a:ext cx="742414" cy="348170"/>
+          </a:xfrm>
+          <a:prstGeom prst="rect">
+            <a:avLst/>
+          </a:prstGeom>
+          <a:solidFill>
+            <a:schemeClr val="accent3">
+              <a:lumMod val="60000"/>
+              <a:lumOff val="40000"/>
+            </a:schemeClr>
+          </a:solidFill>
+        </p:spPr>
+        <p:style>
+          <a:lnRef idx="2">
+            <a:schemeClr val="accent1">
+              <a:shade val="50000"/>
+            </a:schemeClr>
+          </a:lnRef>
+          <a:fillRef idx="1">
+            <a:schemeClr val="accent1"/>
+          </a:fillRef>
+          <a:effectRef idx="0">
+            <a:schemeClr val="accent1"/>
+          </a:effectRef>
+          <a:fontRef idx="minor">
+            <a:schemeClr val="lt1"/>
+          </a:fontRef>
+        </p:style>
+        <p:txBody>
+          <a:bodyPr rtlCol="0" anchor="ctr"/>
+          <a:lstStyle/>
+          <a:p>
+            <a:pPr algn="ctr"/>
+            <a:r>
+              <a:rPr lang="en-US" sz="1000" dirty="0" smtClean="0">
+                <a:solidFill>
+                  <a:schemeClr val="tx1"/>
+                </a:solidFill>
+              </a:rPr>
+              <a:t>Reserved</a:t>
+            </a:r>
+          </a:p>
+          <a:p>
+            <a:pPr algn="ctr"/>
+            <a:r>
+              <a:rPr lang="en-US" sz="1000" dirty="0" smtClean="0">
+                <a:solidFill>
+                  <a:schemeClr val="tx1"/>
+                </a:solidFill>
+              </a:rPr>
+              <a:t>(3 bits)</a:t>
+            </a:r>
+            <a:endParaRPr lang="en-US" sz="1000" dirty="0">
+              <a:solidFill>
+                <a:schemeClr val="tx1"/>
+              </a:solidFill>
+            </a:endParaRPr>
+          </a:p>
+        </p:txBody>
+      </p:sp>
+      <p:cxnSp>
+        <p:nvCxnSpPr>
+          <p:cNvPr id="62" name="Straight Connector 61"/>
+          <p:cNvCxnSpPr/>
+          <p:nvPr/>
+        </p:nvCxnSpPr>
+        <p:spPr>
+          <a:xfrm flipH="1">
+            <a:off x="3813821" y="2451985"/>
+            <a:ext cx="528929" cy="518662"/>
+          </a:xfrm>
+          <a:prstGeom prst="line">
+            <a:avLst/>
+          </a:prstGeom>
+          <a:ln w="3175">
+            <a:prstDash val="dash"/>
+          </a:ln>
+        </p:spPr>
+        <p:style>
+          <a:lnRef idx="1">
+            <a:schemeClr val="accent1"/>
+          </a:lnRef>
+          <a:fillRef idx="0">
+            <a:schemeClr val="accent1"/>
+          </a:fillRef>
+          <a:effectRef idx="0">
+            <a:schemeClr val="accent1"/>
+          </a:effectRef>
+          <a:fontRef idx="minor">
+            <a:schemeClr val="tx1"/>
+          </a:fontRef>
+        </p:style>
+      </p:cxnSp>
+      <p:cxnSp>
+        <p:nvCxnSpPr>
+          <p:cNvPr id="65" name="Straight Connector 64"/>
+          <p:cNvCxnSpPr/>
+          <p:nvPr/>
+        </p:nvCxnSpPr>
+        <p:spPr>
+          <a:xfrm flipH="1">
+            <a:off x="5397539" y="2451985"/>
+            <a:ext cx="138524" cy="518662"/>
+          </a:xfrm>
+          <a:prstGeom prst="line">
+            <a:avLst/>
+          </a:prstGeom>
+          <a:ln w="3175">
+            <a:prstDash val="dash"/>
+          </a:ln>
+        </p:spPr>
+        <p:style>
+          <a:lnRef idx="1">
+            <a:schemeClr val="accent1"/>
+          </a:lnRef>
+          <a:fillRef idx="0">
+            <a:schemeClr val="accent1"/>
+          </a:fillRef>
+          <a:effectRef idx="0">
+            <a:schemeClr val="accent1"/>
+          </a:effectRef>
+          <a:fontRef idx="minor">
+            <a:schemeClr val="tx1"/>
+          </a:fontRef>
+        </p:style>
+      </p:cxnSp>
+      <p:sp>
+        <p:nvSpPr>
+          <p:cNvPr id="66" name="Rectangle 65"/>
+          <p:cNvSpPr/>
+          <p:nvPr/>
+        </p:nvSpPr>
+        <p:spPr>
+          <a:xfrm>
+            <a:off x="5536062" y="3562932"/>
+            <a:ext cx="1054790" cy="348170"/>
+          </a:xfrm>
+          <a:prstGeom prst="rect">
+            <a:avLst/>
+          </a:prstGeom>
+          <a:noFill/>
+        </p:spPr>
+        <p:style>
+          <a:lnRef idx="2">
+            <a:schemeClr val="accent1">
+              <a:shade val="50000"/>
+            </a:schemeClr>
+          </a:lnRef>
+          <a:fillRef idx="1">
+            <a:schemeClr val="accent1"/>
+          </a:fillRef>
+          <a:effectRef idx="0">
+            <a:schemeClr val="accent1"/>
+          </a:effectRef>
+          <a:fontRef idx="minor">
+            <a:schemeClr val="lt1"/>
+          </a:fontRef>
+        </p:style>
+        <p:txBody>
+          <a:bodyPr rtlCol="0" anchor="ctr"/>
+          <a:lstStyle/>
+          <a:p>
+            <a:pPr algn="ctr"/>
+            <a:r>
+              <a:rPr lang="en-US" sz="1000" dirty="0" smtClean="0">
+                <a:solidFill>
+                  <a:schemeClr val="tx1"/>
+                </a:solidFill>
+              </a:rPr>
+              <a:t>Sensor Address</a:t>
+            </a:r>
+          </a:p>
+          <a:p>
+            <a:pPr algn="ctr"/>
+            <a:r>
+              <a:rPr lang="en-US" sz="1000" dirty="0" smtClean="0">
+                <a:solidFill>
+                  <a:schemeClr val="tx1"/>
+                </a:solidFill>
+              </a:rPr>
+              <a:t>(1 byte)</a:t>
+            </a:r>
+            <a:endParaRPr lang="en-US" sz="1000" dirty="0">
+              <a:solidFill>
+                <a:schemeClr val="tx1"/>
+              </a:solidFill>
+            </a:endParaRPr>
+          </a:p>
+        </p:txBody>
+      </p:sp>
+      <p:sp>
+        <p:nvSpPr>
+          <p:cNvPr id="69" name="Rectangle 68"/>
+          <p:cNvSpPr/>
+          <p:nvPr/>
+        </p:nvSpPr>
+        <p:spPr>
+          <a:xfrm>
+            <a:off x="6590852" y="3562932"/>
+            <a:ext cx="1054790" cy="348170"/>
+          </a:xfrm>
+          <a:prstGeom prst="rect">
+            <a:avLst/>
+          </a:prstGeom>
+          <a:noFill/>
+        </p:spPr>
+        <p:style>
+          <a:lnRef idx="2">
+            <a:schemeClr val="accent1">
+              <a:shade val="50000"/>
+            </a:schemeClr>
+          </a:lnRef>
+          <a:fillRef idx="1">
+            <a:schemeClr val="accent1"/>
+          </a:fillRef>
+          <a:effectRef idx="0">
+            <a:schemeClr val="accent1"/>
+          </a:effectRef>
+          <a:fontRef idx="minor">
+            <a:schemeClr val="lt1"/>
+          </a:fontRef>
+        </p:style>
+        <p:txBody>
+          <a:bodyPr rtlCol="0" anchor="ctr"/>
+          <a:lstStyle/>
+          <a:p>
+            <a:pPr algn="ctr"/>
+            <a:r>
+              <a:rPr lang="en-US" sz="1000" dirty="0">
+                <a:solidFill>
+                  <a:schemeClr val="tx1"/>
+                </a:solidFill>
+              </a:rPr>
+              <a:t>C</a:t>
+            </a:r>
+            <a:r>
+              <a:rPr lang="en-US" sz="1000" dirty="0" smtClean="0">
+                <a:solidFill>
+                  <a:schemeClr val="tx1"/>
+                </a:solidFill>
+              </a:rPr>
+              <a:t>ommand Type</a:t>
+            </a:r>
+          </a:p>
+          <a:p>
+            <a:pPr algn="ctr"/>
+            <a:r>
+              <a:rPr lang="en-US" sz="1000" dirty="0" smtClean="0">
+                <a:solidFill>
+                  <a:schemeClr val="tx1"/>
+                </a:solidFill>
+              </a:rPr>
+              <a:t>(1 byte)</a:t>
+            </a:r>
+            <a:endParaRPr lang="en-US" sz="1000" dirty="0">
+              <a:solidFill>
+                <a:schemeClr val="tx1"/>
+              </a:solidFill>
+            </a:endParaRPr>
+          </a:p>
+        </p:txBody>
+      </p:sp>
+      <p:sp>
+        <p:nvSpPr>
+          <p:cNvPr id="70" name="Rectangle 69"/>
+          <p:cNvSpPr/>
+          <p:nvPr/>
+        </p:nvSpPr>
+        <p:spPr>
+          <a:xfrm>
+            <a:off x="7645641" y="3562932"/>
+            <a:ext cx="1054790" cy="348170"/>
+          </a:xfrm>
+          <a:prstGeom prst="rect">
+            <a:avLst/>
+          </a:prstGeom>
+          <a:noFill/>
+        </p:spPr>
+        <p:style>
+          <a:lnRef idx="2">
+            <a:schemeClr val="accent1">
+              <a:shade val="50000"/>
+            </a:schemeClr>
+          </a:lnRef>
+          <a:fillRef idx="1">
+            <a:schemeClr val="accent1"/>
+          </a:fillRef>
+          <a:effectRef idx="0">
+            <a:schemeClr val="accent1"/>
+          </a:effectRef>
+          <a:fontRef idx="minor">
+            <a:schemeClr val="lt1"/>
+          </a:fontRef>
+        </p:style>
+        <p:txBody>
+          <a:bodyPr rtlCol="0" anchor="ctr"/>
+          <a:lstStyle/>
+          <a:p>
+            <a:pPr algn="ctr"/>
+            <a:r>
+              <a:rPr lang="en-US" sz="1000" dirty="0">
+                <a:solidFill>
+                  <a:schemeClr val="tx1"/>
+                </a:solidFill>
+              </a:rPr>
+              <a:t>C</a:t>
+            </a:r>
+            <a:r>
+              <a:rPr lang="en-US" sz="1000" dirty="0" smtClean="0">
+                <a:solidFill>
+                  <a:schemeClr val="tx1"/>
+                </a:solidFill>
+              </a:rPr>
+              <a:t>ommand Data</a:t>
+            </a:r>
+          </a:p>
+          <a:p>
+            <a:pPr algn="ctr"/>
+            <a:r>
+              <a:rPr lang="en-US" sz="1000" dirty="0" smtClean="0">
+                <a:solidFill>
+                  <a:schemeClr val="tx1"/>
+                </a:solidFill>
+              </a:rPr>
+              <a:t>(4 byte)</a:t>
+            </a:r>
+            <a:endParaRPr lang="en-US" sz="1000" dirty="0">
+              <a:solidFill>
+                <a:schemeClr val="tx1"/>
+              </a:solidFill>
+            </a:endParaRPr>
+          </a:p>
+        </p:txBody>
+      </p:sp>
+      <p:sp>
+        <p:nvSpPr>
+          <p:cNvPr id="71" name="Rectangle 70"/>
+          <p:cNvSpPr/>
+          <p:nvPr/>
+        </p:nvSpPr>
+        <p:spPr>
+          <a:xfrm>
+            <a:off x="5536062" y="4027388"/>
+            <a:ext cx="1054790" cy="348170"/>
+          </a:xfrm>
+          <a:prstGeom prst="rect">
+            <a:avLst/>
+          </a:prstGeom>
+          <a:noFill/>
+        </p:spPr>
+        <p:style>
+          <a:lnRef idx="2">
+            <a:schemeClr val="accent1">
+              <a:shade val="50000"/>
+            </a:schemeClr>
+          </a:lnRef>
+          <a:fillRef idx="1">
+            <a:schemeClr val="accent1"/>
+          </a:fillRef>
+          <a:effectRef idx="0">
+            <a:schemeClr val="accent1"/>
+          </a:effectRef>
+          <a:fontRef idx="minor">
+            <a:schemeClr val="lt1"/>
+          </a:fontRef>
+        </p:style>
+        <p:txBody>
+          <a:bodyPr rtlCol="0" anchor="ctr"/>
+          <a:lstStyle/>
+          <a:p>
+            <a:pPr algn="ctr"/>
+            <a:r>
+              <a:rPr lang="en-US" sz="1000" dirty="0" smtClean="0">
+                <a:solidFill>
+                  <a:schemeClr val="tx1"/>
+                </a:solidFill>
+              </a:rPr>
+              <a:t>Sensor Address</a:t>
+            </a:r>
+          </a:p>
+          <a:p>
+            <a:pPr algn="ctr"/>
+            <a:r>
+              <a:rPr lang="en-US" sz="1000" dirty="0" smtClean="0">
+                <a:solidFill>
+                  <a:schemeClr val="tx1"/>
+                </a:solidFill>
+              </a:rPr>
+              <a:t>(1 byte)</a:t>
+            </a:r>
+            <a:endParaRPr lang="en-US" sz="1000" dirty="0">
+              <a:solidFill>
+                <a:schemeClr val="tx1"/>
+              </a:solidFill>
+            </a:endParaRPr>
+          </a:p>
+        </p:txBody>
+      </p:sp>
+      <p:sp>
+        <p:nvSpPr>
+          <p:cNvPr id="72" name="Rectangle 71"/>
+          <p:cNvSpPr/>
+          <p:nvPr/>
+        </p:nvSpPr>
+        <p:spPr>
+          <a:xfrm>
+            <a:off x="6590852" y="4027388"/>
+            <a:ext cx="1054790" cy="348170"/>
+          </a:xfrm>
+          <a:prstGeom prst="rect">
+            <a:avLst/>
+          </a:prstGeom>
+          <a:noFill/>
+        </p:spPr>
+        <p:style>
+          <a:lnRef idx="2">
+            <a:schemeClr val="accent1">
+              <a:shade val="50000"/>
+            </a:schemeClr>
+          </a:lnRef>
+          <a:fillRef idx="1">
+            <a:schemeClr val="accent1"/>
+          </a:fillRef>
+          <a:effectRef idx="0">
+            <a:schemeClr val="accent1"/>
+          </a:effectRef>
+          <a:fontRef idx="minor">
+            <a:schemeClr val="lt1"/>
+          </a:fontRef>
+        </p:style>
+        <p:txBody>
+          <a:bodyPr rtlCol="0" anchor="ctr"/>
+          <a:lstStyle/>
+          <a:p>
+            <a:pPr algn="ctr"/>
+            <a:r>
+              <a:rPr lang="en-US" sz="1000" dirty="0" smtClean="0">
+                <a:solidFill>
+                  <a:schemeClr val="tx1"/>
+                </a:solidFill>
+              </a:rPr>
+              <a:t>Sensor </a:t>
+            </a:r>
+            <a:r>
+              <a:rPr lang="en-US" sz="1000" dirty="0" smtClean="0">
+                <a:solidFill>
+                  <a:schemeClr val="tx1"/>
+                </a:solidFill>
+              </a:rPr>
+              <a:t>Type</a:t>
+            </a:r>
+          </a:p>
+          <a:p>
+            <a:pPr algn="ctr"/>
+            <a:r>
+              <a:rPr lang="en-US" sz="1000" dirty="0" smtClean="0">
+                <a:solidFill>
+                  <a:schemeClr val="tx1"/>
+                </a:solidFill>
+              </a:rPr>
+              <a:t>(1 byte)</a:t>
+            </a:r>
+            <a:endParaRPr lang="en-US" sz="1000" dirty="0">
+              <a:solidFill>
+                <a:schemeClr val="tx1"/>
+              </a:solidFill>
+            </a:endParaRPr>
+          </a:p>
+        </p:txBody>
+      </p:sp>
+      <p:sp>
+        <p:nvSpPr>
+          <p:cNvPr id="73" name="Rectangle 72"/>
+          <p:cNvSpPr/>
+          <p:nvPr/>
+        </p:nvSpPr>
+        <p:spPr>
+          <a:xfrm>
+            <a:off x="7645640" y="4027388"/>
+            <a:ext cx="1269759" cy="348170"/>
+          </a:xfrm>
+          <a:prstGeom prst="rect">
+            <a:avLst/>
+          </a:prstGeom>
+          <a:noFill/>
+        </p:spPr>
+        <p:style>
+          <a:lnRef idx="2">
+            <a:schemeClr val="accent1">
+              <a:shade val="50000"/>
+            </a:schemeClr>
+          </a:lnRef>
+          <a:fillRef idx="1">
+            <a:schemeClr val="accent1"/>
+          </a:fillRef>
+          <a:effectRef idx="0">
+            <a:schemeClr val="accent1"/>
+          </a:effectRef>
+          <a:fontRef idx="minor">
+            <a:schemeClr val="lt1"/>
+          </a:fontRef>
+        </p:style>
+        <p:txBody>
+          <a:bodyPr rtlCol="0" anchor="ctr"/>
+          <a:lstStyle/>
+          <a:p>
+            <a:pPr algn="ctr"/>
+            <a:r>
+              <a:rPr lang="en-US" sz="1000" dirty="0" smtClean="0">
+                <a:solidFill>
+                  <a:schemeClr val="tx1"/>
+                </a:solidFill>
+              </a:rPr>
+              <a:t>Sensor Data Length</a:t>
+            </a:r>
+          </a:p>
+          <a:p>
+            <a:pPr algn="ctr"/>
+            <a:r>
+              <a:rPr lang="en-US" sz="1000" dirty="0" smtClean="0">
+                <a:solidFill>
+                  <a:schemeClr val="tx1"/>
+                </a:solidFill>
+              </a:rPr>
+              <a:t>(1 byte)</a:t>
+            </a:r>
+            <a:endParaRPr lang="en-US" sz="1000" dirty="0">
+              <a:solidFill>
+                <a:schemeClr val="tx1"/>
+              </a:solidFill>
+            </a:endParaRPr>
+          </a:p>
+        </p:txBody>
+      </p:sp>
+      <p:sp>
+        <p:nvSpPr>
+          <p:cNvPr id="76" name="TextBox 75"/>
+          <p:cNvSpPr txBox="1"/>
+          <p:nvPr/>
+        </p:nvSpPr>
+        <p:spPr>
+          <a:xfrm>
+            <a:off x="4231133" y="4078362"/>
+            <a:ext cx="1300356" cy="246221"/>
+          </a:xfrm>
+          <a:prstGeom prst="rect">
+            <a:avLst/>
+          </a:prstGeom>
+          <a:noFill/>
+        </p:spPr>
+        <p:txBody>
+          <a:bodyPr wrap="none" rtlCol="0">
+            <a:spAutoFit/>
+          </a:bodyPr>
+          <a:lstStyle/>
+          <a:p>
+            <a:r>
+              <a:rPr lang="en-US" sz="1000" dirty="0" smtClean="0"/>
+              <a:t>RFCOMM Sensor Info</a:t>
+            </a:r>
+            <a:endParaRPr lang="en-US" sz="1000" dirty="0"/>
+          </a:p>
+        </p:txBody>
+      </p:sp>
+      <p:sp>
+        <p:nvSpPr>
+          <p:cNvPr id="77" name="Rectangle 76"/>
+          <p:cNvSpPr/>
+          <p:nvPr/>
+        </p:nvSpPr>
+        <p:spPr>
+          <a:xfrm>
+            <a:off x="5536061" y="4513665"/>
+            <a:ext cx="1145293" cy="348170"/>
+          </a:xfrm>
+          <a:prstGeom prst="rect">
+            <a:avLst/>
+          </a:prstGeom>
+          <a:noFill/>
+        </p:spPr>
+        <p:style>
+          <a:lnRef idx="2">
+            <a:schemeClr val="accent1">
+              <a:shade val="50000"/>
+            </a:schemeClr>
+          </a:lnRef>
+          <a:fillRef idx="1">
+            <a:schemeClr val="accent1"/>
+          </a:fillRef>
+          <a:effectRef idx="0">
+            <a:schemeClr val="accent1"/>
+          </a:effectRef>
+          <a:fontRef idx="minor">
+            <a:schemeClr val="lt1"/>
+          </a:fontRef>
+        </p:style>
+        <p:txBody>
+          <a:bodyPr rtlCol="0" anchor="ctr"/>
+          <a:lstStyle/>
+          <a:p>
+            <a:pPr algn="ctr"/>
+            <a:r>
+              <a:rPr lang="en-US" sz="1000" dirty="0" smtClean="0">
+                <a:solidFill>
+                  <a:schemeClr val="tx1"/>
+                </a:solidFill>
+              </a:rPr>
+              <a:t>Device Command</a:t>
+            </a:r>
+          </a:p>
+          <a:p>
+            <a:pPr algn="ctr"/>
+            <a:r>
+              <a:rPr lang="en-US" sz="1000" dirty="0" smtClean="0">
+                <a:solidFill>
+                  <a:schemeClr val="tx1"/>
+                </a:solidFill>
+              </a:rPr>
+              <a:t>(1 byte)</a:t>
+            </a:r>
+            <a:endParaRPr lang="en-US" sz="1000" dirty="0">
+              <a:solidFill>
+                <a:schemeClr val="tx1"/>
+              </a:solidFill>
+            </a:endParaRPr>
+          </a:p>
+        </p:txBody>
+      </p:sp>
+      <p:sp>
+        <p:nvSpPr>
+          <p:cNvPr id="79" name="Rectangle 78"/>
+          <p:cNvSpPr/>
+          <p:nvPr/>
+        </p:nvSpPr>
+        <p:spPr>
+          <a:xfrm>
+            <a:off x="6681354" y="4513665"/>
+            <a:ext cx="1054790" cy="348170"/>
+          </a:xfrm>
+          <a:prstGeom prst="rect">
+            <a:avLst/>
+          </a:prstGeom>
+          <a:noFill/>
+        </p:spPr>
+        <p:style>
+          <a:lnRef idx="2">
+            <a:schemeClr val="accent1">
+              <a:shade val="50000"/>
+            </a:schemeClr>
+          </a:lnRef>
+          <a:fillRef idx="1">
+            <a:schemeClr val="accent1"/>
+          </a:fillRef>
+          <a:effectRef idx="0">
+            <a:schemeClr val="accent1"/>
+          </a:effectRef>
+          <a:fontRef idx="minor">
+            <a:schemeClr val="lt1"/>
+          </a:fontRef>
+        </p:style>
+        <p:txBody>
+          <a:bodyPr rtlCol="0" anchor="ctr"/>
+          <a:lstStyle/>
+          <a:p>
+            <a:pPr algn="ctr"/>
+            <a:r>
+              <a:rPr lang="en-US" sz="1000" dirty="0" smtClean="0">
+                <a:solidFill>
+                  <a:schemeClr val="tx1"/>
+                </a:solidFill>
+              </a:rPr>
+              <a:t>Device Data</a:t>
+            </a:r>
+          </a:p>
+          <a:p>
+            <a:pPr algn="ctr"/>
+            <a:r>
+              <a:rPr lang="en-US" sz="1000" dirty="0" smtClean="0">
+                <a:solidFill>
+                  <a:schemeClr val="tx1"/>
+                </a:solidFill>
+              </a:rPr>
+              <a:t>(8 byte)</a:t>
+            </a:r>
+            <a:endParaRPr lang="en-US" sz="1000" dirty="0">
+              <a:solidFill>
+                <a:schemeClr val="tx1"/>
+              </a:solidFill>
+            </a:endParaRPr>
+          </a:p>
+        </p:txBody>
+      </p:sp>
+      <p:sp>
+        <p:nvSpPr>
+          <p:cNvPr id="80" name="TextBox 79"/>
+          <p:cNvSpPr txBox="1"/>
+          <p:nvPr/>
+        </p:nvSpPr>
+        <p:spPr>
+          <a:xfrm>
+            <a:off x="4001903" y="4570776"/>
+            <a:ext cx="1529586" cy="246221"/>
+          </a:xfrm>
+          <a:prstGeom prst="rect">
+            <a:avLst/>
+          </a:prstGeom>
+          <a:noFill/>
+        </p:spPr>
+        <p:txBody>
+          <a:bodyPr wrap="none" rtlCol="0">
+            <a:spAutoFit/>
+          </a:bodyPr>
+          <a:lstStyle/>
+          <a:p>
+            <a:r>
+              <a:rPr lang="en-US" sz="1000" dirty="0" smtClean="0"/>
+              <a:t>RFCOMM Device Protocol</a:t>
+            </a:r>
+            <a:endParaRPr lang="en-US" sz="1000" dirty="0"/>
+          </a:p>
+        </p:txBody>
+      </p:sp>
+      <p:sp>
+        <p:nvSpPr>
+          <p:cNvPr id="81" name="Rectangle 80"/>
+          <p:cNvSpPr/>
+          <p:nvPr/>
+        </p:nvSpPr>
+        <p:spPr>
+          <a:xfrm>
+            <a:off x="8700430" y="3562932"/>
+            <a:ext cx="2407451" cy="343452"/>
+          </a:xfrm>
+          <a:prstGeom prst="rect">
+            <a:avLst/>
+          </a:prstGeom>
+          <a:noFill/>
+        </p:spPr>
+        <p:style>
+          <a:lnRef idx="2">
+            <a:schemeClr val="accent1">
+              <a:shade val="50000"/>
+            </a:schemeClr>
+          </a:lnRef>
+          <a:fillRef idx="1">
+            <a:schemeClr val="accent1"/>
+          </a:fillRef>
+          <a:effectRef idx="0">
+            <a:schemeClr val="accent1"/>
+          </a:effectRef>
+          <a:fontRef idx="minor">
+            <a:schemeClr val="lt1"/>
+          </a:fontRef>
+        </p:style>
+        <p:txBody>
+          <a:bodyPr rtlCol="0" anchor="ctr"/>
+          <a:lstStyle/>
+          <a:p>
+            <a:pPr algn="ctr"/>
+            <a:endParaRPr lang="en-US" sz="1000" dirty="0">
+              <a:solidFill>
+                <a:schemeClr val="tx1"/>
+              </a:solidFill>
+            </a:endParaRPr>
+          </a:p>
+        </p:txBody>
+      </p:sp>
+      <p:sp>
+        <p:nvSpPr>
+          <p:cNvPr id="82" name="Rectangle 81"/>
+          <p:cNvSpPr/>
+          <p:nvPr/>
+        </p:nvSpPr>
+        <p:spPr>
+          <a:xfrm>
+            <a:off x="8915399" y="4032106"/>
+            <a:ext cx="2192481" cy="343452"/>
+          </a:xfrm>
+          <a:prstGeom prst="rect">
+            <a:avLst/>
+          </a:prstGeom>
+          <a:noFill/>
+        </p:spPr>
+        <p:style>
+          <a:lnRef idx="2">
+            <a:schemeClr val="accent1">
+              <a:shade val="50000"/>
+            </a:schemeClr>
+          </a:lnRef>
+          <a:fillRef idx="1">
+            <a:schemeClr val="accent1"/>
+          </a:fillRef>
+          <a:effectRef idx="0">
+            <a:schemeClr val="accent1"/>
+          </a:effectRef>
+          <a:fontRef idx="minor">
+            <a:schemeClr val="lt1"/>
+          </a:fontRef>
+        </p:style>
+        <p:txBody>
+          <a:bodyPr rtlCol="0" anchor="ctr"/>
+          <a:lstStyle/>
+          <a:p>
+            <a:pPr algn="ctr"/>
+            <a:r>
+              <a:rPr lang="en-US" sz="1000" dirty="0" smtClean="0">
+                <a:solidFill>
+                  <a:schemeClr val="tx1"/>
+                </a:solidFill>
+              </a:rPr>
+              <a:t>Data or another sensor header</a:t>
+            </a:r>
+            <a:endParaRPr lang="en-US" sz="1000" dirty="0">
+              <a:solidFill>
+                <a:schemeClr val="tx1"/>
+              </a:solidFill>
+            </a:endParaRPr>
+          </a:p>
+        </p:txBody>
+      </p:sp>
+      <p:sp>
+        <p:nvSpPr>
+          <p:cNvPr id="87" name="Rectangle 86"/>
+          <p:cNvSpPr/>
+          <p:nvPr/>
+        </p:nvSpPr>
+        <p:spPr>
+          <a:xfrm>
+            <a:off x="7736617" y="4513665"/>
+            <a:ext cx="3371263" cy="345811"/>
+          </a:xfrm>
+          <a:prstGeom prst="rect">
+            <a:avLst/>
+          </a:prstGeom>
+          <a:noFill/>
+        </p:spPr>
+        <p:style>
+          <a:lnRef idx="2">
+            <a:schemeClr val="accent1">
+              <a:shade val="50000"/>
+            </a:schemeClr>
+          </a:lnRef>
+          <a:fillRef idx="1">
+            <a:schemeClr val="accent1"/>
+          </a:fillRef>
+          <a:effectRef idx="0">
+            <a:schemeClr val="accent1"/>
+          </a:effectRef>
+          <a:fontRef idx="minor">
+            <a:schemeClr val="lt1"/>
+          </a:fontRef>
+        </p:style>
+        <p:txBody>
+          <a:bodyPr rtlCol="0" anchor="ctr"/>
+          <a:lstStyle/>
+          <a:p>
+            <a:pPr algn="ctr"/>
+            <a:endParaRPr lang="en-US" sz="1000" dirty="0">
+              <a:solidFill>
+                <a:schemeClr val="tx1"/>
+              </a:solidFill>
+            </a:endParaRPr>
+          </a:p>
+        </p:txBody>
+      </p:sp>
+      <p:cxnSp>
+        <p:nvCxnSpPr>
+          <p:cNvPr id="88" name="Straight Connector 87"/>
+          <p:cNvCxnSpPr/>
+          <p:nvPr/>
+        </p:nvCxnSpPr>
+        <p:spPr>
+          <a:xfrm>
+            <a:off x="5536061" y="2472371"/>
+            <a:ext cx="0" cy="1080967"/>
+          </a:xfrm>
+          <a:prstGeom prst="line">
+            <a:avLst/>
+          </a:prstGeom>
+          <a:ln w="3175">
+            <a:prstDash val="dash"/>
+          </a:ln>
+        </p:spPr>
+        <p:style>
+          <a:lnRef idx="1">
+            <a:schemeClr val="accent1"/>
+          </a:lnRef>
+          <a:fillRef idx="0">
+            <a:schemeClr val="accent1"/>
+          </a:fillRef>
+          <a:effectRef idx="0">
+            <a:schemeClr val="accent1"/>
+          </a:effectRef>
+          <a:fontRef idx="minor">
+            <a:schemeClr val="tx1"/>
+          </a:fontRef>
+        </p:style>
+      </p:cxnSp>
+      <p:cxnSp>
+        <p:nvCxnSpPr>
+          <p:cNvPr id="89" name="Straight Connector 88"/>
+          <p:cNvCxnSpPr/>
+          <p:nvPr/>
+        </p:nvCxnSpPr>
+        <p:spPr>
+          <a:xfrm flipH="1">
+            <a:off x="11107880" y="2472371"/>
+            <a:ext cx="1" cy="1090561"/>
+          </a:xfrm>
+          <a:prstGeom prst="line">
+            <a:avLst/>
+          </a:prstGeom>
+          <a:ln w="3175">
+            <a:prstDash val="dash"/>
+          </a:ln>
+        </p:spPr>
+        <p:style>
+          <a:lnRef idx="1">
+            <a:schemeClr val="accent1"/>
+          </a:lnRef>
+          <a:fillRef idx="0">
+            <a:schemeClr val="accent1"/>
+          </a:fillRef>
+          <a:effectRef idx="0">
+            <a:schemeClr val="accent1"/>
+          </a:effectRef>
+          <a:fontRef idx="minor">
+            <a:schemeClr val="tx1"/>
+          </a:fontRef>
+        </p:style>
+      </p:cxnSp>
+      <p:sp>
+        <p:nvSpPr>
+          <p:cNvPr id="90" name="Rectangle 89"/>
+          <p:cNvSpPr/>
+          <p:nvPr/>
+        </p:nvSpPr>
+        <p:spPr>
+          <a:xfrm>
+            <a:off x="5536061" y="4992227"/>
+            <a:ext cx="1269759" cy="348170"/>
+          </a:xfrm>
+          <a:prstGeom prst="rect">
+            <a:avLst/>
+          </a:prstGeom>
+          <a:noFill/>
+        </p:spPr>
+        <p:style>
+          <a:lnRef idx="2">
+            <a:schemeClr val="accent1">
+              <a:shade val="50000"/>
+            </a:schemeClr>
+          </a:lnRef>
+          <a:fillRef idx="1">
+            <a:schemeClr val="accent1"/>
+          </a:fillRef>
+          <a:effectRef idx="0">
+            <a:schemeClr val="accent1"/>
+          </a:effectRef>
+          <a:fontRef idx="minor">
+            <a:schemeClr val="lt1"/>
+          </a:fontRef>
+        </p:style>
+        <p:txBody>
+          <a:bodyPr rtlCol="0" anchor="ctr"/>
+          <a:lstStyle/>
+          <a:p>
+            <a:pPr algn="ctr"/>
+            <a:r>
+              <a:rPr lang="en-US" sz="1000" dirty="0" smtClean="0">
+                <a:solidFill>
+                  <a:schemeClr val="tx1"/>
+                </a:solidFill>
+              </a:rPr>
+              <a:t>Sensor Address</a:t>
+            </a:r>
+          </a:p>
+          <a:p>
+            <a:pPr algn="ctr"/>
+            <a:r>
+              <a:rPr lang="en-US" sz="1000" dirty="0" smtClean="0">
+                <a:solidFill>
+                  <a:schemeClr val="tx1"/>
+                </a:solidFill>
+              </a:rPr>
+              <a:t>(6 bytes)</a:t>
+            </a:r>
+            <a:endParaRPr lang="en-US" sz="1000" dirty="0">
+              <a:solidFill>
+                <a:schemeClr val="tx1"/>
+              </a:solidFill>
+            </a:endParaRPr>
+          </a:p>
+        </p:txBody>
+      </p:sp>
+      <p:sp>
+        <p:nvSpPr>
+          <p:cNvPr id="91" name="Rectangle 90"/>
+          <p:cNvSpPr/>
+          <p:nvPr/>
+        </p:nvSpPr>
+        <p:spPr>
+          <a:xfrm>
+            <a:off x="6805820" y="4989868"/>
+            <a:ext cx="1054790" cy="348170"/>
+          </a:xfrm>
+          <a:prstGeom prst="rect">
+            <a:avLst/>
+          </a:prstGeom>
+          <a:noFill/>
+        </p:spPr>
+        <p:style>
+          <a:lnRef idx="2">
+            <a:schemeClr val="accent1">
+              <a:shade val="50000"/>
+            </a:schemeClr>
+          </a:lnRef>
+          <a:fillRef idx="1">
+            <a:schemeClr val="accent1"/>
+          </a:fillRef>
+          <a:effectRef idx="0">
+            <a:schemeClr val="accent1"/>
+          </a:effectRef>
+          <a:fontRef idx="minor">
+            <a:schemeClr val="lt1"/>
+          </a:fontRef>
+        </p:style>
+        <p:txBody>
+          <a:bodyPr rtlCol="0" anchor="ctr"/>
+          <a:lstStyle/>
+          <a:p>
+            <a:pPr algn="ctr"/>
+            <a:r>
+              <a:rPr lang="en-US" sz="1000" dirty="0" smtClean="0">
+                <a:solidFill>
+                  <a:schemeClr val="tx1"/>
+                </a:solidFill>
+              </a:rPr>
+              <a:t>Sensor </a:t>
+            </a:r>
+            <a:r>
+              <a:rPr lang="en-US" sz="1000" dirty="0" smtClean="0">
+                <a:solidFill>
+                  <a:schemeClr val="tx1"/>
+                </a:solidFill>
+              </a:rPr>
+              <a:t>Type</a:t>
+            </a:r>
+          </a:p>
+          <a:p>
+            <a:pPr algn="ctr"/>
+            <a:r>
+              <a:rPr lang="en-US" sz="1000" dirty="0" smtClean="0">
+                <a:solidFill>
+                  <a:schemeClr val="tx1"/>
+                </a:solidFill>
+              </a:rPr>
+              <a:t>(1 byte)</a:t>
+            </a:r>
+            <a:endParaRPr lang="en-US" sz="1000" dirty="0">
+              <a:solidFill>
+                <a:schemeClr val="tx1"/>
+              </a:solidFill>
+            </a:endParaRPr>
+          </a:p>
+        </p:txBody>
+      </p:sp>
+      <p:sp>
+        <p:nvSpPr>
+          <p:cNvPr id="92" name="Rectangle 91"/>
+          <p:cNvSpPr/>
+          <p:nvPr/>
+        </p:nvSpPr>
+        <p:spPr>
+          <a:xfrm>
+            <a:off x="7860610" y="4989868"/>
+            <a:ext cx="1269759" cy="355247"/>
+          </a:xfrm>
+          <a:prstGeom prst="rect">
+            <a:avLst/>
+          </a:prstGeom>
+          <a:noFill/>
+        </p:spPr>
+        <p:style>
+          <a:lnRef idx="2">
+            <a:schemeClr val="accent1">
+              <a:shade val="50000"/>
+            </a:schemeClr>
+          </a:lnRef>
+          <a:fillRef idx="1">
+            <a:schemeClr val="accent1"/>
+          </a:fillRef>
+          <a:effectRef idx="0">
+            <a:schemeClr val="accent1"/>
+          </a:effectRef>
+          <a:fontRef idx="minor">
+            <a:schemeClr val="lt1"/>
+          </a:fontRef>
+        </p:style>
+        <p:txBody>
+          <a:bodyPr rtlCol="0" anchor="ctr"/>
+          <a:lstStyle/>
+          <a:p>
+            <a:pPr algn="ctr"/>
+            <a:r>
+              <a:rPr lang="en-US" sz="1000" dirty="0" smtClean="0">
+                <a:solidFill>
+                  <a:schemeClr val="tx1"/>
+                </a:solidFill>
+              </a:rPr>
+              <a:t>Sensor Data Length</a:t>
+            </a:r>
+          </a:p>
+          <a:p>
+            <a:pPr algn="ctr"/>
+            <a:r>
+              <a:rPr lang="en-US" sz="1000" dirty="0" smtClean="0">
+                <a:solidFill>
+                  <a:schemeClr val="tx1"/>
+                </a:solidFill>
+              </a:rPr>
+              <a:t>(1 byte)</a:t>
+            </a:r>
+            <a:endParaRPr lang="en-US" sz="1000" dirty="0">
+              <a:solidFill>
+                <a:schemeClr val="tx1"/>
+              </a:solidFill>
+            </a:endParaRPr>
+          </a:p>
+        </p:txBody>
+      </p:sp>
+      <p:sp>
+        <p:nvSpPr>
+          <p:cNvPr id="94" name="TextBox 93"/>
+          <p:cNvSpPr txBox="1"/>
+          <p:nvPr/>
+        </p:nvSpPr>
+        <p:spPr>
+          <a:xfrm>
+            <a:off x="3666876" y="5038314"/>
+            <a:ext cx="1864613" cy="246221"/>
+          </a:xfrm>
+          <a:prstGeom prst="rect">
+            <a:avLst/>
+          </a:prstGeom>
+          <a:noFill/>
+        </p:spPr>
+        <p:txBody>
+          <a:bodyPr wrap="none" rtlCol="0">
+            <a:spAutoFit/>
+          </a:bodyPr>
+          <a:lstStyle/>
+          <a:p>
+            <a:r>
+              <a:rPr lang="en-US" sz="1000" dirty="0" smtClean="0"/>
+              <a:t>RFCOMM Individual  Sensor Info</a:t>
+            </a:r>
+            <a:endParaRPr lang="en-US" sz="1000" dirty="0"/>
+          </a:p>
+        </p:txBody>
+      </p:sp>
+      <p:sp>
+        <p:nvSpPr>
+          <p:cNvPr id="95" name="Rectangle 94"/>
+          <p:cNvSpPr/>
+          <p:nvPr/>
+        </p:nvSpPr>
+        <p:spPr>
+          <a:xfrm>
+            <a:off x="9130369" y="4989868"/>
+            <a:ext cx="1977511" cy="350529"/>
+          </a:xfrm>
+          <a:prstGeom prst="rect">
+            <a:avLst/>
+          </a:prstGeom>
+          <a:noFill/>
+        </p:spPr>
+        <p:style>
+          <a:lnRef idx="2">
+            <a:schemeClr val="accent1">
+              <a:shade val="50000"/>
+            </a:schemeClr>
+          </a:lnRef>
+          <a:fillRef idx="1">
+            <a:schemeClr val="accent1"/>
+          </a:fillRef>
+          <a:effectRef idx="0">
+            <a:schemeClr val="accent1"/>
+          </a:effectRef>
+          <a:fontRef idx="minor">
+            <a:schemeClr val="lt1"/>
+          </a:fontRef>
+        </p:style>
+        <p:txBody>
+          <a:bodyPr rtlCol="0" anchor="ctr"/>
+          <a:lstStyle/>
+          <a:p>
+            <a:pPr algn="ctr"/>
+            <a:r>
+              <a:rPr lang="en-US" sz="1000">
+                <a:solidFill>
+                  <a:schemeClr val="tx1"/>
+                </a:solidFill>
+              </a:rPr>
+              <a:t>Data or another sensor header</a:t>
+            </a:r>
+            <a:endParaRPr lang="en-US" sz="1000" dirty="0">
+              <a:solidFill>
+                <a:schemeClr val="tx1"/>
+              </a:solidFill>
+            </a:endParaRPr>
+          </a:p>
+        </p:txBody>
+      </p:sp>
+    </p:spTree>
+    <p:extLst>
+      <p:ext uri="{BB962C8B-B14F-4D97-AF65-F5344CB8AC3E}">
+        <p14:creationId xmlns:p14="http://schemas.microsoft.com/office/powerpoint/2010/main" val="3515059484"/>
+      </p:ext>
+    </p:extLst>
+  </p:cSld>
+  <p:clrMapOvr>
+    <a:masterClrMapping/>
+  </p:clrMapOvr>
+  <p:timing>
+    <p:tnLst>
+      <p:par>
+        <p:cTn id="1" dur="indefinite" restart="never" nodeType="tmRoot"/>
+      </p:par>
+    </p:tnLst>
+  </p:timing>
+</p:sld>
+</file>
+
+<file path=ppt/slides/slide3.xml><?xml version="1.0" encoding="utf-8"?>
+<p:sld xmlns:a="http://schemas.openxmlformats.org/drawingml/2006/main" xmlns:r="http://schemas.openxmlformats.org/officeDocument/2006/relationships" xmlns:p="http://schemas.openxmlformats.org/presentationml/2006/main">
+  <p:cSld>
+    <p:spTree>
+      <p:nvGrpSpPr>
+        <p:cNvPr id="1" name=""/>
+        <p:cNvGrpSpPr/>
+        <p:nvPr/>
+      </p:nvGrpSpPr>
+      <p:grpSpPr>
+        <a:xfrm>
+          <a:off x="0" y="0"/>
+          <a:ext cx="0" cy="0"/>
+          <a:chOff x="0" y="0"/>
+          <a:chExt cx="0" cy="0"/>
+        </a:xfrm>
+      </p:grpSpPr>
+      <p:sp>
+        <p:nvSpPr>
+          <p:cNvPr id="6" name="TextBox 5"/>
+          <p:cNvSpPr txBox="1"/>
+          <p:nvPr/>
+        </p:nvSpPr>
+        <p:spPr>
+          <a:xfrm>
+            <a:off x="4748235" y="78532"/>
+            <a:ext cx="1907895" cy="369332"/>
+          </a:xfrm>
+          <a:prstGeom prst="rect">
+            <a:avLst/>
+          </a:prstGeom>
+          <a:noFill/>
+        </p:spPr>
+        <p:txBody>
+          <a:bodyPr wrap="none" rtlCol="0">
+            <a:spAutoFit/>
+          </a:bodyPr>
+          <a:lstStyle/>
+          <a:p>
+            <a:r>
+              <a:rPr lang="en-US" dirty="0" smtClean="0"/>
+              <a:t>nRF24l01 Daemon</a:t>
+            </a:r>
+            <a:endParaRPr lang="en-US" dirty="0"/>
+          </a:p>
+        </p:txBody>
+      </p:sp>
+      <p:sp>
+        <p:nvSpPr>
+          <p:cNvPr id="11" name="Rectangle 10"/>
+          <p:cNvSpPr/>
+          <p:nvPr/>
+        </p:nvSpPr>
+        <p:spPr>
+          <a:xfrm>
+            <a:off x="9675234" y="3031399"/>
+            <a:ext cx="945572" cy="509155"/>
+          </a:xfrm>
+          <a:prstGeom prst="rect">
+            <a:avLst/>
+          </a:prstGeom>
+          <a:noFill/>
+        </p:spPr>
+        <p:style>
+          <a:lnRef idx="2">
+            <a:schemeClr val="accent1">
+              <a:shade val="50000"/>
+            </a:schemeClr>
+          </a:lnRef>
+          <a:fillRef idx="1">
+            <a:schemeClr val="accent1"/>
+          </a:fillRef>
+          <a:effectRef idx="0">
+            <a:schemeClr val="accent1"/>
+          </a:effectRef>
+          <a:fontRef idx="minor">
+            <a:schemeClr val="lt1"/>
+          </a:fontRef>
+        </p:style>
+        <p:txBody>
+          <a:bodyPr rtlCol="0" anchor="ctr"/>
+          <a:lstStyle/>
+          <a:p>
+            <a:pPr algn="ctr"/>
+            <a:r>
+              <a:rPr lang="en-US" sz="1000" dirty="0" smtClean="0">
+                <a:solidFill>
+                  <a:schemeClr val="tx1"/>
+                </a:solidFill>
+              </a:rPr>
+              <a:t>nRF24l01 OUT packets queue</a:t>
+            </a:r>
+            <a:endParaRPr lang="en-US" sz="1000" dirty="0">
+              <a:solidFill>
+                <a:schemeClr val="tx1"/>
+              </a:solidFill>
+            </a:endParaRPr>
+          </a:p>
+        </p:txBody>
+      </p:sp>
+      <p:sp>
+        <p:nvSpPr>
+          <p:cNvPr id="12" name="Rectangle 11"/>
+          <p:cNvSpPr/>
+          <p:nvPr/>
+        </p:nvSpPr>
+        <p:spPr>
+          <a:xfrm>
+            <a:off x="5196831" y="4466297"/>
+            <a:ext cx="1317683" cy="327302"/>
+          </a:xfrm>
+          <a:prstGeom prst="rect">
+            <a:avLst/>
+          </a:prstGeom>
+          <a:noFill/>
+        </p:spPr>
+        <p:style>
+          <a:lnRef idx="2">
+            <a:schemeClr val="accent1">
+              <a:shade val="50000"/>
+            </a:schemeClr>
+          </a:lnRef>
+          <a:fillRef idx="1">
+            <a:schemeClr val="accent1"/>
+          </a:fillRef>
+          <a:effectRef idx="0">
+            <a:schemeClr val="accent1"/>
+          </a:effectRef>
+          <a:fontRef idx="minor">
+            <a:schemeClr val="lt1"/>
+          </a:fontRef>
+        </p:style>
+        <p:txBody>
+          <a:bodyPr rtlCol="0" anchor="ctr"/>
+          <a:lstStyle/>
+          <a:p>
+            <a:pPr algn="ctr"/>
+            <a:r>
+              <a:rPr lang="en-US" sz="1000" dirty="0" smtClean="0">
+                <a:solidFill>
+                  <a:schemeClr val="tx1"/>
+                </a:solidFill>
+              </a:rPr>
+              <a:t>Registration Check</a:t>
+            </a:r>
+            <a:endParaRPr lang="en-US" sz="1000" dirty="0">
+              <a:solidFill>
+                <a:schemeClr val="tx1"/>
+              </a:solidFill>
+            </a:endParaRPr>
+          </a:p>
+        </p:txBody>
+      </p:sp>
+      <p:sp>
+        <p:nvSpPr>
           <p:cNvPr id="13" name="Rectangle 12"/>
           <p:cNvSpPr/>
           <p:nvPr/>
         </p:nvSpPr>
         <p:spPr>
           <a:xfrm>
-            <a:off x="2984655" y="1392382"/>
+            <a:off x="9596825" y="1968487"/>
             <a:ext cx="1102393" cy="509155"/>
           </a:xfrm>
           <a:prstGeom prst="rect">
@@ -4541,9 +7031,9 @@
           <p:nvPr/>
         </p:nvCxnSpPr>
         <p:spPr>
-          <a:xfrm rot="16200000" flipH="1">
-            <a:off x="3427260" y="2010129"/>
-            <a:ext cx="521915" cy="304730"/>
+          <a:xfrm rot="5400000">
+            <a:off x="9871143" y="2754519"/>
+            <a:ext cx="553757" cy="2"/>
           </a:xfrm>
           <a:prstGeom prst="bentConnector3">
             <a:avLst/>
@@ -4575,7 +7065,7 @@
         </p:nvSpPr>
         <p:spPr>
           <a:xfrm>
-            <a:off x="3535851" y="1920284"/>
+            <a:off x="10148019" y="2631987"/>
             <a:ext cx="1274708" cy="246221"/>
           </a:xfrm>
           <a:prstGeom prst="rect">
@@ -4600,13 +7090,16 @@
       <p:cxnSp>
         <p:nvCxnSpPr>
           <p:cNvPr id="21" name="Straight Arrow Connector 20"/>
-          <p:cNvCxnSpPr/>
+          <p:cNvCxnSpPr>
+            <a:stCxn id="22" idx="2"/>
+            <a:endCxn id="13" idx="0"/>
+          </p:cNvCxnSpPr>
           <p:nvPr/>
         </p:nvCxnSpPr>
         <p:spPr>
           <a:xfrm>
-            <a:off x="3535851" y="870467"/>
-            <a:ext cx="0" cy="521915"/>
+            <a:off x="10148020" y="1619385"/>
+            <a:ext cx="2" cy="349102"/>
           </a:xfrm>
           <a:prstGeom prst="straightConnector1">
             <a:avLst/>
@@ -4638,7 +7131,7 @@
         </p:nvSpPr>
         <p:spPr>
           <a:xfrm>
-            <a:off x="3231120" y="624246"/>
+            <a:off x="9843289" y="1373164"/>
             <a:ext cx="609462" cy="246221"/>
           </a:xfrm>
           <a:prstGeom prst="rect">
@@ -4668,7 +7161,7 @@
         </p:nvSpPr>
         <p:spPr>
           <a:xfrm>
-            <a:off x="2984654" y="3454522"/>
+            <a:off x="9596824" y="4030627"/>
             <a:ext cx="1102393" cy="509155"/>
           </a:xfrm>
           <a:prstGeom prst="rect">
@@ -4728,9 +7221,9 @@
           <p:nvPr/>
         </p:nvCxnSpPr>
         <p:spPr>
-          <a:xfrm rot="5400000">
-            <a:off x="3427260" y="3041199"/>
-            <a:ext cx="521915" cy="304731"/>
+          <a:xfrm rot="16200000" flipH="1">
+            <a:off x="9902984" y="3785589"/>
+            <a:ext cx="490073" cy="1"/>
           </a:xfrm>
           <a:prstGeom prst="bentConnector3">
             <a:avLst>
@@ -4764,7 +7257,7 @@
         </p:nvSpPr>
         <p:spPr>
           <a:xfrm>
-            <a:off x="3535850" y="3208301"/>
+            <a:off x="10148019" y="3669470"/>
             <a:ext cx="801823" cy="246221"/>
           </a:xfrm>
           <a:prstGeom prst="rect">
@@ -4789,13 +7282,16 @@
       <p:cxnSp>
         <p:nvCxnSpPr>
           <p:cNvPr id="34" name="Straight Arrow Connector 33"/>
-          <p:cNvCxnSpPr/>
+          <p:cNvCxnSpPr>
+            <a:stCxn id="25" idx="2"/>
+            <a:endCxn id="35" idx="0"/>
+          </p:cNvCxnSpPr>
           <p:nvPr/>
         </p:nvCxnSpPr>
         <p:spPr>
-          <a:xfrm>
-            <a:off x="3535850" y="3963677"/>
-            <a:ext cx="0" cy="521915"/>
+          <a:xfrm flipH="1">
+            <a:off x="10148019" y="4539782"/>
+            <a:ext cx="2" cy="409756"/>
           </a:xfrm>
           <a:prstGeom prst="straightConnector1">
             <a:avLst/>
@@ -4827,7 +7323,7 @@
         </p:nvSpPr>
         <p:spPr>
           <a:xfrm>
-            <a:off x="3314475" y="4485592"/>
+            <a:off x="9926644" y="4949538"/>
             <a:ext cx="442750" cy="246221"/>
           </a:xfrm>
           <a:prstGeom prst="rect">
@@ -4849,80 +7345,6 @@
           </a:p>
         </p:txBody>
       </p:sp>
-      <p:cxnSp>
-        <p:nvCxnSpPr>
-          <p:cNvPr id="36" name="Elbow Connector 35"/>
-          <p:cNvCxnSpPr>
-            <a:stCxn id="25" idx="3"/>
-            <a:endCxn id="12" idx="1"/>
-          </p:cNvCxnSpPr>
-          <p:nvPr/>
-        </p:nvCxnSpPr>
-        <p:spPr>
-          <a:xfrm flipV="1">
-            <a:off x="4087047" y="2678029"/>
-            <a:ext cx="831646" cy="1031071"/>
-          </a:xfrm>
-          <a:prstGeom prst="bentConnector3">
-            <a:avLst>
-              <a:gd name="adj1" fmla="val 50000"/>
-            </a:avLst>
-          </a:prstGeom>
-          <a:ln>
-            <a:tailEnd type="triangle"/>
-          </a:ln>
-        </p:spPr>
-        <p:style>
-          <a:lnRef idx="1">
-            <a:schemeClr val="accent1"/>
-          </a:lnRef>
-          <a:fillRef idx="0">
-            <a:schemeClr val="accent1"/>
-          </a:fillRef>
-          <a:effectRef idx="0">
-            <a:schemeClr val="accent1"/>
-          </a:effectRef>
-          <a:fontRef idx="minor">
-            <a:schemeClr val="tx1"/>
-          </a:fontRef>
-        </p:style>
-      </p:cxnSp>
-      <p:sp>
-        <p:nvSpPr>
-          <p:cNvPr id="40" name="TextBox 39"/>
-          <p:cNvSpPr txBox="1"/>
-          <p:nvPr/>
-        </p:nvSpPr>
-        <p:spPr>
-          <a:xfrm>
-            <a:off x="4544389" y="3131356"/>
-            <a:ext cx="925253" cy="400110"/>
-          </a:xfrm>
-          <a:prstGeom prst="rect">
-            <a:avLst/>
-          </a:prstGeom>
-          <a:noFill/>
-        </p:spPr>
-        <p:txBody>
-          <a:bodyPr wrap="none" rtlCol="0">
-            <a:spAutoFit/>
-          </a:bodyPr>
-          <a:lstStyle/>
-          <a:p>
-            <a:r>
-              <a:rPr lang="en-US" sz="1000" dirty="0" smtClean="0"/>
-              <a:t>Put request if </a:t>
-            </a:r>
-          </a:p>
-          <a:p>
-            <a:r>
-              <a:rPr lang="en-US" sz="1000" dirty="0" smtClean="0"/>
-              <a:t>ACK is needed</a:t>
-            </a:r>
-            <a:endParaRPr lang="en-US" sz="1000" dirty="0"/>
-          </a:p>
-        </p:txBody>
-      </p:sp>
       <p:sp>
         <p:nvSpPr>
           <p:cNvPr id="43" name="Rectangle 42"/>
@@ -4931,16 +7353,15 @@
         </p:nvSpPr>
         <p:spPr>
           <a:xfrm>
-            <a:off x="6266473" y="3454522"/>
+            <a:off x="5301100" y="5155639"/>
             <a:ext cx="1102393" cy="509155"/>
           </a:xfrm>
           <a:prstGeom prst="rect">
             <a:avLst/>
           </a:prstGeom>
           <a:solidFill>
-            <a:schemeClr val="accent6">
-              <a:lumMod val="60000"/>
-              <a:lumOff val="40000"/>
+            <a:schemeClr val="bg1">
+              <a:lumMod val="85000"/>
             </a:schemeClr>
           </a:solidFill>
         </p:spPr>
@@ -4985,14 +7406,15 @@
         <p:nvCxnSpPr>
           <p:cNvPr id="44" name="Straight Arrow Connector 43"/>
           <p:cNvCxnSpPr>
+            <a:stCxn id="48" idx="0"/>
             <a:endCxn id="43" idx="2"/>
           </p:cNvCxnSpPr>
           <p:nvPr/>
         </p:nvCxnSpPr>
         <p:spPr>
           <a:xfrm flipV="1">
-            <a:off x="6817669" y="3963677"/>
-            <a:ext cx="1" cy="509155"/>
+            <a:off x="5852296" y="5664794"/>
+            <a:ext cx="1" cy="299148"/>
           </a:xfrm>
           <a:prstGeom prst="straightConnector1">
             <a:avLst/>
@@ -5024,7 +7446,7 @@
         </p:nvSpPr>
         <p:spPr>
           <a:xfrm>
-            <a:off x="6524159" y="4485592"/>
+            <a:off x="5558786" y="5963942"/>
             <a:ext cx="587020" cy="246221"/>
           </a:xfrm>
           <a:prstGeom prst="rect">
@@ -5033,7 +7455,7 @@
           <a:noFill/>
         </p:spPr>
         <p:txBody>
-          <a:bodyPr wrap="none" rtlCol="0">
+          <a:bodyPr wrap="square" rtlCol="0">
             <a:spAutoFit/>
           </a:bodyPr>
           <a:lstStyle/>
@@ -5048,24 +7470,52 @@
       </p:sp>
       <p:sp>
         <p:nvSpPr>
-          <p:cNvPr id="50" name="Rectangle 49"/>
+          <p:cNvPr id="55" name="TextBox 54"/>
+          <p:cNvSpPr txBox="1"/>
+          <p:nvPr/>
+        </p:nvSpPr>
+        <p:spPr>
+          <a:xfrm>
+            <a:off x="3703712" y="3994683"/>
+            <a:ext cx="1260221" cy="246221"/>
+          </a:xfrm>
+          <a:prstGeom prst="rect">
+            <a:avLst/>
+          </a:prstGeom>
+          <a:noFill/>
+        </p:spPr>
+        <p:txBody>
+          <a:bodyPr wrap="square" rtlCol="0">
+            <a:spAutoFit/>
+          </a:bodyPr>
+          <a:lstStyle/>
+          <a:p>
+            <a:r>
+              <a:rPr lang="en-US" sz="1000" dirty="0" smtClean="0"/>
+              <a:t>Send Server Address</a:t>
+            </a:r>
+            <a:endParaRPr lang="en-US" sz="1000" dirty="0"/>
+          </a:p>
+        </p:txBody>
+      </p:sp>
+      <p:sp>
+        <p:nvSpPr>
+          <p:cNvPr id="37" name="Rectangle 36"/>
           <p:cNvSpPr/>
           <p:nvPr/>
         </p:nvSpPr>
         <p:spPr>
           <a:xfrm>
-            <a:off x="5110493" y="1876058"/>
-            <a:ext cx="1076861" cy="241818"/>
+            <a:off x="3480946" y="1034013"/>
+            <a:ext cx="5009148" cy="4757187"/>
           </a:xfrm>
           <a:prstGeom prst="rect">
             <a:avLst/>
           </a:prstGeom>
-          <a:solidFill>
-            <a:schemeClr val="accent2">
-              <a:lumMod val="60000"/>
-              <a:lumOff val="40000"/>
-            </a:schemeClr>
-          </a:solidFill>
+          <a:noFill/>
+          <a:ln w="3175">
+            <a:prstDash val="dash"/>
+          </a:ln>
         </p:spPr>
         <p:style>
           <a:lnRef idx="2">
@@ -5088,14 +7538,6 @@
           <a:lstStyle/>
           <a:p>
             <a:pPr algn="ctr"/>
-            <a:r>
-              <a:rPr lang="en-US" sz="1000" dirty="0" smtClean="0">
-                <a:solidFill>
-                  <a:schemeClr val="tx1"/>
-                </a:solidFill>
-              </a:rPr>
-              <a:t>Manager</a:t>
-            </a:r>
             <a:endParaRPr lang="en-US" sz="1000" dirty="0">
               <a:solidFill>
                 <a:schemeClr val="tx1"/>
@@ -5106,19 +7548,19 @@
       </p:sp>
       <p:cxnSp>
         <p:nvCxnSpPr>
-          <p:cNvPr id="51" name="Elbow Connector 50"/>
+          <p:cNvPr id="53" name="Straight Arrow Connector 52"/>
           <p:cNvCxnSpPr>
-            <a:stCxn id="50" idx="0"/>
-            <a:endCxn id="13" idx="3"/>
+            <a:stCxn id="12" idx="0"/>
+            <a:endCxn id="67" idx="2"/>
           </p:cNvCxnSpPr>
           <p:nvPr/>
         </p:nvCxnSpPr>
         <p:spPr>
-          <a:xfrm rot="16200000" flipV="1">
-            <a:off x="4753437" y="980571"/>
-            <a:ext cx="229098" cy="1561876"/>
-          </a:xfrm>
-          <a:prstGeom prst="bentConnector2">
+          <a:xfrm flipH="1" flipV="1">
+            <a:off x="5855672" y="4167785"/>
+            <a:ext cx="1" cy="298512"/>
+          </a:xfrm>
+          <a:prstGeom prst="straightConnector1">
             <a:avLst/>
           </a:prstGeom>
           <a:ln>
@@ -5140,52 +7582,24 @@
           </a:fontRef>
         </p:style>
       </p:cxnSp>
-      <p:sp>
-        <p:nvSpPr>
-          <p:cNvPr id="55" name="TextBox 54"/>
-          <p:cNvSpPr txBox="1"/>
-          <p:nvPr/>
-        </p:nvSpPr>
-        <p:spPr>
-          <a:xfrm>
-            <a:off x="5690201" y="2147553"/>
-            <a:ext cx="801823" cy="246221"/>
-          </a:xfrm>
-          <a:prstGeom prst="rect">
-            <a:avLst/>
-          </a:prstGeom>
-          <a:noFill/>
-        </p:spPr>
-        <p:txBody>
-          <a:bodyPr wrap="none" rtlCol="0">
-            <a:spAutoFit/>
-          </a:bodyPr>
-          <a:lstStyle/>
-          <a:p>
-            <a:r>
-              <a:rPr lang="en-US" sz="1000" dirty="0" smtClean="0"/>
-              <a:t>Get request</a:t>
-            </a:r>
-            <a:endParaRPr lang="en-US" sz="1000" dirty="0"/>
-          </a:p>
-        </p:txBody>
-      </p:sp>
       <p:cxnSp>
         <p:nvCxnSpPr>
-          <p:cNvPr id="60" name="Straight Arrow Connector 59"/>
+          <p:cNvPr id="56" name="Elbow Connector 55"/>
           <p:cNvCxnSpPr>
-            <a:stCxn id="12" idx="0"/>
-            <a:endCxn id="50" idx="2"/>
+            <a:stCxn id="87" idx="0"/>
+            <a:endCxn id="92" idx="2"/>
           </p:cNvCxnSpPr>
           <p:nvPr/>
         </p:nvCxnSpPr>
         <p:spPr>
-          <a:xfrm flipH="1" flipV="1">
-            <a:off x="5648924" y="2117876"/>
-            <a:ext cx="4733" cy="305575"/>
-          </a:xfrm>
-          <a:prstGeom prst="straightConnector1">
-            <a:avLst/>
+          <a:xfrm rot="16200000" flipV="1">
+            <a:off x="4959956" y="2317046"/>
+            <a:ext cx="377265" cy="1414168"/>
+          </a:xfrm>
+          <a:prstGeom prst="bentConnector3">
+            <a:avLst>
+              <a:gd name="adj1" fmla="val 50000"/>
+            </a:avLst>
           </a:prstGeom>
           <a:ln>
             <a:tailEnd type="triangle"/>
@@ -5208,127 +7622,24 @@
       </p:cxnSp>
       <p:sp>
         <p:nvSpPr>
-          <p:cNvPr id="65" name="TextBox 64"/>
-          <p:cNvSpPr txBox="1"/>
-          <p:nvPr/>
-        </p:nvSpPr>
-        <p:spPr>
-          <a:xfrm>
-            <a:off x="5690201" y="1469568"/>
-            <a:ext cx="901209" cy="400110"/>
+          <p:cNvPr id="57" name="Rectangle 56"/>
+          <p:cNvSpPr/>
+          <p:nvPr/>
+        </p:nvSpPr>
+        <p:spPr>
+          <a:xfrm>
+            <a:off x="3819471" y="4466296"/>
+            <a:ext cx="1028704" cy="327301"/>
           </a:xfrm>
           <a:prstGeom prst="rect">
             <a:avLst/>
           </a:prstGeom>
-          <a:noFill/>
-        </p:spPr>
-        <p:txBody>
-          <a:bodyPr wrap="none" rtlCol="0">
-            <a:spAutoFit/>
-          </a:bodyPr>
-          <a:lstStyle/>
-          <a:p>
-            <a:r>
-              <a:rPr lang="en-US" sz="1000" dirty="0" smtClean="0"/>
-              <a:t>ACK timeout, </a:t>
-            </a:r>
-          </a:p>
-          <a:p>
-            <a:r>
-              <a:rPr lang="en-US" sz="1000" dirty="0" smtClean="0"/>
-              <a:t>send again</a:t>
-            </a:r>
-            <a:endParaRPr lang="en-US" sz="1000" dirty="0"/>
-          </a:p>
-        </p:txBody>
-      </p:sp>
-      <p:cxnSp>
-        <p:nvCxnSpPr>
-          <p:cNvPr id="66" name="Elbow Connector 65"/>
-          <p:cNvCxnSpPr>
-            <a:stCxn id="43" idx="0"/>
-            <a:endCxn id="12" idx="3"/>
-          </p:cNvCxnSpPr>
-          <p:nvPr/>
-        </p:nvCxnSpPr>
-        <p:spPr>
-          <a:xfrm rot="16200000" flipV="1">
-            <a:off x="6214900" y="2851751"/>
-            <a:ext cx="776493" cy="429049"/>
-          </a:xfrm>
-          <a:prstGeom prst="bentConnector2">
-            <a:avLst/>
-          </a:prstGeom>
-          <a:ln>
-            <a:tailEnd type="triangle"/>
-          </a:ln>
-        </p:spPr>
-        <p:style>
-          <a:lnRef idx="1">
-            <a:schemeClr val="accent1"/>
-          </a:lnRef>
-          <a:fillRef idx="0">
-            <a:schemeClr val="accent1"/>
-          </a:fillRef>
-          <a:effectRef idx="0">
-            <a:schemeClr val="accent1"/>
-          </a:effectRef>
-          <a:fontRef idx="minor">
-            <a:schemeClr val="tx1"/>
-          </a:fontRef>
-        </p:style>
-      </p:cxnSp>
-      <p:sp>
-        <p:nvSpPr>
-          <p:cNvPr id="69" name="TextBox 68"/>
-          <p:cNvSpPr txBox="1"/>
-          <p:nvPr/>
-        </p:nvSpPr>
-        <p:spPr>
-          <a:xfrm>
-            <a:off x="5815144" y="2962283"/>
-            <a:ext cx="1039067" cy="400110"/>
-          </a:xfrm>
-          <a:prstGeom prst="rect">
-            <a:avLst/>
-          </a:prstGeom>
-          <a:noFill/>
-        </p:spPr>
-        <p:txBody>
-          <a:bodyPr wrap="none" rtlCol="0">
-            <a:spAutoFit/>
-          </a:bodyPr>
-          <a:lstStyle/>
-          <a:p>
-            <a:r>
-              <a:rPr lang="en-US" sz="1000" dirty="0" smtClean="0"/>
-              <a:t>Remove request</a:t>
-            </a:r>
-          </a:p>
-          <a:p>
-            <a:r>
-              <a:rPr lang="en-US" sz="1000" dirty="0" smtClean="0"/>
-              <a:t>If ACK received</a:t>
-            </a:r>
-            <a:endParaRPr lang="en-US" sz="1000" dirty="0"/>
-          </a:p>
-        </p:txBody>
-      </p:sp>
-      <p:sp>
-        <p:nvSpPr>
-          <p:cNvPr id="73" name="Rectangle 72"/>
-          <p:cNvSpPr/>
-          <p:nvPr/>
-        </p:nvSpPr>
-        <p:spPr>
-          <a:xfrm>
-            <a:off x="7711959" y="3531039"/>
-            <a:ext cx="1228653" cy="356119"/>
-          </a:xfrm>
-          <a:prstGeom prst="rect">
-            <a:avLst/>
-          </a:prstGeom>
-          <a:noFill/>
+          <a:solidFill>
+            <a:schemeClr val="accent4">
+              <a:lumMod val="60000"/>
+              <a:lumOff val="40000"/>
+            </a:schemeClr>
+          </a:solidFill>
         </p:spPr>
         <p:style>
           <a:lnRef idx="2">
@@ -5357,7 +7668,7 @@
                   <a:schemeClr val="tx1"/>
                 </a:solidFill>
               </a:rPr>
-              <a:t>Check registration</a:t>
+              <a:t>DISCOVERY</a:t>
             </a:r>
             <a:endParaRPr lang="en-US" sz="1000" dirty="0">
               <a:solidFill>
@@ -5369,17 +7680,17 @@
       </p:sp>
       <p:cxnSp>
         <p:nvCxnSpPr>
-          <p:cNvPr id="76" name="Elbow Connector 75"/>
+          <p:cNvPr id="58" name="Elbow Connector 57"/>
           <p:cNvCxnSpPr>
-            <a:stCxn id="43" idx="3"/>
-            <a:endCxn id="73" idx="1"/>
+            <a:stCxn id="12" idx="1"/>
+            <a:endCxn id="57" idx="3"/>
           </p:cNvCxnSpPr>
           <p:nvPr/>
         </p:nvCxnSpPr>
         <p:spPr>
-          <a:xfrm flipV="1">
-            <a:off x="7368866" y="3709099"/>
-            <a:ext cx="343093" cy="1"/>
+          <a:xfrm rot="10800000">
+            <a:off x="4848175" y="4629948"/>
+            <a:ext cx="348656" cy="1"/>
           </a:xfrm>
           <a:prstGeom prst="bentConnector3">
             <a:avLst>
@@ -5407,19 +7718,23 @@
       </p:cxnSp>
       <p:sp>
         <p:nvSpPr>
-          <p:cNvPr id="81" name="Rectangle 80"/>
+          <p:cNvPr id="67" name="Rectangle 66"/>
           <p:cNvSpPr/>
           <p:nvPr/>
         </p:nvSpPr>
         <p:spPr>
           <a:xfrm>
-            <a:off x="9121300" y="2209117"/>
-            <a:ext cx="1228653" cy="356119"/>
+            <a:off x="5341320" y="3840484"/>
+            <a:ext cx="1028704" cy="327301"/>
           </a:xfrm>
           <a:prstGeom prst="rect">
             <a:avLst/>
           </a:prstGeom>
-          <a:noFill/>
+          <a:solidFill>
+            <a:schemeClr val="accent6">
+              <a:lumMod val="75000"/>
+            </a:schemeClr>
+          </a:solidFill>
         </p:spPr>
         <p:style>
           <a:lnRef idx="2">
@@ -5448,7 +7763,7 @@
                   <a:schemeClr val="tx1"/>
                 </a:solidFill>
               </a:rPr>
-              <a:t>Execute Command</a:t>
+              <a:t>CONNECTED</a:t>
             </a:r>
             <a:endParaRPr lang="en-US" sz="1000" dirty="0">
               <a:solidFill>
@@ -5460,17 +7775,17 @@
       </p:sp>
       <p:cxnSp>
         <p:nvCxnSpPr>
-          <p:cNvPr id="82" name="Straight Arrow Connector 81"/>
+          <p:cNvPr id="70" name="Straight Arrow Connector 69"/>
           <p:cNvCxnSpPr>
-            <a:stCxn id="41" idx="0"/>
-            <a:endCxn id="81" idx="2"/>
+            <a:stCxn id="57" idx="0"/>
+            <a:endCxn id="55" idx="2"/>
           </p:cNvCxnSpPr>
           <p:nvPr/>
         </p:nvCxnSpPr>
         <p:spPr>
           <a:xfrm flipV="1">
-            <a:off x="9735627" y="2565236"/>
-            <a:ext cx="0" cy="358761"/>
+            <a:off x="4333823" y="4240904"/>
+            <a:ext cx="0" cy="225392"/>
           </a:xfrm>
           <a:prstGeom prst="straightConnector1">
             <a:avLst/>
@@ -5494,16 +7809,52 @@
           </a:fontRef>
         </p:style>
       </p:cxnSp>
-      <p:sp>
-        <p:nvSpPr>
-          <p:cNvPr id="88" name="Rectangle 87"/>
+      <p:cxnSp>
+        <p:nvCxnSpPr>
+          <p:cNvPr id="78" name="Straight Arrow Connector 77"/>
+          <p:cNvCxnSpPr>
+            <a:stCxn id="67" idx="0"/>
+            <a:endCxn id="87" idx="2"/>
+          </p:cNvCxnSpPr>
+          <p:nvPr/>
+        </p:nvCxnSpPr>
+        <p:spPr>
+          <a:xfrm flipV="1">
+            <a:off x="5855672" y="3540064"/>
+            <a:ext cx="0" cy="300420"/>
+          </a:xfrm>
+          <a:prstGeom prst="straightConnector1">
+            <a:avLst/>
+          </a:prstGeom>
+          <a:ln>
+            <a:tailEnd type="triangle"/>
+          </a:ln>
+        </p:spPr>
+        <p:style>
+          <a:lnRef idx="1">
+            <a:schemeClr val="accent1"/>
+          </a:lnRef>
+          <a:fillRef idx="0">
+            <a:schemeClr val="accent1"/>
+          </a:fillRef>
+          <a:effectRef idx="0">
+            <a:schemeClr val="accent1"/>
+          </a:effectRef>
+          <a:fontRef idx="minor">
+            <a:schemeClr val="tx1"/>
+          </a:fontRef>
+        </p:style>
+      </p:cxnSp>
+      <p:sp>
+        <p:nvSpPr>
+          <p:cNvPr id="87" name="Rectangle 86"/>
           <p:cNvSpPr/>
           <p:nvPr/>
         </p:nvSpPr>
         <p:spPr>
           <a:xfrm>
-            <a:off x="7813964" y="1392382"/>
-            <a:ext cx="1018309" cy="477296"/>
+            <a:off x="5196830" y="3212762"/>
+            <a:ext cx="1317683" cy="327302"/>
           </a:xfrm>
           <a:prstGeom prst="rect">
             <a:avLst/>
@@ -5537,7 +7888,7 @@
                   <a:schemeClr val="tx1"/>
                 </a:solidFill>
               </a:rPr>
-              <a:t>Send store to DB request</a:t>
+              <a:t>Parse Packet</a:t>
             </a:r>
             <a:endParaRPr lang="en-US" sz="1000" dirty="0">
               <a:solidFill>
@@ -5547,118 +7898,21 @@
           </a:p>
         </p:txBody>
       </p:sp>
-      <p:cxnSp>
-        <p:nvCxnSpPr>
-          <p:cNvPr id="95" name="Straight Arrow Connector 94"/>
-          <p:cNvCxnSpPr/>
-          <p:nvPr/>
-        </p:nvCxnSpPr>
-        <p:spPr>
-          <a:xfrm flipV="1">
-            <a:off x="8323117" y="876847"/>
-            <a:ext cx="1" cy="509155"/>
-          </a:xfrm>
-          <a:prstGeom prst="straightConnector1">
-            <a:avLst/>
-          </a:prstGeom>
-          <a:ln>
-            <a:tailEnd type="triangle"/>
-          </a:ln>
-        </p:spPr>
-        <p:style>
-          <a:lnRef idx="1">
-            <a:schemeClr val="accent1"/>
-          </a:lnRef>
-          <a:fillRef idx="0">
-            <a:schemeClr val="accent1"/>
-          </a:fillRef>
-          <a:effectRef idx="0">
-            <a:schemeClr val="accent1"/>
-          </a:effectRef>
-          <a:fontRef idx="minor">
-            <a:schemeClr val="tx1"/>
-          </a:fontRef>
-        </p:style>
-      </p:cxnSp>
-      <p:sp>
-        <p:nvSpPr>
-          <p:cNvPr id="96" name="TextBox 95"/>
-          <p:cNvSpPr txBox="1"/>
-          <p:nvPr/>
-        </p:nvSpPr>
-        <p:spPr>
-          <a:xfrm>
-            <a:off x="7906977" y="624245"/>
-            <a:ext cx="832279" cy="246221"/>
+      <p:sp>
+        <p:nvSpPr>
+          <p:cNvPr id="89" name="Rectangle 88"/>
+          <p:cNvSpPr/>
+          <p:nvPr/>
+        </p:nvSpPr>
+        <p:spPr>
+          <a:xfrm>
+            <a:off x="6610998" y="2508195"/>
+            <a:ext cx="1317683" cy="327302"/>
           </a:xfrm>
           <a:prstGeom prst="rect">
             <a:avLst/>
           </a:prstGeom>
           <a:noFill/>
-        </p:spPr>
-        <p:txBody>
-          <a:bodyPr wrap="none" rtlCol="0">
-            <a:spAutoFit/>
-          </a:bodyPr>
-          <a:lstStyle/>
-          <a:p>
-            <a:r>
-              <a:rPr lang="en-US" sz="1000" dirty="0" smtClean="0"/>
-              <a:t>IPC message</a:t>
-            </a:r>
-            <a:endParaRPr lang="en-US" sz="1000" dirty="0"/>
-          </a:p>
-        </p:txBody>
-      </p:sp>
-      <p:cxnSp>
-        <p:nvCxnSpPr>
-          <p:cNvPr id="98" name="Straight Connector 97"/>
-          <p:cNvCxnSpPr/>
-          <p:nvPr/>
-        </p:nvCxnSpPr>
-        <p:spPr>
-          <a:xfrm flipH="1">
-            <a:off x="7548776" y="1392382"/>
-            <a:ext cx="9026" cy="2571295"/>
-          </a:xfrm>
-          <a:prstGeom prst="line">
-            <a:avLst/>
-          </a:prstGeom>
-          <a:ln w="19050"/>
-        </p:spPr>
-        <p:style>
-          <a:lnRef idx="1">
-            <a:schemeClr val="accent1"/>
-          </a:lnRef>
-          <a:fillRef idx="0">
-            <a:schemeClr val="accent1"/>
-          </a:fillRef>
-          <a:effectRef idx="0">
-            <a:schemeClr val="accent1"/>
-          </a:effectRef>
-          <a:fontRef idx="minor">
-            <a:schemeClr val="tx1"/>
-          </a:fontRef>
-        </p:style>
-      </p:cxnSp>
-      <p:sp>
-        <p:nvSpPr>
-          <p:cNvPr id="37" name="Rectangle 36"/>
-          <p:cNvSpPr/>
-          <p:nvPr/>
-        </p:nvSpPr>
-        <p:spPr>
-          <a:xfrm>
-            <a:off x="4790156" y="1820230"/>
-            <a:ext cx="1731689" cy="1180145"/>
-          </a:xfrm>
-          <a:prstGeom prst="rect">
-            <a:avLst/>
-          </a:prstGeom>
-          <a:noFill/>
-          <a:ln w="3175">
-            <a:prstDash val="dash"/>
-          </a:ln>
         </p:spPr>
         <p:style>
           <a:lnRef idx="2">
@@ -5681,6 +7935,14 @@
           <a:lstStyle/>
           <a:p>
             <a:pPr algn="ctr"/>
+            <a:r>
+              <a:rPr lang="en-US" sz="1000" dirty="0" smtClean="0">
+                <a:solidFill>
+                  <a:schemeClr val="tx1"/>
+                </a:solidFill>
+              </a:rPr>
+              <a:t>Execute Command</a:t>
+            </a:r>
             <a:endParaRPr lang="en-US" sz="1000" dirty="0">
               <a:solidFill>
                 <a:schemeClr val="tx1"/>
@@ -5691,22 +7953,19 @@
       </p:sp>
       <p:sp>
         <p:nvSpPr>
-          <p:cNvPr id="38" name="Rectangle 37"/>
+          <p:cNvPr id="91" name="Rectangle 90"/>
           <p:cNvSpPr/>
           <p:nvPr/>
         </p:nvSpPr>
         <p:spPr>
           <a:xfrm>
-            <a:off x="2722353" y="1357375"/>
-            <a:ext cx="1667879" cy="2643125"/>
+            <a:off x="3782662" y="1867993"/>
+            <a:ext cx="1317683" cy="327302"/>
           </a:xfrm>
           <a:prstGeom prst="rect">
             <a:avLst/>
           </a:prstGeom>
           <a:noFill/>
-          <a:ln w="3175">
-            <a:prstDash val="dash"/>
-          </a:ln>
         </p:spPr>
         <p:style>
           <a:lnRef idx="2">
@@ -5729,6 +7988,14 @@
           <a:lstStyle/>
           <a:p>
             <a:pPr algn="ctr"/>
+            <a:r>
+              <a:rPr lang="en-US" sz="1000" dirty="0" smtClean="0">
+                <a:solidFill>
+                  <a:schemeClr val="tx1"/>
+                </a:solidFill>
+              </a:rPr>
+              <a:t>Check Sensor Changes</a:t>
+            </a:r>
             <a:endParaRPr lang="en-US" sz="1000" dirty="0">
               <a:solidFill>
                 <a:schemeClr val="tx1"/>
@@ -5739,14 +8006,14 @@
       </p:sp>
       <p:sp>
         <p:nvSpPr>
-          <p:cNvPr id="41" name="Rectangle 40"/>
+          <p:cNvPr id="92" name="Rectangle 91"/>
           <p:cNvSpPr/>
           <p:nvPr/>
         </p:nvSpPr>
         <p:spPr>
           <a:xfrm>
-            <a:off x="9121300" y="2923997"/>
-            <a:ext cx="1228653" cy="356119"/>
+            <a:off x="3782662" y="2508195"/>
+            <a:ext cx="1317683" cy="327302"/>
           </a:xfrm>
           <a:prstGeom prst="rect">
             <a:avLst/>
@@ -5780,7 +8047,7 @@
                   <a:schemeClr val="tx1"/>
                 </a:solidFill>
               </a:rPr>
-              <a:t>Parse packet</a:t>
+              <a:t>Update Cache DB</a:t>
             </a:r>
             <a:endParaRPr lang="en-US" sz="1000" dirty="0">
               <a:solidFill>
@@ -5792,19 +8059,19 @@
       </p:sp>
       <p:cxnSp>
         <p:nvCxnSpPr>
-          <p:cNvPr id="42" name="Elbow Connector 41"/>
+          <p:cNvPr id="93" name="Straight Arrow Connector 92"/>
           <p:cNvCxnSpPr>
-            <a:stCxn id="73" idx="3"/>
-            <a:endCxn id="41" idx="2"/>
+            <a:stCxn id="92" idx="0"/>
+            <a:endCxn id="91" idx="2"/>
           </p:cNvCxnSpPr>
           <p:nvPr/>
         </p:nvCxnSpPr>
         <p:spPr>
           <a:xfrm flipV="1">
-            <a:off x="8940612" y="3280116"/>
-            <a:ext cx="795015" cy="428983"/>
-          </a:xfrm>
-          <a:prstGeom prst="bentConnector2">
+            <a:off x="4441504" y="2195295"/>
+            <a:ext cx="0" cy="312900"/>
+          </a:xfrm>
+          <a:prstGeom prst="straightConnector1">
             <a:avLst/>
           </a:prstGeom>
           <a:ln>
@@ -5826,16 +8093,54 @@
           </a:fontRef>
         </p:style>
       </p:cxnSp>
-      <p:sp>
-        <p:nvSpPr>
-          <p:cNvPr id="49" name="Rectangle 48"/>
+      <p:cxnSp>
+        <p:nvCxnSpPr>
+          <p:cNvPr id="97" name="Elbow Connector 96"/>
+          <p:cNvCxnSpPr>
+            <a:stCxn id="87" idx="0"/>
+            <a:endCxn id="89" idx="2"/>
+          </p:cNvCxnSpPr>
+          <p:nvPr/>
+        </p:nvCxnSpPr>
+        <p:spPr>
+          <a:xfrm rot="5400000" flipH="1" flipV="1">
+            <a:off x="6374124" y="2317046"/>
+            <a:ext cx="377265" cy="1414168"/>
+          </a:xfrm>
+          <a:prstGeom prst="bentConnector3">
+            <a:avLst>
+              <a:gd name="adj1" fmla="val 50000"/>
+            </a:avLst>
+          </a:prstGeom>
+          <a:ln>
+            <a:tailEnd type="triangle"/>
+          </a:ln>
+        </p:spPr>
+        <p:style>
+          <a:lnRef idx="1">
+            <a:schemeClr val="accent1"/>
+          </a:lnRef>
+          <a:fillRef idx="0">
+            <a:schemeClr val="accent1"/>
+          </a:fillRef>
+          <a:effectRef idx="0">
+            <a:schemeClr val="accent1"/>
+          </a:effectRef>
+          <a:fontRef idx="minor">
+            <a:schemeClr val="tx1"/>
+          </a:fontRef>
+        </p:style>
+      </p:cxnSp>
+      <p:sp>
+        <p:nvSpPr>
+          <p:cNvPr id="108" name="Rectangle 107"/>
           <p:cNvSpPr/>
           <p:nvPr/>
         </p:nvSpPr>
         <p:spPr>
           <a:xfrm>
-            <a:off x="9226472" y="1392382"/>
-            <a:ext cx="1018309" cy="477296"/>
+            <a:off x="3782661" y="1223290"/>
+            <a:ext cx="1317683" cy="327302"/>
           </a:xfrm>
           <a:prstGeom prst="rect">
             <a:avLst/>
@@ -5869,7 +8174,7 @@
                   <a:schemeClr val="tx1"/>
                 </a:solidFill>
               </a:rPr>
-              <a:t>TBD</a:t>
+              <a:t>Update Database</a:t>
             </a:r>
             <a:endParaRPr lang="en-US" sz="1000" dirty="0">
               <a:solidFill>
@@ -5879,21 +8184,1147 @@
           </a:p>
         </p:txBody>
       </p:sp>
+      <p:sp>
+        <p:nvSpPr>
+          <p:cNvPr id="109" name="Rectangle 108"/>
+          <p:cNvSpPr/>
+          <p:nvPr/>
+        </p:nvSpPr>
+        <p:spPr>
+          <a:xfrm>
+            <a:off x="5324927" y="1223290"/>
+            <a:ext cx="1317683" cy="327302"/>
+          </a:xfrm>
+          <a:prstGeom prst="rect">
+            <a:avLst/>
+          </a:prstGeom>
+          <a:noFill/>
+        </p:spPr>
+        <p:style>
+          <a:lnRef idx="2">
+            <a:schemeClr val="accent1">
+              <a:shade val="50000"/>
+            </a:schemeClr>
+          </a:lnRef>
+          <a:fillRef idx="1">
+            <a:schemeClr val="accent1"/>
+          </a:fillRef>
+          <a:effectRef idx="0">
+            <a:schemeClr val="accent1"/>
+          </a:effectRef>
+          <a:fontRef idx="minor">
+            <a:schemeClr val="lt1"/>
+          </a:fontRef>
+        </p:style>
+        <p:txBody>
+          <a:bodyPr rtlCol="0" anchor="ctr"/>
+          <a:lstStyle/>
+          <a:p>
+            <a:pPr algn="ctr"/>
+            <a:r>
+              <a:rPr lang="en-US" sz="1000" dirty="0" smtClean="0">
+                <a:solidFill>
+                  <a:schemeClr val="tx1"/>
+                </a:solidFill>
+              </a:rPr>
+              <a:t>Check For Events</a:t>
+            </a:r>
+            <a:endParaRPr lang="en-US" sz="1000" dirty="0">
+              <a:solidFill>
+                <a:schemeClr val="tx1"/>
+              </a:solidFill>
+            </a:endParaRPr>
+          </a:p>
+        </p:txBody>
+      </p:sp>
+      <p:sp>
+        <p:nvSpPr>
+          <p:cNvPr id="110" name="Rectangle 109"/>
+          <p:cNvSpPr/>
+          <p:nvPr/>
+        </p:nvSpPr>
+        <p:spPr>
+          <a:xfrm>
+            <a:off x="6867193" y="1223290"/>
+            <a:ext cx="1317683" cy="327302"/>
+          </a:xfrm>
+          <a:prstGeom prst="rect">
+            <a:avLst/>
+          </a:prstGeom>
+          <a:noFill/>
+        </p:spPr>
+        <p:style>
+          <a:lnRef idx="2">
+            <a:schemeClr val="accent1">
+              <a:shade val="50000"/>
+            </a:schemeClr>
+          </a:lnRef>
+          <a:fillRef idx="1">
+            <a:schemeClr val="accent1"/>
+          </a:fillRef>
+          <a:effectRef idx="0">
+            <a:schemeClr val="accent1"/>
+          </a:effectRef>
+          <a:fontRef idx="minor">
+            <a:schemeClr val="lt1"/>
+          </a:fontRef>
+        </p:style>
+        <p:txBody>
+          <a:bodyPr rtlCol="0" anchor="ctr"/>
+          <a:lstStyle/>
+          <a:p>
+            <a:pPr algn="ctr"/>
+            <a:r>
+              <a:rPr lang="en-US" sz="1000" dirty="0" smtClean="0">
+                <a:solidFill>
+                  <a:schemeClr val="tx1"/>
+                </a:solidFill>
+              </a:rPr>
+              <a:t>Execute Python Script</a:t>
+            </a:r>
+            <a:endParaRPr lang="en-US" sz="1000" dirty="0">
+              <a:solidFill>
+                <a:schemeClr val="tx1"/>
+              </a:solidFill>
+            </a:endParaRPr>
+          </a:p>
+        </p:txBody>
+      </p:sp>
       <p:cxnSp>
         <p:nvCxnSpPr>
-          <p:cNvPr id="52" name="Elbow Connector 51"/>
+          <p:cNvPr id="111" name="Straight Arrow Connector 110"/>
           <p:cNvCxnSpPr>
-            <a:stCxn id="81" idx="1"/>
-            <a:endCxn id="88" idx="2"/>
+            <a:stCxn id="91" idx="0"/>
+            <a:endCxn id="108" idx="2"/>
           </p:cNvCxnSpPr>
           <p:nvPr/>
         </p:nvCxnSpPr>
         <p:spPr>
-          <a:xfrm rot="10800000">
-            <a:off x="8323120" y="1869679"/>
-            <a:ext cx="798181" cy="517499"/>
-          </a:xfrm>
-          <a:prstGeom prst="bentConnector2">
+          <a:xfrm flipH="1" flipV="1">
+            <a:off x="4441503" y="1550592"/>
+            <a:ext cx="1" cy="317401"/>
+          </a:xfrm>
+          <a:prstGeom prst="straightConnector1">
+            <a:avLst/>
+          </a:prstGeom>
+          <a:ln>
+            <a:tailEnd type="triangle"/>
+          </a:ln>
+        </p:spPr>
+        <p:style>
+          <a:lnRef idx="1">
+            <a:schemeClr val="accent1"/>
+          </a:lnRef>
+          <a:fillRef idx="0">
+            <a:schemeClr val="accent1"/>
+          </a:fillRef>
+          <a:effectRef idx="0">
+            <a:schemeClr val="accent1"/>
+          </a:effectRef>
+          <a:fontRef idx="minor">
+            <a:schemeClr val="tx1"/>
+          </a:fontRef>
+        </p:style>
+      </p:cxnSp>
+      <p:cxnSp>
+        <p:nvCxnSpPr>
+          <p:cNvPr id="114" name="Straight Arrow Connector 113"/>
+          <p:cNvCxnSpPr>
+            <a:stCxn id="108" idx="3"/>
+            <a:endCxn id="109" idx="1"/>
+          </p:cNvCxnSpPr>
+          <p:nvPr/>
+        </p:nvCxnSpPr>
+        <p:spPr>
+          <a:xfrm>
+            <a:off x="5100344" y="1386941"/>
+            <a:ext cx="224583" cy="0"/>
+          </a:xfrm>
+          <a:prstGeom prst="straightConnector1">
+            <a:avLst/>
+          </a:prstGeom>
+          <a:ln>
+            <a:tailEnd type="triangle"/>
+          </a:ln>
+        </p:spPr>
+        <p:style>
+          <a:lnRef idx="1">
+            <a:schemeClr val="accent1"/>
+          </a:lnRef>
+          <a:fillRef idx="0">
+            <a:schemeClr val="accent1"/>
+          </a:fillRef>
+          <a:effectRef idx="0">
+            <a:schemeClr val="accent1"/>
+          </a:effectRef>
+          <a:fontRef idx="minor">
+            <a:schemeClr val="tx1"/>
+          </a:fontRef>
+        </p:style>
+      </p:cxnSp>
+      <p:cxnSp>
+        <p:nvCxnSpPr>
+          <p:cNvPr id="117" name="Straight Arrow Connector 116"/>
+          <p:cNvCxnSpPr>
+            <a:stCxn id="109" idx="3"/>
+            <a:endCxn id="110" idx="1"/>
+          </p:cNvCxnSpPr>
+          <p:nvPr/>
+        </p:nvCxnSpPr>
+        <p:spPr>
+          <a:xfrm>
+            <a:off x="6642610" y="1386941"/>
+            <a:ext cx="224583" cy="0"/>
+          </a:xfrm>
+          <a:prstGeom prst="straightConnector1">
+            <a:avLst/>
+          </a:prstGeom>
+          <a:ln>
+            <a:tailEnd type="triangle"/>
+          </a:ln>
+        </p:spPr>
+        <p:style>
+          <a:lnRef idx="1">
+            <a:schemeClr val="accent1"/>
+          </a:lnRef>
+          <a:fillRef idx="0">
+            <a:schemeClr val="accent1"/>
+          </a:fillRef>
+          <a:effectRef idx="0">
+            <a:schemeClr val="accent1"/>
+          </a:effectRef>
+          <a:fontRef idx="minor">
+            <a:schemeClr val="tx1"/>
+          </a:fontRef>
+        </p:style>
+      </p:cxnSp>
+      <p:sp>
+        <p:nvSpPr>
+          <p:cNvPr id="121" name="TextBox 120"/>
+          <p:cNvSpPr txBox="1"/>
+          <p:nvPr/>
+        </p:nvSpPr>
+        <p:spPr>
+          <a:xfrm>
+            <a:off x="3999996" y="1589738"/>
+            <a:ext cx="395400" cy="246221"/>
+          </a:xfrm>
+          <a:prstGeom prst="rect">
+            <a:avLst/>
+          </a:prstGeom>
+          <a:noFill/>
+        </p:spPr>
+        <p:txBody>
+          <a:bodyPr wrap="square" rtlCol="0">
+            <a:spAutoFit/>
+          </a:bodyPr>
+          <a:lstStyle/>
+          <a:p>
+            <a:r>
+              <a:rPr lang="en-US" sz="1000" dirty="0" smtClean="0"/>
+              <a:t>Yes</a:t>
+            </a:r>
+            <a:endParaRPr lang="en-US" sz="1000" dirty="0"/>
+          </a:p>
+        </p:txBody>
+      </p:sp>
+      <p:sp>
+        <p:nvSpPr>
+          <p:cNvPr id="126" name="Rectangle 125"/>
+          <p:cNvSpPr/>
+          <p:nvPr/>
+        </p:nvSpPr>
+        <p:spPr>
+          <a:xfrm>
+            <a:off x="5196830" y="2496386"/>
+            <a:ext cx="1317683" cy="327302"/>
+          </a:xfrm>
+          <a:prstGeom prst="rect">
+            <a:avLst/>
+          </a:prstGeom>
+          <a:noFill/>
+        </p:spPr>
+        <p:style>
+          <a:lnRef idx="2">
+            <a:schemeClr val="accent1">
+              <a:shade val="50000"/>
+            </a:schemeClr>
+          </a:lnRef>
+          <a:fillRef idx="1">
+            <a:schemeClr val="accent1"/>
+          </a:fillRef>
+          <a:effectRef idx="0">
+            <a:schemeClr val="accent1"/>
+          </a:effectRef>
+          <a:fontRef idx="minor">
+            <a:schemeClr val="lt1"/>
+          </a:fontRef>
+        </p:style>
+        <p:txBody>
+          <a:bodyPr rtlCol="0" anchor="ctr"/>
+          <a:lstStyle/>
+          <a:p>
+            <a:pPr algn="ctr"/>
+            <a:r>
+              <a:rPr lang="en-US" sz="1000" dirty="0" smtClean="0">
+                <a:solidFill>
+                  <a:schemeClr val="tx1"/>
+                </a:solidFill>
+              </a:rPr>
+              <a:t>Setup Server</a:t>
+            </a:r>
+            <a:endParaRPr lang="en-US" sz="1000" dirty="0">
+              <a:solidFill>
+                <a:schemeClr val="tx1"/>
+              </a:solidFill>
+            </a:endParaRPr>
+          </a:p>
+        </p:txBody>
+      </p:sp>
+      <p:cxnSp>
+        <p:nvCxnSpPr>
+          <p:cNvPr id="133" name="Straight Arrow Connector 132"/>
+          <p:cNvCxnSpPr>
+            <a:stCxn id="43" idx="0"/>
+            <a:endCxn id="12" idx="2"/>
+          </p:cNvCxnSpPr>
+          <p:nvPr/>
+        </p:nvCxnSpPr>
+        <p:spPr>
+          <a:xfrm flipV="1">
+            <a:off x="5852297" y="4793599"/>
+            <a:ext cx="3376" cy="362040"/>
+          </a:xfrm>
+          <a:prstGeom prst="straightConnector1">
+            <a:avLst/>
+          </a:prstGeom>
+          <a:ln>
+            <a:tailEnd type="triangle"/>
+          </a:ln>
+        </p:spPr>
+        <p:style>
+          <a:lnRef idx="1">
+            <a:schemeClr val="accent1"/>
+          </a:lnRef>
+          <a:fillRef idx="0">
+            <a:schemeClr val="accent1"/>
+          </a:fillRef>
+          <a:effectRef idx="0">
+            <a:schemeClr val="accent1"/>
+          </a:effectRef>
+          <a:fontRef idx="minor">
+            <a:schemeClr val="tx1"/>
+          </a:fontRef>
+        </p:style>
+      </p:cxnSp>
+      <p:cxnSp>
+        <p:nvCxnSpPr>
+          <p:cNvPr id="136" name="Straight Arrow Connector 135"/>
+          <p:cNvCxnSpPr>
+            <a:stCxn id="87" idx="0"/>
+            <a:endCxn id="126" idx="2"/>
+          </p:cNvCxnSpPr>
+          <p:nvPr/>
+        </p:nvCxnSpPr>
+        <p:spPr>
+          <a:xfrm flipV="1">
+            <a:off x="5855672" y="2823688"/>
+            <a:ext cx="0" cy="389074"/>
+          </a:xfrm>
+          <a:prstGeom prst="straightConnector1">
+            <a:avLst/>
+          </a:prstGeom>
+          <a:ln>
+            <a:tailEnd type="triangle"/>
+          </a:ln>
+        </p:spPr>
+        <p:style>
+          <a:lnRef idx="1">
+            <a:schemeClr val="accent1"/>
+          </a:lnRef>
+          <a:fillRef idx="0">
+            <a:schemeClr val="accent1"/>
+          </a:fillRef>
+          <a:effectRef idx="0">
+            <a:schemeClr val="accent1"/>
+          </a:effectRef>
+          <a:fontRef idx="minor">
+            <a:schemeClr val="tx1"/>
+          </a:fontRef>
+        </p:style>
+      </p:cxnSp>
+      <p:sp>
+        <p:nvSpPr>
+          <p:cNvPr id="139" name="Rectangle 138"/>
+          <p:cNvSpPr/>
+          <p:nvPr/>
+        </p:nvSpPr>
+        <p:spPr>
+          <a:xfrm>
+            <a:off x="8962979" y="1835959"/>
+            <a:ext cx="2459748" cy="2793989"/>
+          </a:xfrm>
+          <a:prstGeom prst="rect">
+            <a:avLst/>
+          </a:prstGeom>
+          <a:noFill/>
+          <a:ln w="3175">
+            <a:prstDash val="dash"/>
+          </a:ln>
+        </p:spPr>
+        <p:style>
+          <a:lnRef idx="2">
+            <a:schemeClr val="accent1">
+              <a:shade val="50000"/>
+            </a:schemeClr>
+          </a:lnRef>
+          <a:fillRef idx="1">
+            <a:schemeClr val="accent1"/>
+          </a:fillRef>
+          <a:effectRef idx="0">
+            <a:schemeClr val="accent1"/>
+          </a:effectRef>
+          <a:fontRef idx="minor">
+            <a:schemeClr val="lt1"/>
+          </a:fontRef>
+        </p:style>
+        <p:txBody>
+          <a:bodyPr rtlCol="0" anchor="ctr"/>
+          <a:lstStyle/>
+          <a:p>
+            <a:pPr algn="ctr"/>
+            <a:endParaRPr lang="en-US" sz="1000" dirty="0">
+              <a:solidFill>
+                <a:schemeClr val="tx1"/>
+              </a:solidFill>
+            </a:endParaRPr>
+          </a:p>
+        </p:txBody>
+      </p:sp>
+    </p:spTree>
+    <p:extLst>
+      <p:ext uri="{BB962C8B-B14F-4D97-AF65-F5344CB8AC3E}">
+        <p14:creationId xmlns:p14="http://schemas.microsoft.com/office/powerpoint/2010/main" val="2740302508"/>
+      </p:ext>
+    </p:extLst>
+  </p:cSld>
+  <p:clrMapOvr>
+    <a:masterClrMapping/>
+  </p:clrMapOvr>
+  <p:timing>
+    <p:tnLst>
+      <p:par>
+        <p:cTn id="1" dur="indefinite" restart="never" nodeType="tmRoot"/>
+      </p:par>
+    </p:tnLst>
+  </p:timing>
+</p:sld>
+</file>
+
+<file path=ppt/slides/slide4.xml><?xml version="1.0" encoding="utf-8"?>
+<p:sld xmlns:a="http://schemas.openxmlformats.org/drawingml/2006/main" xmlns:r="http://schemas.openxmlformats.org/officeDocument/2006/relationships" xmlns:p="http://schemas.openxmlformats.org/presentationml/2006/main">
+  <p:cSld>
+    <p:spTree>
+      <p:nvGrpSpPr>
+        <p:cNvPr id="1" name=""/>
+        <p:cNvGrpSpPr/>
+        <p:nvPr/>
+      </p:nvGrpSpPr>
+      <p:grpSpPr>
+        <a:xfrm>
+          <a:off x="0" y="0"/>
+          <a:ext cx="0" cy="0"/>
+          <a:chOff x="0" y="0"/>
+          <a:chExt cx="0" cy="0"/>
+        </a:xfrm>
+      </p:grpSpPr>
+      <p:sp>
+        <p:nvSpPr>
+          <p:cNvPr id="4" name="TextBox 3"/>
+          <p:cNvSpPr txBox="1"/>
+          <p:nvPr/>
+        </p:nvSpPr>
+        <p:spPr>
+          <a:xfrm>
+            <a:off x="5088481" y="174226"/>
+            <a:ext cx="1920077" cy="369332"/>
+          </a:xfrm>
+          <a:prstGeom prst="rect">
+            <a:avLst/>
+          </a:prstGeom>
+          <a:noFill/>
+        </p:spPr>
+        <p:txBody>
+          <a:bodyPr wrap="none" rtlCol="0">
+            <a:spAutoFit/>
+          </a:bodyPr>
+          <a:lstStyle/>
+          <a:p>
+            <a:r>
+              <a:rPr lang="en-US" dirty="0" smtClean="0"/>
+              <a:t>Check Registration</a:t>
+            </a:r>
+            <a:endParaRPr lang="en-US" dirty="0"/>
+          </a:p>
+        </p:txBody>
+      </p:sp>
+      <p:cxnSp>
+        <p:nvCxnSpPr>
+          <p:cNvPr id="7" name="Straight Arrow Connector 6"/>
+          <p:cNvCxnSpPr>
+            <a:stCxn id="44" idx="3"/>
+            <a:endCxn id="57" idx="1"/>
+          </p:cNvCxnSpPr>
+          <p:nvPr/>
+        </p:nvCxnSpPr>
+        <p:spPr>
+          <a:xfrm flipV="1">
+            <a:off x="7008558" y="4159767"/>
+            <a:ext cx="660861" cy="8407"/>
+          </a:xfrm>
+          <a:prstGeom prst="straightConnector1">
+            <a:avLst/>
+          </a:prstGeom>
+          <a:ln>
+            <a:tailEnd type="triangle"/>
+          </a:ln>
+        </p:spPr>
+        <p:style>
+          <a:lnRef idx="1">
+            <a:schemeClr val="accent1"/>
+          </a:lnRef>
+          <a:fillRef idx="0">
+            <a:schemeClr val="accent1"/>
+          </a:fillRef>
+          <a:effectRef idx="0">
+            <a:schemeClr val="accent1"/>
+          </a:effectRef>
+          <a:fontRef idx="minor">
+            <a:schemeClr val="tx1"/>
+          </a:fontRef>
+        </p:style>
+      </p:cxnSp>
+      <p:sp>
+        <p:nvSpPr>
+          <p:cNvPr id="29" name="Rounded Rectangle 28"/>
+          <p:cNvSpPr/>
+          <p:nvPr/>
+        </p:nvSpPr>
+        <p:spPr>
+          <a:xfrm>
+            <a:off x="5094698" y="1860506"/>
+            <a:ext cx="1913860" cy="447593"/>
+          </a:xfrm>
+          <a:prstGeom prst="roundRect">
+            <a:avLst/>
+          </a:prstGeom>
+          <a:noFill/>
+        </p:spPr>
+        <p:style>
+          <a:lnRef idx="2">
+            <a:schemeClr val="accent1">
+              <a:shade val="50000"/>
+            </a:schemeClr>
+          </a:lnRef>
+          <a:fillRef idx="1">
+            <a:schemeClr val="accent1"/>
+          </a:fillRef>
+          <a:effectRef idx="0">
+            <a:schemeClr val="accent1"/>
+          </a:effectRef>
+          <a:fontRef idx="minor">
+            <a:schemeClr val="lt1"/>
+          </a:fontRef>
+        </p:style>
+        <p:txBody>
+          <a:bodyPr rtlCol="0" anchor="ctr"/>
+          <a:lstStyle/>
+          <a:p>
+            <a:pPr algn="ctr"/>
+            <a:r>
+              <a:rPr lang="en-US" sz="1000" dirty="0" smtClean="0">
+                <a:solidFill>
+                  <a:schemeClr val="tx1"/>
+                </a:solidFill>
+              </a:rPr>
+              <a:t>Is </a:t>
+            </a:r>
+            <a:r>
+              <a:rPr lang="en-US" sz="1000" b="1" dirty="0" err="1" smtClean="0">
+                <a:solidFill>
+                  <a:schemeClr val="tx1"/>
+                </a:solidFill>
+              </a:rPr>
+              <a:t>data_type</a:t>
+            </a:r>
+            <a:r>
+              <a:rPr lang="en-US" sz="1000" dirty="0" smtClean="0">
+                <a:solidFill>
+                  <a:schemeClr val="tx1"/>
+                </a:solidFill>
+              </a:rPr>
+              <a:t> DEVICE_PROT_DATA_TYPE?</a:t>
+            </a:r>
+            <a:endParaRPr lang="en-US" sz="1000" dirty="0">
+              <a:solidFill>
+                <a:schemeClr val="tx1"/>
+              </a:solidFill>
+            </a:endParaRPr>
+          </a:p>
+        </p:txBody>
+      </p:sp>
+      <p:sp>
+        <p:nvSpPr>
+          <p:cNvPr id="30" name="Rounded Rectangle 29"/>
+          <p:cNvSpPr/>
+          <p:nvPr/>
+        </p:nvSpPr>
+        <p:spPr>
+          <a:xfrm>
+            <a:off x="5094698" y="2618127"/>
+            <a:ext cx="1913860" cy="447593"/>
+          </a:xfrm>
+          <a:prstGeom prst="roundRect">
+            <a:avLst/>
+          </a:prstGeom>
+          <a:noFill/>
+        </p:spPr>
+        <p:style>
+          <a:lnRef idx="2">
+            <a:schemeClr val="accent1">
+              <a:shade val="50000"/>
+            </a:schemeClr>
+          </a:lnRef>
+          <a:fillRef idx="1">
+            <a:schemeClr val="accent1"/>
+          </a:fillRef>
+          <a:effectRef idx="0">
+            <a:schemeClr val="accent1"/>
+          </a:effectRef>
+          <a:fontRef idx="minor">
+            <a:schemeClr val="lt1"/>
+          </a:fontRef>
+        </p:style>
+        <p:txBody>
+          <a:bodyPr rtlCol="0" anchor="ctr"/>
+          <a:lstStyle/>
+          <a:p>
+            <a:pPr algn="ctr"/>
+            <a:r>
+              <a:rPr lang="en-US" sz="1000" dirty="0" smtClean="0">
+                <a:solidFill>
+                  <a:schemeClr val="tx1"/>
+                </a:solidFill>
+              </a:rPr>
+              <a:t>Is </a:t>
+            </a:r>
+            <a:r>
+              <a:rPr lang="en-US" sz="1000" b="1" dirty="0" err="1" smtClean="0">
+                <a:solidFill>
+                  <a:schemeClr val="tx1"/>
+                </a:solidFill>
+              </a:rPr>
+              <a:t>device_cmd</a:t>
+            </a:r>
+            <a:r>
+              <a:rPr lang="en-US" sz="1000" dirty="0" smtClean="0">
+                <a:solidFill>
+                  <a:schemeClr val="tx1"/>
+                </a:solidFill>
+              </a:rPr>
+              <a:t> DEVICE_PROT_CONNECT_REQ?</a:t>
+            </a:r>
+            <a:endParaRPr lang="en-US" sz="1000" dirty="0">
+              <a:solidFill>
+                <a:schemeClr val="tx1"/>
+              </a:solidFill>
+            </a:endParaRPr>
+          </a:p>
+        </p:txBody>
+      </p:sp>
+      <p:cxnSp>
+        <p:nvCxnSpPr>
+          <p:cNvPr id="31" name="Straight Arrow Connector 30"/>
+          <p:cNvCxnSpPr>
+            <a:stCxn id="39" idx="2"/>
+            <a:endCxn id="44" idx="0"/>
+          </p:cNvCxnSpPr>
+          <p:nvPr/>
+        </p:nvCxnSpPr>
+        <p:spPr>
+          <a:xfrm flipH="1">
+            <a:off x="6051628" y="3614990"/>
+            <a:ext cx="4055" cy="393903"/>
+          </a:xfrm>
+          <a:prstGeom prst="straightConnector1">
+            <a:avLst/>
+          </a:prstGeom>
+          <a:ln>
+            <a:tailEnd type="triangle"/>
+          </a:ln>
+        </p:spPr>
+        <p:style>
+          <a:lnRef idx="1">
+            <a:schemeClr val="accent1"/>
+          </a:lnRef>
+          <a:fillRef idx="0">
+            <a:schemeClr val="accent1"/>
+          </a:fillRef>
+          <a:effectRef idx="0">
+            <a:schemeClr val="accent1"/>
+          </a:effectRef>
+          <a:fontRef idx="minor">
+            <a:schemeClr val="tx1"/>
+          </a:fontRef>
+        </p:style>
+      </p:cxnSp>
+      <p:cxnSp>
+        <p:nvCxnSpPr>
+          <p:cNvPr id="32" name="Straight Arrow Connector 31"/>
+          <p:cNvCxnSpPr>
+            <a:stCxn id="30" idx="2"/>
+            <a:endCxn id="39" idx="0"/>
+          </p:cNvCxnSpPr>
+          <p:nvPr/>
+        </p:nvCxnSpPr>
+        <p:spPr>
+          <a:xfrm>
+            <a:off x="6051628" y="3065720"/>
+            <a:ext cx="4055" cy="352612"/>
+          </a:xfrm>
+          <a:prstGeom prst="straightConnector1">
+            <a:avLst/>
+          </a:prstGeom>
+          <a:ln>
+            <a:tailEnd type="triangle"/>
+          </a:ln>
+        </p:spPr>
+        <p:style>
+          <a:lnRef idx="1">
+            <a:schemeClr val="accent1"/>
+          </a:lnRef>
+          <a:fillRef idx="0">
+            <a:schemeClr val="accent1"/>
+          </a:fillRef>
+          <a:effectRef idx="0">
+            <a:schemeClr val="accent1"/>
+          </a:effectRef>
+          <a:fontRef idx="minor">
+            <a:schemeClr val="tx1"/>
+          </a:fontRef>
+        </p:style>
+      </p:cxnSp>
+      <p:cxnSp>
+        <p:nvCxnSpPr>
+          <p:cNvPr id="33" name="Straight Arrow Connector 32"/>
+          <p:cNvCxnSpPr>
+            <a:stCxn id="29" idx="2"/>
+            <a:endCxn id="30" idx="0"/>
+          </p:cNvCxnSpPr>
+          <p:nvPr/>
+        </p:nvCxnSpPr>
+        <p:spPr>
+          <a:xfrm>
+            <a:off x="6051628" y="2308099"/>
+            <a:ext cx="0" cy="310028"/>
+          </a:xfrm>
+          <a:prstGeom prst="straightConnector1">
+            <a:avLst/>
+          </a:prstGeom>
+          <a:ln>
+            <a:tailEnd type="triangle"/>
+          </a:ln>
+        </p:spPr>
+        <p:style>
+          <a:lnRef idx="1">
+            <a:schemeClr val="accent1"/>
+          </a:lnRef>
+          <a:fillRef idx="0">
+            <a:schemeClr val="accent1"/>
+          </a:fillRef>
+          <a:effectRef idx="0">
+            <a:schemeClr val="accent1"/>
+          </a:effectRef>
+          <a:fontRef idx="minor">
+            <a:schemeClr val="tx1"/>
+          </a:fontRef>
+        </p:style>
+      </p:cxnSp>
+      <p:sp>
+        <p:nvSpPr>
+          <p:cNvPr id="36" name="TextBox 35"/>
+          <p:cNvSpPr txBox="1"/>
+          <p:nvPr/>
+        </p:nvSpPr>
+        <p:spPr>
+          <a:xfrm>
+            <a:off x="3749024" y="2315187"/>
+            <a:ext cx="360996" cy="246221"/>
+          </a:xfrm>
+          <a:prstGeom prst="rect">
+            <a:avLst/>
+          </a:prstGeom>
+          <a:noFill/>
+        </p:spPr>
+        <p:txBody>
+          <a:bodyPr wrap="none" rtlCol="0">
+            <a:spAutoFit/>
+          </a:bodyPr>
+          <a:lstStyle/>
+          <a:p>
+            <a:r>
+              <a:rPr lang="en-US" sz="1000" dirty="0" smtClean="0"/>
+              <a:t>Yes</a:t>
+            </a:r>
+            <a:endParaRPr lang="en-US" sz="1000" dirty="0"/>
+          </a:p>
+        </p:txBody>
+      </p:sp>
+      <p:sp>
+        <p:nvSpPr>
+          <p:cNvPr id="37" name="TextBox 36"/>
+          <p:cNvSpPr txBox="1"/>
+          <p:nvPr/>
+        </p:nvSpPr>
+        <p:spPr>
+          <a:xfrm>
+            <a:off x="4732652" y="2114859"/>
+            <a:ext cx="335348" cy="246221"/>
+          </a:xfrm>
+          <a:prstGeom prst="rect">
+            <a:avLst/>
+          </a:prstGeom>
+          <a:noFill/>
+        </p:spPr>
+        <p:txBody>
+          <a:bodyPr wrap="none" rtlCol="0">
+            <a:spAutoFit/>
+          </a:bodyPr>
+          <a:lstStyle/>
+          <a:p>
+            <a:r>
+              <a:rPr lang="en-US" sz="1000" dirty="0" smtClean="0"/>
+              <a:t>No</a:t>
+            </a:r>
+            <a:endParaRPr lang="en-US" sz="1000" dirty="0"/>
+          </a:p>
+        </p:txBody>
+      </p:sp>
+      <p:sp>
+        <p:nvSpPr>
+          <p:cNvPr id="38" name="TextBox 37"/>
+          <p:cNvSpPr txBox="1"/>
+          <p:nvPr/>
+        </p:nvSpPr>
+        <p:spPr>
+          <a:xfrm>
+            <a:off x="6048519" y="2361080"/>
+            <a:ext cx="360996" cy="246221"/>
+          </a:xfrm>
+          <a:prstGeom prst="rect">
+            <a:avLst/>
+          </a:prstGeom>
+          <a:noFill/>
+        </p:spPr>
+        <p:txBody>
+          <a:bodyPr wrap="none" rtlCol="0">
+            <a:spAutoFit/>
+          </a:bodyPr>
+          <a:lstStyle/>
+          <a:p>
+            <a:r>
+              <a:rPr lang="en-US" sz="1000" dirty="0" smtClean="0"/>
+              <a:t>Yes</a:t>
+            </a:r>
+            <a:endParaRPr lang="en-US" sz="1000" dirty="0"/>
+          </a:p>
+        </p:txBody>
+      </p:sp>
+      <p:sp>
+        <p:nvSpPr>
+          <p:cNvPr id="39" name="Rectangle 38"/>
+          <p:cNvSpPr/>
+          <p:nvPr/>
+        </p:nvSpPr>
+        <p:spPr>
+          <a:xfrm>
+            <a:off x="5417444" y="3418332"/>
+            <a:ext cx="1276478" cy="196658"/>
+          </a:xfrm>
+          <a:prstGeom prst="rect">
+            <a:avLst/>
+          </a:prstGeom>
+          <a:noFill/>
+        </p:spPr>
+        <p:style>
+          <a:lnRef idx="2">
+            <a:schemeClr val="accent1">
+              <a:shade val="50000"/>
+            </a:schemeClr>
+          </a:lnRef>
+          <a:fillRef idx="1">
+            <a:schemeClr val="accent1"/>
+          </a:fillRef>
+          <a:effectRef idx="0">
+            <a:schemeClr val="accent1"/>
+          </a:effectRef>
+          <a:fontRef idx="minor">
+            <a:schemeClr val="lt1"/>
+          </a:fontRef>
+        </p:style>
+        <p:txBody>
+          <a:bodyPr rtlCol="0" anchor="ctr"/>
+          <a:lstStyle/>
+          <a:p>
+            <a:pPr algn="ctr"/>
+            <a:r>
+              <a:rPr lang="en-US" sz="1000" dirty="0" smtClean="0">
+                <a:solidFill>
+                  <a:schemeClr val="tx1"/>
+                </a:solidFill>
+              </a:rPr>
+              <a:t>Is client exist?</a:t>
+            </a:r>
+            <a:endParaRPr lang="en-US" sz="1000" dirty="0">
+              <a:solidFill>
+                <a:schemeClr val="tx1"/>
+              </a:solidFill>
+            </a:endParaRPr>
+          </a:p>
+        </p:txBody>
+      </p:sp>
+      <p:sp>
+        <p:nvSpPr>
+          <p:cNvPr id="42" name="TextBox 41"/>
+          <p:cNvSpPr txBox="1"/>
+          <p:nvPr/>
+        </p:nvSpPr>
+        <p:spPr>
+          <a:xfrm>
+            <a:off x="6048519" y="3091974"/>
+            <a:ext cx="360996" cy="246221"/>
+          </a:xfrm>
+          <a:prstGeom prst="rect">
+            <a:avLst/>
+          </a:prstGeom>
+          <a:noFill/>
+        </p:spPr>
+        <p:txBody>
+          <a:bodyPr wrap="none" rtlCol="0">
+            <a:spAutoFit/>
+          </a:bodyPr>
+          <a:lstStyle/>
+          <a:p>
+            <a:r>
+              <a:rPr lang="en-US" sz="1000" dirty="0" smtClean="0"/>
+              <a:t>Yes</a:t>
+            </a:r>
+            <a:endParaRPr lang="en-US" sz="1000" dirty="0"/>
+          </a:p>
+        </p:txBody>
+      </p:sp>
+      <p:sp>
+        <p:nvSpPr>
+          <p:cNvPr id="44" name="Rounded Rectangle 43"/>
+          <p:cNvSpPr/>
+          <p:nvPr/>
+        </p:nvSpPr>
+        <p:spPr>
+          <a:xfrm>
+            <a:off x="5094698" y="4008893"/>
+            <a:ext cx="1913860" cy="318561"/>
+          </a:xfrm>
+          <a:prstGeom prst="roundRect">
+            <a:avLst/>
+          </a:prstGeom>
+          <a:noFill/>
+        </p:spPr>
+        <p:style>
+          <a:lnRef idx="2">
+            <a:schemeClr val="accent1">
+              <a:shade val="50000"/>
+            </a:schemeClr>
+          </a:lnRef>
+          <a:fillRef idx="1">
+            <a:schemeClr val="accent1"/>
+          </a:fillRef>
+          <a:effectRef idx="0">
+            <a:schemeClr val="accent1"/>
+          </a:effectRef>
+          <a:fontRef idx="minor">
+            <a:schemeClr val="lt1"/>
+          </a:fontRef>
+        </p:style>
+        <p:txBody>
+          <a:bodyPr rtlCol="0" anchor="ctr"/>
+          <a:lstStyle/>
+          <a:p>
+            <a:pPr algn="ctr"/>
+            <a:r>
+              <a:rPr lang="en-US" sz="1000" dirty="0" smtClean="0">
+                <a:solidFill>
+                  <a:schemeClr val="tx1"/>
+                </a:solidFill>
+              </a:rPr>
+              <a:t>Is </a:t>
+            </a:r>
+            <a:r>
+              <a:rPr lang="en-US" sz="1000" b="1" dirty="0" smtClean="0">
+                <a:solidFill>
+                  <a:schemeClr val="tx1"/>
+                </a:solidFill>
+              </a:rPr>
+              <a:t>status </a:t>
+            </a:r>
+            <a:r>
+              <a:rPr lang="en-US" sz="1000" dirty="0" smtClean="0">
+                <a:solidFill>
+                  <a:schemeClr val="tx1"/>
+                </a:solidFill>
+              </a:rPr>
+              <a:t>DISCOVERY?</a:t>
+            </a:r>
+            <a:endParaRPr lang="en-US" sz="1000" dirty="0">
+              <a:solidFill>
+                <a:schemeClr val="tx1"/>
+              </a:solidFill>
+            </a:endParaRPr>
+          </a:p>
+        </p:txBody>
+      </p:sp>
+      <p:sp>
+        <p:nvSpPr>
+          <p:cNvPr id="47" name="TextBox 46"/>
+          <p:cNvSpPr txBox="1"/>
+          <p:nvPr/>
+        </p:nvSpPr>
+        <p:spPr>
+          <a:xfrm>
+            <a:off x="6048518" y="4351704"/>
+            <a:ext cx="360996" cy="246221"/>
+          </a:xfrm>
+          <a:prstGeom prst="rect">
+            <a:avLst/>
+          </a:prstGeom>
+          <a:noFill/>
+        </p:spPr>
+        <p:txBody>
+          <a:bodyPr wrap="none" rtlCol="0">
+            <a:spAutoFit/>
+          </a:bodyPr>
+          <a:lstStyle/>
+          <a:p>
+            <a:r>
+              <a:rPr lang="en-US" sz="1000" dirty="0" smtClean="0"/>
+              <a:t>Yes</a:t>
+            </a:r>
+            <a:endParaRPr lang="en-US" sz="1000" dirty="0"/>
+          </a:p>
+        </p:txBody>
+      </p:sp>
+      <p:sp>
+        <p:nvSpPr>
+          <p:cNvPr id="48" name="TextBox 47"/>
+          <p:cNvSpPr txBox="1"/>
+          <p:nvPr/>
+        </p:nvSpPr>
+        <p:spPr>
+          <a:xfrm>
+            <a:off x="6048519" y="3722019"/>
+            <a:ext cx="360996" cy="246221"/>
+          </a:xfrm>
+          <a:prstGeom prst="rect">
+            <a:avLst/>
+          </a:prstGeom>
+          <a:noFill/>
+        </p:spPr>
+        <p:txBody>
+          <a:bodyPr wrap="none" rtlCol="0">
+            <a:spAutoFit/>
+          </a:bodyPr>
+          <a:lstStyle/>
+          <a:p>
+            <a:r>
+              <a:rPr lang="en-US" sz="1000" dirty="0" smtClean="0"/>
+              <a:t>Yes</a:t>
+            </a:r>
+            <a:endParaRPr lang="en-US" sz="1000" dirty="0"/>
+          </a:p>
+        </p:txBody>
+      </p:sp>
+      <p:sp>
+        <p:nvSpPr>
+          <p:cNvPr id="51" name="Oval 50"/>
+          <p:cNvSpPr/>
+          <p:nvPr/>
+        </p:nvSpPr>
+        <p:spPr>
+          <a:xfrm>
+            <a:off x="5298923" y="4607280"/>
+            <a:ext cx="1499191" cy="486608"/>
+          </a:xfrm>
+          <a:prstGeom prst="ellipse">
+            <a:avLst/>
+          </a:prstGeom>
+          <a:solidFill>
+            <a:schemeClr val="accent4">
+              <a:lumMod val="60000"/>
+              <a:lumOff val="40000"/>
+            </a:schemeClr>
+          </a:solidFill>
+        </p:spPr>
+        <p:style>
+          <a:lnRef idx="2">
+            <a:schemeClr val="accent1">
+              <a:shade val="50000"/>
+            </a:schemeClr>
+          </a:lnRef>
+          <a:fillRef idx="1">
+            <a:schemeClr val="accent1"/>
+          </a:fillRef>
+          <a:effectRef idx="0">
+            <a:schemeClr val="accent1"/>
+          </a:effectRef>
+          <a:fontRef idx="minor">
+            <a:schemeClr val="lt1"/>
+          </a:fontRef>
+        </p:style>
+        <p:txBody>
+          <a:bodyPr rtlCol="0" anchor="ctr"/>
+          <a:lstStyle/>
+          <a:p>
+            <a:pPr algn="ctr"/>
+            <a:r>
+              <a:rPr lang="en-US" sz="1000" b="1" dirty="0" smtClean="0">
+                <a:solidFill>
+                  <a:schemeClr val="tx1"/>
+                </a:solidFill>
+              </a:rPr>
+              <a:t>DISCOVERY</a:t>
+            </a:r>
+            <a:endParaRPr lang="en-US" sz="1000" b="1" dirty="0">
+              <a:solidFill>
+                <a:schemeClr val="tx1"/>
+              </a:solidFill>
+            </a:endParaRPr>
+          </a:p>
+        </p:txBody>
+      </p:sp>
+      <p:cxnSp>
+        <p:nvCxnSpPr>
+          <p:cNvPr id="52" name="Straight Arrow Connector 51"/>
+          <p:cNvCxnSpPr>
+            <a:stCxn id="29" idx="1"/>
+            <a:endCxn id="81" idx="3"/>
+          </p:cNvCxnSpPr>
+          <p:nvPr/>
+        </p:nvCxnSpPr>
+        <p:spPr>
+          <a:xfrm flipH="1" flipV="1">
+            <a:off x="4449292" y="2083119"/>
+            <a:ext cx="645406" cy="1184"/>
+          </a:xfrm>
+          <a:prstGeom prst="straightConnector1">
             <a:avLst/>
           </a:prstGeom>
           <a:ln>
@@ -5919,15 +9350,15 @@
         <p:nvCxnSpPr>
           <p:cNvPr id="53" name="Straight Arrow Connector 52"/>
           <p:cNvCxnSpPr>
-            <a:stCxn id="81" idx="0"/>
-            <a:endCxn id="49" idx="2"/>
+            <a:stCxn id="57" idx="2"/>
+            <a:endCxn id="64" idx="0"/>
           </p:cNvCxnSpPr>
           <p:nvPr/>
         </p:nvCxnSpPr>
         <p:spPr>
-          <a:xfrm flipV="1">
-            <a:off x="9735627" y="1869678"/>
-            <a:ext cx="0" cy="339439"/>
+          <a:xfrm>
+            <a:off x="8427650" y="4268677"/>
+            <a:ext cx="1" cy="339242"/>
           </a:xfrm>
           <a:prstGeom prst="straightConnector1">
             <a:avLst/>
@@ -5951,10 +9382,3216 @@
           </a:fontRef>
         </p:style>
       </p:cxnSp>
+      <p:cxnSp>
+        <p:nvCxnSpPr>
+          <p:cNvPr id="54" name="Straight Arrow Connector 53"/>
+          <p:cNvCxnSpPr>
+            <a:stCxn id="44" idx="2"/>
+            <a:endCxn id="51" idx="0"/>
+          </p:cNvCxnSpPr>
+          <p:nvPr/>
+        </p:nvCxnSpPr>
+        <p:spPr>
+          <a:xfrm flipH="1">
+            <a:off x="6048519" y="4327454"/>
+            <a:ext cx="3109" cy="279826"/>
+          </a:xfrm>
+          <a:prstGeom prst="straightConnector1">
+            <a:avLst/>
+          </a:prstGeom>
+          <a:ln>
+            <a:tailEnd type="triangle"/>
+          </a:ln>
+        </p:spPr>
+        <p:style>
+          <a:lnRef idx="1">
+            <a:schemeClr val="accent1"/>
+          </a:lnRef>
+          <a:fillRef idx="0">
+            <a:schemeClr val="accent1"/>
+          </a:fillRef>
+          <a:effectRef idx="0">
+            <a:schemeClr val="accent1"/>
+          </a:effectRef>
+          <a:fontRef idx="minor">
+            <a:schemeClr val="tx1"/>
+          </a:fontRef>
+        </p:style>
+      </p:cxnSp>
+      <p:sp>
+        <p:nvSpPr>
+          <p:cNvPr id="57" name="Rectangle 56"/>
+          <p:cNvSpPr/>
+          <p:nvPr/>
+        </p:nvSpPr>
+        <p:spPr>
+          <a:xfrm>
+            <a:off x="7669419" y="4050856"/>
+            <a:ext cx="1516461" cy="217821"/>
+          </a:xfrm>
+          <a:prstGeom prst="rect">
+            <a:avLst/>
+          </a:prstGeom>
+          <a:noFill/>
+        </p:spPr>
+        <p:style>
+          <a:lnRef idx="2">
+            <a:schemeClr val="accent1">
+              <a:shade val="50000"/>
+            </a:schemeClr>
+          </a:lnRef>
+          <a:fillRef idx="1">
+            <a:schemeClr val="accent1"/>
+          </a:fillRef>
+          <a:effectRef idx="0">
+            <a:schemeClr val="accent1"/>
+          </a:effectRef>
+          <a:fontRef idx="minor">
+            <a:schemeClr val="lt1"/>
+          </a:fontRef>
+        </p:style>
+        <p:txBody>
+          <a:bodyPr rtlCol="0" anchor="ctr"/>
+          <a:lstStyle/>
+          <a:p>
+            <a:pPr algn="ctr"/>
+            <a:r>
+              <a:rPr lang="en-US" sz="1000" dirty="0" err="1">
+                <a:solidFill>
+                  <a:schemeClr val="tx1"/>
+                </a:solidFill>
+              </a:rPr>
+              <a:t>apiSetSensorAvailability</a:t>
+            </a:r>
+            <a:endParaRPr lang="en-US" sz="1000" dirty="0">
+              <a:solidFill>
+                <a:schemeClr val="tx1"/>
+              </a:solidFill>
+            </a:endParaRPr>
+          </a:p>
+        </p:txBody>
+      </p:sp>
+      <p:sp>
+        <p:nvSpPr>
+          <p:cNvPr id="59" name="TextBox 58"/>
+          <p:cNvSpPr txBox="1"/>
+          <p:nvPr/>
+        </p:nvSpPr>
+        <p:spPr>
+          <a:xfrm>
+            <a:off x="2390014" y="2099647"/>
+            <a:ext cx="335348" cy="246221"/>
+          </a:xfrm>
+          <a:prstGeom prst="rect">
+            <a:avLst/>
+          </a:prstGeom>
+          <a:noFill/>
+        </p:spPr>
+        <p:txBody>
+          <a:bodyPr wrap="none" rtlCol="0">
+            <a:spAutoFit/>
+          </a:bodyPr>
+          <a:lstStyle/>
+          <a:p>
+            <a:r>
+              <a:rPr lang="en-US" sz="1000" dirty="0" smtClean="0"/>
+              <a:t>No</a:t>
+            </a:r>
+            <a:endParaRPr lang="en-US" sz="1000" dirty="0"/>
+          </a:p>
+        </p:txBody>
+      </p:sp>
+      <p:sp>
+        <p:nvSpPr>
+          <p:cNvPr id="60" name="TextBox 59"/>
+          <p:cNvSpPr txBox="1"/>
+          <p:nvPr/>
+        </p:nvSpPr>
+        <p:spPr>
+          <a:xfrm>
+            <a:off x="7071857" y="2878481"/>
+            <a:ext cx="335348" cy="246221"/>
+          </a:xfrm>
+          <a:prstGeom prst="rect">
+            <a:avLst/>
+          </a:prstGeom>
+          <a:noFill/>
+        </p:spPr>
+        <p:txBody>
+          <a:bodyPr wrap="none" rtlCol="0">
+            <a:spAutoFit/>
+          </a:bodyPr>
+          <a:lstStyle/>
+          <a:p>
+            <a:r>
+              <a:rPr lang="en-US" sz="1000" dirty="0" smtClean="0"/>
+              <a:t>No</a:t>
+            </a:r>
+            <a:endParaRPr lang="en-US" sz="1000" dirty="0"/>
+          </a:p>
+        </p:txBody>
+      </p:sp>
+      <p:sp>
+        <p:nvSpPr>
+          <p:cNvPr id="61" name="TextBox 60"/>
+          <p:cNvSpPr txBox="1"/>
+          <p:nvPr/>
+        </p:nvSpPr>
+        <p:spPr>
+          <a:xfrm>
+            <a:off x="7082609" y="4228593"/>
+            <a:ext cx="335348" cy="246221"/>
+          </a:xfrm>
+          <a:prstGeom prst="rect">
+            <a:avLst/>
+          </a:prstGeom>
+          <a:noFill/>
+        </p:spPr>
+        <p:txBody>
+          <a:bodyPr wrap="none" rtlCol="0">
+            <a:spAutoFit/>
+          </a:bodyPr>
+          <a:lstStyle/>
+          <a:p>
+            <a:r>
+              <a:rPr lang="en-US" sz="1000" dirty="0" smtClean="0"/>
+              <a:t>No</a:t>
+            </a:r>
+            <a:endParaRPr lang="en-US" sz="1000" dirty="0"/>
+          </a:p>
+        </p:txBody>
+      </p:sp>
+      <p:sp>
+        <p:nvSpPr>
+          <p:cNvPr id="64" name="Oval 63"/>
+          <p:cNvSpPr/>
+          <p:nvPr/>
+        </p:nvSpPr>
+        <p:spPr>
+          <a:xfrm>
+            <a:off x="7678055" y="4607919"/>
+            <a:ext cx="1499191" cy="486608"/>
+          </a:xfrm>
+          <a:prstGeom prst="ellipse">
+            <a:avLst/>
+          </a:prstGeom>
+          <a:solidFill>
+            <a:schemeClr val="accent6">
+              <a:lumMod val="60000"/>
+              <a:lumOff val="40000"/>
+            </a:schemeClr>
+          </a:solidFill>
+        </p:spPr>
+        <p:style>
+          <a:lnRef idx="2">
+            <a:schemeClr val="accent1">
+              <a:shade val="50000"/>
+            </a:schemeClr>
+          </a:lnRef>
+          <a:fillRef idx="1">
+            <a:schemeClr val="accent1"/>
+          </a:fillRef>
+          <a:effectRef idx="0">
+            <a:schemeClr val="accent1"/>
+          </a:effectRef>
+          <a:fontRef idx="minor">
+            <a:schemeClr val="lt1"/>
+          </a:fontRef>
+        </p:style>
+        <p:txBody>
+          <a:bodyPr rtlCol="0" anchor="ctr"/>
+          <a:lstStyle/>
+          <a:p>
+            <a:pPr algn="ctr"/>
+            <a:r>
+              <a:rPr lang="en-US" sz="1000" b="1" dirty="0" smtClean="0">
+                <a:solidFill>
+                  <a:schemeClr val="tx1"/>
+                </a:solidFill>
+              </a:rPr>
+              <a:t>CONNECTED</a:t>
+            </a:r>
+            <a:endParaRPr lang="en-US" sz="1000" b="1" dirty="0">
+              <a:solidFill>
+                <a:schemeClr val="tx1"/>
+              </a:solidFill>
+            </a:endParaRPr>
+          </a:p>
+        </p:txBody>
+      </p:sp>
+      <p:cxnSp>
+        <p:nvCxnSpPr>
+          <p:cNvPr id="67" name="Straight Arrow Connector 66"/>
+          <p:cNvCxnSpPr>
+            <a:stCxn id="39" idx="3"/>
+            <a:endCxn id="68" idx="1"/>
+          </p:cNvCxnSpPr>
+          <p:nvPr/>
+        </p:nvCxnSpPr>
+        <p:spPr>
+          <a:xfrm>
+            <a:off x="6693922" y="3516661"/>
+            <a:ext cx="1033587" cy="0"/>
+          </a:xfrm>
+          <a:prstGeom prst="straightConnector1">
+            <a:avLst/>
+          </a:prstGeom>
+          <a:ln>
+            <a:tailEnd type="triangle"/>
+          </a:ln>
+        </p:spPr>
+        <p:style>
+          <a:lnRef idx="1">
+            <a:schemeClr val="accent1"/>
+          </a:lnRef>
+          <a:fillRef idx="0">
+            <a:schemeClr val="accent1"/>
+          </a:fillRef>
+          <a:effectRef idx="0">
+            <a:schemeClr val="accent1"/>
+          </a:effectRef>
+          <a:fontRef idx="minor">
+            <a:schemeClr val="tx1"/>
+          </a:fontRef>
+        </p:style>
+      </p:cxnSp>
+      <p:sp>
+        <p:nvSpPr>
+          <p:cNvPr id="68" name="Rectangle 67"/>
+          <p:cNvSpPr/>
+          <p:nvPr/>
+        </p:nvSpPr>
+        <p:spPr>
+          <a:xfrm>
+            <a:off x="7727509" y="3407750"/>
+            <a:ext cx="1072465" cy="217821"/>
+          </a:xfrm>
+          <a:prstGeom prst="rect">
+            <a:avLst/>
+          </a:prstGeom>
+          <a:noFill/>
+        </p:spPr>
+        <p:style>
+          <a:lnRef idx="2">
+            <a:schemeClr val="accent1">
+              <a:shade val="50000"/>
+            </a:schemeClr>
+          </a:lnRef>
+          <a:fillRef idx="1">
+            <a:schemeClr val="accent1"/>
+          </a:fillRef>
+          <a:effectRef idx="0">
+            <a:schemeClr val="accent1"/>
+          </a:effectRef>
+          <a:fontRef idx="minor">
+            <a:schemeClr val="lt1"/>
+          </a:fontRef>
+        </p:style>
+        <p:txBody>
+          <a:bodyPr rtlCol="0" anchor="ctr"/>
+          <a:lstStyle/>
+          <a:p>
+            <a:pPr algn="ctr"/>
+            <a:r>
+              <a:rPr lang="en-US" sz="1000" dirty="0" smtClean="0">
+                <a:solidFill>
+                  <a:schemeClr val="tx1"/>
+                </a:solidFill>
+              </a:rPr>
+              <a:t>Add client</a:t>
+            </a:r>
+            <a:endParaRPr lang="en-US" sz="1000" dirty="0">
+              <a:solidFill>
+                <a:schemeClr val="tx1"/>
+              </a:solidFill>
+            </a:endParaRPr>
+          </a:p>
+        </p:txBody>
+      </p:sp>
+      <p:sp>
+        <p:nvSpPr>
+          <p:cNvPr id="69" name="TextBox 68"/>
+          <p:cNvSpPr txBox="1"/>
+          <p:nvPr/>
+        </p:nvSpPr>
+        <p:spPr>
+          <a:xfrm>
+            <a:off x="7082609" y="3572386"/>
+            <a:ext cx="335348" cy="246221"/>
+          </a:xfrm>
+          <a:prstGeom prst="rect">
+            <a:avLst/>
+          </a:prstGeom>
+          <a:noFill/>
+        </p:spPr>
+        <p:txBody>
+          <a:bodyPr wrap="none" rtlCol="0">
+            <a:spAutoFit/>
+          </a:bodyPr>
+          <a:lstStyle/>
+          <a:p>
+            <a:r>
+              <a:rPr lang="en-US" sz="1000" dirty="0" smtClean="0"/>
+              <a:t>No</a:t>
+            </a:r>
+            <a:endParaRPr lang="en-US" sz="1000" dirty="0"/>
+          </a:p>
+        </p:txBody>
+      </p:sp>
+      <p:sp>
+        <p:nvSpPr>
+          <p:cNvPr id="71" name="Oval 70"/>
+          <p:cNvSpPr/>
+          <p:nvPr/>
+        </p:nvSpPr>
+        <p:spPr>
+          <a:xfrm>
+            <a:off x="9826604" y="3273357"/>
+            <a:ext cx="1499191" cy="486608"/>
+          </a:xfrm>
+          <a:prstGeom prst="ellipse">
+            <a:avLst/>
+          </a:prstGeom>
+          <a:solidFill>
+            <a:schemeClr val="accent4">
+              <a:lumMod val="60000"/>
+              <a:lumOff val="40000"/>
+            </a:schemeClr>
+          </a:solidFill>
+        </p:spPr>
+        <p:style>
+          <a:lnRef idx="2">
+            <a:schemeClr val="accent1">
+              <a:shade val="50000"/>
+            </a:schemeClr>
+          </a:lnRef>
+          <a:fillRef idx="1">
+            <a:schemeClr val="accent1"/>
+          </a:fillRef>
+          <a:effectRef idx="0">
+            <a:schemeClr val="accent1"/>
+          </a:effectRef>
+          <a:fontRef idx="minor">
+            <a:schemeClr val="lt1"/>
+          </a:fontRef>
+        </p:style>
+        <p:txBody>
+          <a:bodyPr rtlCol="0" anchor="ctr"/>
+          <a:lstStyle/>
+          <a:p>
+            <a:pPr algn="ctr"/>
+            <a:r>
+              <a:rPr lang="en-US" sz="1000" b="1" dirty="0" smtClean="0">
+                <a:solidFill>
+                  <a:schemeClr val="tx1"/>
+                </a:solidFill>
+              </a:rPr>
+              <a:t>DISCOVERY</a:t>
+            </a:r>
+            <a:endParaRPr lang="en-US" sz="1000" b="1" dirty="0">
+              <a:solidFill>
+                <a:schemeClr val="tx1"/>
+              </a:solidFill>
+            </a:endParaRPr>
+          </a:p>
+        </p:txBody>
+      </p:sp>
+      <p:cxnSp>
+        <p:nvCxnSpPr>
+          <p:cNvPr id="72" name="Straight Arrow Connector 71"/>
+          <p:cNvCxnSpPr>
+            <a:stCxn id="68" idx="3"/>
+            <a:endCxn id="71" idx="2"/>
+          </p:cNvCxnSpPr>
+          <p:nvPr/>
+        </p:nvCxnSpPr>
+        <p:spPr>
+          <a:xfrm>
+            <a:off x="8799974" y="3516661"/>
+            <a:ext cx="1026630" cy="0"/>
+          </a:xfrm>
+          <a:prstGeom prst="straightConnector1">
+            <a:avLst/>
+          </a:prstGeom>
+          <a:ln>
+            <a:tailEnd type="triangle"/>
+          </a:ln>
+        </p:spPr>
+        <p:style>
+          <a:lnRef idx="1">
+            <a:schemeClr val="accent1"/>
+          </a:lnRef>
+          <a:fillRef idx="0">
+            <a:schemeClr val="accent1"/>
+          </a:fillRef>
+          <a:effectRef idx="0">
+            <a:schemeClr val="accent1"/>
+          </a:effectRef>
+          <a:fontRef idx="minor">
+            <a:schemeClr val="tx1"/>
+          </a:fontRef>
+        </p:style>
+      </p:cxnSp>
+      <p:sp>
+        <p:nvSpPr>
+          <p:cNvPr id="76" name="Oval 75"/>
+          <p:cNvSpPr/>
+          <p:nvPr/>
+        </p:nvSpPr>
+        <p:spPr>
+          <a:xfrm>
+            <a:off x="7501857" y="2596668"/>
+            <a:ext cx="1499191" cy="486608"/>
+          </a:xfrm>
+          <a:prstGeom prst="ellipse">
+            <a:avLst/>
+          </a:prstGeom>
+          <a:solidFill>
+            <a:schemeClr val="accent2">
+              <a:lumMod val="60000"/>
+              <a:lumOff val="40000"/>
+            </a:schemeClr>
+          </a:solidFill>
+        </p:spPr>
+        <p:style>
+          <a:lnRef idx="2">
+            <a:schemeClr val="accent1">
+              <a:shade val="50000"/>
+            </a:schemeClr>
+          </a:lnRef>
+          <a:fillRef idx="1">
+            <a:schemeClr val="accent1"/>
+          </a:fillRef>
+          <a:effectRef idx="0">
+            <a:schemeClr val="accent1"/>
+          </a:effectRef>
+          <a:fontRef idx="minor">
+            <a:schemeClr val="lt1"/>
+          </a:fontRef>
+        </p:style>
+        <p:txBody>
+          <a:bodyPr rtlCol="0" anchor="ctr"/>
+          <a:lstStyle/>
+          <a:p>
+            <a:pPr algn="ctr"/>
+            <a:r>
+              <a:rPr lang="en-US" sz="1000" b="1" dirty="0" smtClean="0">
+                <a:solidFill>
+                  <a:schemeClr val="tx1"/>
+                </a:solidFill>
+              </a:rPr>
+              <a:t>UNKNOWN</a:t>
+            </a:r>
+            <a:endParaRPr lang="en-US" sz="1000" b="1" dirty="0">
+              <a:solidFill>
+                <a:schemeClr val="tx1"/>
+              </a:solidFill>
+            </a:endParaRPr>
+          </a:p>
+        </p:txBody>
+      </p:sp>
+      <p:cxnSp>
+        <p:nvCxnSpPr>
+          <p:cNvPr id="77" name="Straight Arrow Connector 76"/>
+          <p:cNvCxnSpPr>
+            <a:stCxn id="30" idx="3"/>
+            <a:endCxn id="76" idx="2"/>
+          </p:cNvCxnSpPr>
+          <p:nvPr/>
+        </p:nvCxnSpPr>
+        <p:spPr>
+          <a:xfrm flipV="1">
+            <a:off x="7008558" y="2839972"/>
+            <a:ext cx="493299" cy="1952"/>
+          </a:xfrm>
+          <a:prstGeom prst="straightConnector1">
+            <a:avLst/>
+          </a:prstGeom>
+          <a:ln>
+            <a:tailEnd type="triangle"/>
+          </a:ln>
+        </p:spPr>
+        <p:style>
+          <a:lnRef idx="1">
+            <a:schemeClr val="accent1"/>
+          </a:lnRef>
+          <a:fillRef idx="0">
+            <a:schemeClr val="accent1"/>
+          </a:fillRef>
+          <a:effectRef idx="0">
+            <a:schemeClr val="accent1"/>
+          </a:effectRef>
+          <a:fontRef idx="minor">
+            <a:schemeClr val="tx1"/>
+          </a:fontRef>
+        </p:style>
+      </p:cxnSp>
+      <p:sp>
+        <p:nvSpPr>
+          <p:cNvPr id="81" name="Rectangle 80"/>
+          <p:cNvSpPr/>
+          <p:nvPr/>
+        </p:nvSpPr>
+        <p:spPr>
+          <a:xfrm>
+            <a:off x="3091332" y="1986418"/>
+            <a:ext cx="1357960" cy="193402"/>
+          </a:xfrm>
+          <a:prstGeom prst="rect">
+            <a:avLst/>
+          </a:prstGeom>
+          <a:noFill/>
+        </p:spPr>
+        <p:style>
+          <a:lnRef idx="2">
+            <a:schemeClr val="accent1">
+              <a:shade val="50000"/>
+            </a:schemeClr>
+          </a:lnRef>
+          <a:fillRef idx="1">
+            <a:schemeClr val="accent1"/>
+          </a:fillRef>
+          <a:effectRef idx="0">
+            <a:schemeClr val="accent1"/>
+          </a:effectRef>
+          <a:fontRef idx="minor">
+            <a:schemeClr val="lt1"/>
+          </a:fontRef>
+        </p:style>
+        <p:txBody>
+          <a:bodyPr rtlCol="0" anchor="ctr"/>
+          <a:lstStyle/>
+          <a:p>
+            <a:pPr algn="ctr"/>
+            <a:r>
+              <a:rPr lang="en-US" sz="1000" dirty="0" smtClean="0">
+                <a:solidFill>
+                  <a:schemeClr val="tx1"/>
+                </a:solidFill>
+              </a:rPr>
+              <a:t>Is client exist?</a:t>
+            </a:r>
+            <a:endParaRPr lang="en-US" sz="1000" dirty="0">
+              <a:solidFill>
+                <a:schemeClr val="tx1"/>
+              </a:solidFill>
+            </a:endParaRPr>
+          </a:p>
+        </p:txBody>
+      </p:sp>
+      <p:cxnSp>
+        <p:nvCxnSpPr>
+          <p:cNvPr id="84" name="Straight Arrow Connector 83"/>
+          <p:cNvCxnSpPr>
+            <a:stCxn id="81" idx="2"/>
+            <a:endCxn id="89" idx="0"/>
+          </p:cNvCxnSpPr>
+          <p:nvPr/>
+        </p:nvCxnSpPr>
+        <p:spPr>
+          <a:xfrm flipH="1">
+            <a:off x="3770311" y="2179820"/>
+            <a:ext cx="1" cy="466124"/>
+          </a:xfrm>
+          <a:prstGeom prst="straightConnector1">
+            <a:avLst/>
+          </a:prstGeom>
+          <a:ln>
+            <a:tailEnd type="triangle"/>
+          </a:ln>
+        </p:spPr>
+        <p:style>
+          <a:lnRef idx="1">
+            <a:schemeClr val="accent1"/>
+          </a:lnRef>
+          <a:fillRef idx="0">
+            <a:schemeClr val="accent1"/>
+          </a:fillRef>
+          <a:effectRef idx="0">
+            <a:schemeClr val="accent1"/>
+          </a:effectRef>
+          <a:fontRef idx="minor">
+            <a:schemeClr val="tx1"/>
+          </a:fontRef>
+        </p:style>
+      </p:cxnSp>
+      <p:cxnSp>
+        <p:nvCxnSpPr>
+          <p:cNvPr id="85" name="Straight Arrow Connector 84"/>
+          <p:cNvCxnSpPr>
+            <a:stCxn id="89" idx="2"/>
+            <a:endCxn id="94" idx="0"/>
+          </p:cNvCxnSpPr>
+          <p:nvPr/>
+        </p:nvCxnSpPr>
+        <p:spPr>
+          <a:xfrm>
+            <a:off x="3770311" y="2878481"/>
+            <a:ext cx="1" cy="383413"/>
+          </a:xfrm>
+          <a:prstGeom prst="straightConnector1">
+            <a:avLst/>
+          </a:prstGeom>
+          <a:ln>
+            <a:tailEnd type="triangle"/>
+          </a:ln>
+        </p:spPr>
+        <p:style>
+          <a:lnRef idx="1">
+            <a:schemeClr val="accent1"/>
+          </a:lnRef>
+          <a:fillRef idx="0">
+            <a:schemeClr val="accent1"/>
+          </a:fillRef>
+          <a:effectRef idx="0">
+            <a:schemeClr val="accent1"/>
+          </a:effectRef>
+          <a:fontRef idx="minor">
+            <a:schemeClr val="tx1"/>
+          </a:fontRef>
+        </p:style>
+      </p:cxnSp>
+      <p:cxnSp>
+        <p:nvCxnSpPr>
+          <p:cNvPr id="86" name="Straight Arrow Connector 85"/>
+          <p:cNvCxnSpPr>
+            <a:stCxn id="81" idx="1"/>
+            <a:endCxn id="92" idx="6"/>
+          </p:cNvCxnSpPr>
+          <p:nvPr/>
+        </p:nvCxnSpPr>
+        <p:spPr>
+          <a:xfrm flipH="1">
+            <a:off x="2209952" y="2083119"/>
+            <a:ext cx="881380" cy="1183"/>
+          </a:xfrm>
+          <a:prstGeom prst="straightConnector1">
+            <a:avLst/>
+          </a:prstGeom>
+          <a:ln>
+            <a:tailEnd type="triangle"/>
+          </a:ln>
+        </p:spPr>
+        <p:style>
+          <a:lnRef idx="1">
+            <a:schemeClr val="accent1"/>
+          </a:lnRef>
+          <a:fillRef idx="0">
+            <a:schemeClr val="accent1"/>
+          </a:fillRef>
+          <a:effectRef idx="0">
+            <a:schemeClr val="accent1"/>
+          </a:effectRef>
+          <a:fontRef idx="minor">
+            <a:schemeClr val="tx1"/>
+          </a:fontRef>
+        </p:style>
+      </p:cxnSp>
+      <p:sp>
+        <p:nvSpPr>
+          <p:cNvPr id="89" name="Rectangle 88"/>
+          <p:cNvSpPr/>
+          <p:nvPr/>
+        </p:nvSpPr>
+        <p:spPr>
+          <a:xfrm>
+            <a:off x="3012220" y="2645944"/>
+            <a:ext cx="1516182" cy="232537"/>
+          </a:xfrm>
+          <a:prstGeom prst="rect">
+            <a:avLst/>
+          </a:prstGeom>
+          <a:noFill/>
+        </p:spPr>
+        <p:style>
+          <a:lnRef idx="2">
+            <a:schemeClr val="accent1">
+              <a:shade val="50000"/>
+            </a:schemeClr>
+          </a:lnRef>
+          <a:fillRef idx="1">
+            <a:schemeClr val="accent1"/>
+          </a:fillRef>
+          <a:effectRef idx="0">
+            <a:schemeClr val="accent1"/>
+          </a:effectRef>
+          <a:fontRef idx="minor">
+            <a:schemeClr val="lt1"/>
+          </a:fontRef>
+        </p:style>
+        <p:txBody>
+          <a:bodyPr rtlCol="0" anchor="ctr"/>
+          <a:lstStyle/>
+          <a:p>
+            <a:pPr algn="ctr"/>
+            <a:r>
+              <a:rPr lang="en-US" sz="1000" dirty="0" err="1">
+                <a:solidFill>
+                  <a:schemeClr val="tx1"/>
+                </a:solidFill>
+              </a:rPr>
+              <a:t>apiSetSensorAvailability</a:t>
+            </a:r>
+            <a:endParaRPr lang="en-US" sz="1000" dirty="0">
+              <a:solidFill>
+                <a:schemeClr val="tx1"/>
+              </a:solidFill>
+            </a:endParaRPr>
+          </a:p>
+        </p:txBody>
+      </p:sp>
+      <p:sp>
+        <p:nvSpPr>
+          <p:cNvPr id="92" name="Oval 91"/>
+          <p:cNvSpPr/>
+          <p:nvPr/>
+        </p:nvSpPr>
+        <p:spPr>
+          <a:xfrm>
+            <a:off x="710761" y="1840998"/>
+            <a:ext cx="1499191" cy="486608"/>
+          </a:xfrm>
+          <a:prstGeom prst="ellipse">
+            <a:avLst/>
+          </a:prstGeom>
+          <a:solidFill>
+            <a:schemeClr val="accent2">
+              <a:lumMod val="60000"/>
+              <a:lumOff val="40000"/>
+            </a:schemeClr>
+          </a:solidFill>
+        </p:spPr>
+        <p:style>
+          <a:lnRef idx="2">
+            <a:schemeClr val="accent1">
+              <a:shade val="50000"/>
+            </a:schemeClr>
+          </a:lnRef>
+          <a:fillRef idx="1">
+            <a:schemeClr val="accent1"/>
+          </a:fillRef>
+          <a:effectRef idx="0">
+            <a:schemeClr val="accent1"/>
+          </a:effectRef>
+          <a:fontRef idx="minor">
+            <a:schemeClr val="lt1"/>
+          </a:fontRef>
+        </p:style>
+        <p:txBody>
+          <a:bodyPr rtlCol="0" anchor="ctr"/>
+          <a:lstStyle/>
+          <a:p>
+            <a:pPr algn="ctr"/>
+            <a:r>
+              <a:rPr lang="en-US" sz="1000" b="1" dirty="0" smtClean="0">
+                <a:solidFill>
+                  <a:schemeClr val="tx1"/>
+                </a:solidFill>
+              </a:rPr>
+              <a:t>UNKNOWN</a:t>
+            </a:r>
+            <a:endParaRPr lang="en-US" sz="1000" b="1" dirty="0">
+              <a:solidFill>
+                <a:schemeClr val="tx1"/>
+              </a:solidFill>
+            </a:endParaRPr>
+          </a:p>
+        </p:txBody>
+      </p:sp>
+      <p:sp>
+        <p:nvSpPr>
+          <p:cNvPr id="94" name="Oval 93"/>
+          <p:cNvSpPr/>
+          <p:nvPr/>
+        </p:nvSpPr>
+        <p:spPr>
+          <a:xfrm>
+            <a:off x="3020716" y="3261894"/>
+            <a:ext cx="1499191" cy="486608"/>
+          </a:xfrm>
+          <a:prstGeom prst="ellipse">
+            <a:avLst/>
+          </a:prstGeom>
+          <a:solidFill>
+            <a:schemeClr val="accent6">
+              <a:lumMod val="60000"/>
+              <a:lumOff val="40000"/>
+            </a:schemeClr>
+          </a:solidFill>
+        </p:spPr>
+        <p:style>
+          <a:lnRef idx="2">
+            <a:schemeClr val="accent1">
+              <a:shade val="50000"/>
+            </a:schemeClr>
+          </a:lnRef>
+          <a:fillRef idx="1">
+            <a:schemeClr val="accent1"/>
+          </a:fillRef>
+          <a:effectRef idx="0">
+            <a:schemeClr val="accent1"/>
+          </a:effectRef>
+          <a:fontRef idx="minor">
+            <a:schemeClr val="lt1"/>
+          </a:fontRef>
+        </p:style>
+        <p:txBody>
+          <a:bodyPr rtlCol="0" anchor="ctr"/>
+          <a:lstStyle/>
+          <a:p>
+            <a:pPr algn="ctr"/>
+            <a:r>
+              <a:rPr lang="en-US" sz="1000" b="1" dirty="0" smtClean="0">
+                <a:solidFill>
+                  <a:schemeClr val="tx1"/>
+                </a:solidFill>
+              </a:rPr>
+              <a:t>CONNECTED</a:t>
+            </a:r>
+            <a:endParaRPr lang="en-US" sz="1000" b="1" dirty="0">
+              <a:solidFill>
+                <a:schemeClr val="tx1"/>
+              </a:solidFill>
+            </a:endParaRPr>
+          </a:p>
+        </p:txBody>
+      </p:sp>
+      <p:cxnSp>
+        <p:nvCxnSpPr>
+          <p:cNvPr id="97" name="Straight Arrow Connector 96"/>
+          <p:cNvCxnSpPr>
+            <a:stCxn id="99" idx="2"/>
+            <a:endCxn id="29" idx="0"/>
+          </p:cNvCxnSpPr>
+          <p:nvPr/>
+        </p:nvCxnSpPr>
+        <p:spPr>
+          <a:xfrm flipH="1">
+            <a:off x="6051628" y="1578659"/>
+            <a:ext cx="4055" cy="281847"/>
+          </a:xfrm>
+          <a:prstGeom prst="straightConnector1">
+            <a:avLst/>
+          </a:prstGeom>
+          <a:ln>
+            <a:tailEnd type="triangle"/>
+          </a:ln>
+        </p:spPr>
+        <p:style>
+          <a:lnRef idx="1">
+            <a:schemeClr val="accent1"/>
+          </a:lnRef>
+          <a:fillRef idx="0">
+            <a:schemeClr val="accent1"/>
+          </a:fillRef>
+          <a:effectRef idx="0">
+            <a:schemeClr val="accent1"/>
+          </a:effectRef>
+          <a:fontRef idx="minor">
+            <a:schemeClr val="tx1"/>
+          </a:fontRef>
+        </p:style>
+      </p:cxnSp>
+      <p:sp>
+        <p:nvSpPr>
+          <p:cNvPr id="99" name="TextBox 98"/>
+          <p:cNvSpPr txBox="1"/>
+          <p:nvPr/>
+        </p:nvSpPr>
+        <p:spPr>
+          <a:xfrm>
+            <a:off x="5794233" y="1332438"/>
+            <a:ext cx="522900" cy="246221"/>
+          </a:xfrm>
+          <a:prstGeom prst="rect">
+            <a:avLst/>
+          </a:prstGeom>
+          <a:noFill/>
+        </p:spPr>
+        <p:txBody>
+          <a:bodyPr wrap="none" rtlCol="0">
+            <a:spAutoFit/>
+          </a:bodyPr>
+          <a:lstStyle/>
+          <a:p>
+            <a:r>
+              <a:rPr lang="en-US" sz="1000" b="1" dirty="0" smtClean="0"/>
+              <a:t>START</a:t>
+            </a:r>
+            <a:endParaRPr lang="en-US" sz="1000" b="1" dirty="0"/>
+          </a:p>
+        </p:txBody>
+      </p:sp>
     </p:spTree>
     <p:extLst>
       <p:ext uri="{BB962C8B-B14F-4D97-AF65-F5344CB8AC3E}">
-        <p14:creationId xmlns:p14="http://schemas.microsoft.com/office/powerpoint/2010/main" val="2740302508"/>
+        <p14:creationId xmlns:p14="http://schemas.microsoft.com/office/powerpoint/2010/main" val="2901648644"/>
+      </p:ext>
+    </p:extLst>
+  </p:cSld>
+  <p:clrMapOvr>
+    <a:masterClrMapping/>
+  </p:clrMapOvr>
+  <p:timing>
+    <p:tnLst>
+      <p:par>
+        <p:cTn id="1" dur="indefinite" restart="never" nodeType="tmRoot"/>
+      </p:par>
+    </p:tnLst>
+  </p:timing>
+</p:sld>
+</file>
+
+<file path=ppt/slides/slide5.xml><?xml version="1.0" encoding="utf-8"?>
+<p:sld xmlns:a="http://schemas.openxmlformats.org/drawingml/2006/main" xmlns:r="http://schemas.openxmlformats.org/officeDocument/2006/relationships" xmlns:p="http://schemas.openxmlformats.org/presentationml/2006/main">
+  <p:cSld>
+    <p:spTree>
+      <p:nvGrpSpPr>
+        <p:cNvPr id="1" name=""/>
+        <p:cNvGrpSpPr/>
+        <p:nvPr/>
+      </p:nvGrpSpPr>
+      <p:grpSpPr>
+        <a:xfrm>
+          <a:off x="0" y="0"/>
+          <a:ext cx="0" cy="0"/>
+          <a:chOff x="0" y="0"/>
+          <a:chExt cx="0" cy="0"/>
+        </a:xfrm>
+      </p:grpSpPr>
+      <p:sp>
+        <p:nvSpPr>
+          <p:cNvPr id="4" name="TextBox 3"/>
+          <p:cNvSpPr txBox="1"/>
+          <p:nvPr/>
+        </p:nvSpPr>
+        <p:spPr>
+          <a:xfrm>
+            <a:off x="4966011" y="204599"/>
+            <a:ext cx="2042547" cy="369332"/>
+          </a:xfrm>
+          <a:prstGeom prst="rect">
+            <a:avLst/>
+          </a:prstGeom>
+          <a:noFill/>
+        </p:spPr>
+        <p:txBody>
+          <a:bodyPr wrap="none" rtlCol="0">
+            <a:spAutoFit/>
+          </a:bodyPr>
+          <a:lstStyle/>
+          <a:p>
+            <a:r>
+              <a:rPr lang="en-US" dirty="0" smtClean="0"/>
+              <a:t>Commands Handler</a:t>
+            </a:r>
+            <a:endParaRPr lang="en-US" dirty="0"/>
+          </a:p>
+        </p:txBody>
+      </p:sp>
+      <p:sp>
+        <p:nvSpPr>
+          <p:cNvPr id="6" name="Rounded Rectangle 5"/>
+          <p:cNvSpPr/>
+          <p:nvPr/>
+        </p:nvSpPr>
+        <p:spPr>
+          <a:xfrm>
+            <a:off x="5094698" y="1860506"/>
+            <a:ext cx="1913860" cy="447593"/>
+          </a:xfrm>
+          <a:prstGeom prst="roundRect">
+            <a:avLst/>
+          </a:prstGeom>
+          <a:noFill/>
+        </p:spPr>
+        <p:style>
+          <a:lnRef idx="2">
+            <a:schemeClr val="accent1">
+              <a:shade val="50000"/>
+            </a:schemeClr>
+          </a:lnRef>
+          <a:fillRef idx="1">
+            <a:schemeClr val="accent1"/>
+          </a:fillRef>
+          <a:effectRef idx="0">
+            <a:schemeClr val="accent1"/>
+          </a:effectRef>
+          <a:fontRef idx="minor">
+            <a:schemeClr val="lt1"/>
+          </a:fontRef>
+        </p:style>
+        <p:txBody>
+          <a:bodyPr rtlCol="0" anchor="ctr"/>
+          <a:lstStyle/>
+          <a:p>
+            <a:pPr algn="ctr"/>
+            <a:r>
+              <a:rPr lang="en-US" sz="1000" dirty="0" smtClean="0">
+                <a:solidFill>
+                  <a:schemeClr val="tx1"/>
+                </a:solidFill>
+              </a:rPr>
+              <a:t>SENSOR_INFO_DATA_TYPE</a:t>
+            </a:r>
+            <a:endParaRPr lang="en-US" sz="1000" dirty="0">
+              <a:solidFill>
+                <a:schemeClr val="tx1"/>
+              </a:solidFill>
+            </a:endParaRPr>
+          </a:p>
+        </p:txBody>
+      </p:sp>
+      <p:cxnSp>
+        <p:nvCxnSpPr>
+          <p:cNvPr id="10" name="Straight Arrow Connector 9"/>
+          <p:cNvCxnSpPr>
+            <a:stCxn id="6" idx="2"/>
+          </p:cNvCxnSpPr>
+          <p:nvPr/>
+        </p:nvCxnSpPr>
+        <p:spPr>
+          <a:xfrm>
+            <a:off x="6051628" y="2308099"/>
+            <a:ext cx="2027" cy="1536537"/>
+          </a:xfrm>
+          <a:prstGeom prst="straightConnector1">
+            <a:avLst/>
+          </a:prstGeom>
+          <a:ln>
+            <a:tailEnd type="triangle"/>
+          </a:ln>
+        </p:spPr>
+        <p:style>
+          <a:lnRef idx="1">
+            <a:schemeClr val="accent1"/>
+          </a:lnRef>
+          <a:fillRef idx="0">
+            <a:schemeClr val="accent1"/>
+          </a:fillRef>
+          <a:effectRef idx="0">
+            <a:schemeClr val="accent1"/>
+          </a:effectRef>
+          <a:fontRef idx="minor">
+            <a:schemeClr val="tx1"/>
+          </a:fontRef>
+        </p:style>
+      </p:cxnSp>
+      <p:sp>
+        <p:nvSpPr>
+          <p:cNvPr id="13" name="TextBox 12"/>
+          <p:cNvSpPr txBox="1"/>
+          <p:nvPr/>
+        </p:nvSpPr>
+        <p:spPr>
+          <a:xfrm>
+            <a:off x="6080235" y="2959238"/>
+            <a:ext cx="360996" cy="246221"/>
+          </a:xfrm>
+          <a:prstGeom prst="rect">
+            <a:avLst/>
+          </a:prstGeom>
+          <a:noFill/>
+        </p:spPr>
+        <p:txBody>
+          <a:bodyPr wrap="none" rtlCol="0">
+            <a:spAutoFit/>
+          </a:bodyPr>
+          <a:lstStyle/>
+          <a:p>
+            <a:r>
+              <a:rPr lang="en-US" sz="1000" dirty="0" smtClean="0"/>
+              <a:t>Yes</a:t>
+            </a:r>
+            <a:endParaRPr lang="en-US" sz="1000" dirty="0"/>
+          </a:p>
+        </p:txBody>
+      </p:sp>
+      <p:cxnSp>
+        <p:nvCxnSpPr>
+          <p:cNvPr id="42" name="Straight Arrow Connector 41"/>
+          <p:cNvCxnSpPr>
+            <a:stCxn id="43" idx="2"/>
+            <a:endCxn id="6" idx="0"/>
+          </p:cNvCxnSpPr>
+          <p:nvPr/>
+        </p:nvCxnSpPr>
+        <p:spPr>
+          <a:xfrm flipH="1">
+            <a:off x="6051628" y="1578659"/>
+            <a:ext cx="4055" cy="281847"/>
+          </a:xfrm>
+          <a:prstGeom prst="straightConnector1">
+            <a:avLst/>
+          </a:prstGeom>
+          <a:ln>
+            <a:tailEnd type="triangle"/>
+          </a:ln>
+        </p:spPr>
+        <p:style>
+          <a:lnRef idx="1">
+            <a:schemeClr val="accent1"/>
+          </a:lnRef>
+          <a:fillRef idx="0">
+            <a:schemeClr val="accent1"/>
+          </a:fillRef>
+          <a:effectRef idx="0">
+            <a:schemeClr val="accent1"/>
+          </a:effectRef>
+          <a:fontRef idx="minor">
+            <a:schemeClr val="tx1"/>
+          </a:fontRef>
+        </p:style>
+      </p:cxnSp>
+      <p:sp>
+        <p:nvSpPr>
+          <p:cNvPr id="43" name="TextBox 42"/>
+          <p:cNvSpPr txBox="1"/>
+          <p:nvPr/>
+        </p:nvSpPr>
+        <p:spPr>
+          <a:xfrm>
+            <a:off x="5794233" y="1332438"/>
+            <a:ext cx="522900" cy="246221"/>
+          </a:xfrm>
+          <a:prstGeom prst="rect">
+            <a:avLst/>
+          </a:prstGeom>
+          <a:noFill/>
+        </p:spPr>
+        <p:txBody>
+          <a:bodyPr wrap="none" rtlCol="0">
+            <a:spAutoFit/>
+          </a:bodyPr>
+          <a:lstStyle/>
+          <a:p>
+            <a:r>
+              <a:rPr lang="en-US" sz="1000" b="1" dirty="0" smtClean="0"/>
+              <a:t>START</a:t>
+            </a:r>
+            <a:endParaRPr lang="en-US" sz="1000" b="1" dirty="0"/>
+          </a:p>
+        </p:txBody>
+      </p:sp>
+      <p:sp>
+        <p:nvSpPr>
+          <p:cNvPr id="44" name="Rounded Rectangle 43"/>
+          <p:cNvSpPr/>
+          <p:nvPr/>
+        </p:nvSpPr>
+        <p:spPr>
+          <a:xfrm>
+            <a:off x="7294522" y="1858185"/>
+            <a:ext cx="1913860" cy="447593"/>
+          </a:xfrm>
+          <a:prstGeom prst="roundRect">
+            <a:avLst/>
+          </a:prstGeom>
+          <a:noFill/>
+        </p:spPr>
+        <p:style>
+          <a:lnRef idx="2">
+            <a:schemeClr val="accent1">
+              <a:shade val="50000"/>
+            </a:schemeClr>
+          </a:lnRef>
+          <a:fillRef idx="1">
+            <a:schemeClr val="accent1"/>
+          </a:fillRef>
+          <a:effectRef idx="0">
+            <a:schemeClr val="accent1"/>
+          </a:effectRef>
+          <a:fontRef idx="minor">
+            <a:schemeClr val="lt1"/>
+          </a:fontRef>
+        </p:style>
+        <p:txBody>
+          <a:bodyPr rtlCol="0" anchor="ctr"/>
+          <a:lstStyle/>
+          <a:p>
+            <a:pPr algn="ctr"/>
+            <a:r>
+              <a:rPr lang="en-US" sz="1000" dirty="0" smtClean="0">
+                <a:solidFill>
+                  <a:schemeClr val="tx1"/>
+                </a:solidFill>
+              </a:rPr>
+              <a:t>SENSOR_CMD_DATA_TYPE</a:t>
+            </a:r>
+            <a:endParaRPr lang="en-US" sz="1000" dirty="0">
+              <a:solidFill>
+                <a:schemeClr val="tx1"/>
+              </a:solidFill>
+            </a:endParaRPr>
+          </a:p>
+        </p:txBody>
+      </p:sp>
+      <p:sp>
+        <p:nvSpPr>
+          <p:cNvPr id="45" name="Rounded Rectangle 44"/>
+          <p:cNvSpPr/>
+          <p:nvPr/>
+        </p:nvSpPr>
+        <p:spPr>
+          <a:xfrm>
+            <a:off x="2894875" y="1858184"/>
+            <a:ext cx="1913860" cy="447593"/>
+          </a:xfrm>
+          <a:prstGeom prst="roundRect">
+            <a:avLst/>
+          </a:prstGeom>
+          <a:noFill/>
+        </p:spPr>
+        <p:style>
+          <a:lnRef idx="2">
+            <a:schemeClr val="accent1">
+              <a:shade val="50000"/>
+            </a:schemeClr>
+          </a:lnRef>
+          <a:fillRef idx="1">
+            <a:schemeClr val="accent1"/>
+          </a:fillRef>
+          <a:effectRef idx="0">
+            <a:schemeClr val="accent1"/>
+          </a:effectRef>
+          <a:fontRef idx="minor">
+            <a:schemeClr val="lt1"/>
+          </a:fontRef>
+        </p:style>
+        <p:txBody>
+          <a:bodyPr rtlCol="0" anchor="ctr"/>
+          <a:lstStyle/>
+          <a:p>
+            <a:pPr algn="ctr"/>
+            <a:r>
+              <a:rPr lang="en-US" sz="1000" dirty="0">
+                <a:solidFill>
+                  <a:schemeClr val="tx1"/>
+                </a:solidFill>
+              </a:rPr>
+              <a:t>DEVICE_PROT_DATA_TYPE</a:t>
+            </a:r>
+            <a:endParaRPr lang="en-US" sz="1000" dirty="0">
+              <a:solidFill>
+                <a:schemeClr val="tx1"/>
+              </a:solidFill>
+            </a:endParaRPr>
+          </a:p>
+        </p:txBody>
+      </p:sp>
+      <p:sp>
+        <p:nvSpPr>
+          <p:cNvPr id="46" name="Rounded Rectangle 45"/>
+          <p:cNvSpPr/>
+          <p:nvPr/>
+        </p:nvSpPr>
+        <p:spPr>
+          <a:xfrm>
+            <a:off x="2894875" y="2553998"/>
+            <a:ext cx="1913860" cy="273125"/>
+          </a:xfrm>
+          <a:prstGeom prst="roundRect">
+            <a:avLst/>
+          </a:prstGeom>
+          <a:noFill/>
+        </p:spPr>
+        <p:style>
+          <a:lnRef idx="2">
+            <a:schemeClr val="accent1">
+              <a:shade val="50000"/>
+            </a:schemeClr>
+          </a:lnRef>
+          <a:fillRef idx="1">
+            <a:schemeClr val="accent1"/>
+          </a:fillRef>
+          <a:effectRef idx="0">
+            <a:schemeClr val="accent1"/>
+          </a:effectRef>
+          <a:fontRef idx="minor">
+            <a:schemeClr val="lt1"/>
+          </a:fontRef>
+        </p:style>
+        <p:txBody>
+          <a:bodyPr rtlCol="0" anchor="ctr"/>
+          <a:lstStyle/>
+          <a:p>
+            <a:pPr algn="ctr"/>
+            <a:r>
+              <a:rPr lang="en-US" sz="1000">
+                <a:solidFill>
+                  <a:schemeClr val="tx1"/>
+                </a:solidFill>
+              </a:rPr>
+              <a:t>DEVICE_PROT_CONNECT_REQ</a:t>
+            </a:r>
+            <a:endParaRPr lang="en-US" sz="1000" dirty="0">
+              <a:solidFill>
+                <a:schemeClr val="tx1"/>
+              </a:solidFill>
+            </a:endParaRPr>
+          </a:p>
+        </p:txBody>
+      </p:sp>
+      <p:sp>
+        <p:nvSpPr>
+          <p:cNvPr id="47" name="Rounded Rectangle 46"/>
+          <p:cNvSpPr/>
+          <p:nvPr/>
+        </p:nvSpPr>
+        <p:spPr>
+          <a:xfrm>
+            <a:off x="2894875" y="2865028"/>
+            <a:ext cx="1913860" cy="273125"/>
+          </a:xfrm>
+          <a:prstGeom prst="roundRect">
+            <a:avLst/>
+          </a:prstGeom>
+          <a:noFill/>
+        </p:spPr>
+        <p:style>
+          <a:lnRef idx="2">
+            <a:schemeClr val="accent1">
+              <a:shade val="50000"/>
+            </a:schemeClr>
+          </a:lnRef>
+          <a:fillRef idx="1">
+            <a:schemeClr val="accent1"/>
+          </a:fillRef>
+          <a:effectRef idx="0">
+            <a:schemeClr val="accent1"/>
+          </a:effectRef>
+          <a:fontRef idx="minor">
+            <a:schemeClr val="lt1"/>
+          </a:fontRef>
+        </p:style>
+        <p:txBody>
+          <a:bodyPr rtlCol="0" anchor="ctr"/>
+          <a:lstStyle/>
+          <a:p>
+            <a:pPr algn="ctr"/>
+            <a:r>
+              <a:rPr lang="en-US" sz="1000" dirty="0">
+                <a:solidFill>
+                  <a:schemeClr val="tx1"/>
+                </a:solidFill>
+              </a:rPr>
+              <a:t>DEVICE_PROT_CONNECT_ADDR</a:t>
+            </a:r>
+            <a:endParaRPr lang="en-US" sz="1000" dirty="0">
+              <a:solidFill>
+                <a:schemeClr val="tx1"/>
+              </a:solidFill>
+            </a:endParaRPr>
+          </a:p>
+        </p:txBody>
+      </p:sp>
+      <p:sp>
+        <p:nvSpPr>
+          <p:cNvPr id="48" name="Rounded Rectangle 47"/>
+          <p:cNvSpPr/>
+          <p:nvPr/>
+        </p:nvSpPr>
+        <p:spPr>
+          <a:xfrm>
+            <a:off x="2894875" y="3176058"/>
+            <a:ext cx="1913860" cy="259674"/>
+          </a:xfrm>
+          <a:prstGeom prst="roundRect">
+            <a:avLst/>
+          </a:prstGeom>
+          <a:noFill/>
+        </p:spPr>
+        <p:style>
+          <a:lnRef idx="2">
+            <a:schemeClr val="accent1">
+              <a:shade val="50000"/>
+            </a:schemeClr>
+          </a:lnRef>
+          <a:fillRef idx="1">
+            <a:schemeClr val="accent1"/>
+          </a:fillRef>
+          <a:effectRef idx="0">
+            <a:schemeClr val="accent1"/>
+          </a:effectRef>
+          <a:fontRef idx="minor">
+            <a:schemeClr val="lt1"/>
+          </a:fontRef>
+        </p:style>
+        <p:txBody>
+          <a:bodyPr rtlCol="0" anchor="ctr"/>
+          <a:lstStyle/>
+          <a:p>
+            <a:pPr algn="ctr"/>
+            <a:r>
+              <a:rPr lang="en-US" sz="1000" dirty="0">
+                <a:solidFill>
+                  <a:schemeClr val="tx1"/>
+                </a:solidFill>
+              </a:rPr>
+              <a:t>DEVICE_PROT_CONNECT_CHK</a:t>
+            </a:r>
+            <a:endParaRPr lang="en-US" sz="1000" dirty="0">
+              <a:solidFill>
+                <a:schemeClr val="tx1"/>
+              </a:solidFill>
+            </a:endParaRPr>
+          </a:p>
+        </p:txBody>
+      </p:sp>
+      <p:cxnSp>
+        <p:nvCxnSpPr>
+          <p:cNvPr id="49" name="Straight Connector 48"/>
+          <p:cNvCxnSpPr>
+            <a:stCxn id="6" idx="1"/>
+            <a:endCxn id="45" idx="3"/>
+          </p:cNvCxnSpPr>
+          <p:nvPr/>
+        </p:nvCxnSpPr>
+        <p:spPr>
+          <a:xfrm flipH="1" flipV="1">
+            <a:off x="4808735" y="2081981"/>
+            <a:ext cx="285963" cy="2322"/>
+          </a:xfrm>
+          <a:prstGeom prst="line">
+            <a:avLst/>
+          </a:prstGeom>
+          <a:ln w="3175">
+            <a:prstDash val="dash"/>
+          </a:ln>
+        </p:spPr>
+        <p:style>
+          <a:lnRef idx="1">
+            <a:schemeClr val="accent1"/>
+          </a:lnRef>
+          <a:fillRef idx="0">
+            <a:schemeClr val="accent1"/>
+          </a:fillRef>
+          <a:effectRef idx="0">
+            <a:schemeClr val="accent1"/>
+          </a:effectRef>
+          <a:fontRef idx="minor">
+            <a:schemeClr val="tx1"/>
+          </a:fontRef>
+        </p:style>
+      </p:cxnSp>
+      <p:cxnSp>
+        <p:nvCxnSpPr>
+          <p:cNvPr id="52" name="Straight Connector 51"/>
+          <p:cNvCxnSpPr>
+            <a:stCxn id="6" idx="3"/>
+            <a:endCxn id="44" idx="1"/>
+          </p:cNvCxnSpPr>
+          <p:nvPr/>
+        </p:nvCxnSpPr>
+        <p:spPr>
+          <a:xfrm flipV="1">
+            <a:off x="7008558" y="2081982"/>
+            <a:ext cx="285964" cy="2321"/>
+          </a:xfrm>
+          <a:prstGeom prst="line">
+            <a:avLst/>
+          </a:prstGeom>
+          <a:ln w="3175">
+            <a:prstDash val="dash"/>
+          </a:ln>
+        </p:spPr>
+        <p:style>
+          <a:lnRef idx="1">
+            <a:schemeClr val="accent1"/>
+          </a:lnRef>
+          <a:fillRef idx="0">
+            <a:schemeClr val="accent1"/>
+          </a:fillRef>
+          <a:effectRef idx="0">
+            <a:schemeClr val="accent1"/>
+          </a:effectRef>
+          <a:fontRef idx="minor">
+            <a:schemeClr val="tx1"/>
+          </a:fontRef>
+        </p:style>
+      </p:cxnSp>
+      <p:cxnSp>
+        <p:nvCxnSpPr>
+          <p:cNvPr id="55" name="Straight Arrow Connector 54"/>
+          <p:cNvCxnSpPr>
+            <a:stCxn id="45" idx="2"/>
+            <a:endCxn id="46" idx="0"/>
+          </p:cNvCxnSpPr>
+          <p:nvPr/>
+        </p:nvCxnSpPr>
+        <p:spPr>
+          <a:xfrm>
+            <a:off x="3851805" y="2305777"/>
+            <a:ext cx="0" cy="248221"/>
+          </a:xfrm>
+          <a:prstGeom prst="straightConnector1">
+            <a:avLst/>
+          </a:prstGeom>
+          <a:ln>
+            <a:tailEnd type="triangle"/>
+          </a:ln>
+        </p:spPr>
+        <p:style>
+          <a:lnRef idx="1">
+            <a:schemeClr val="accent1"/>
+          </a:lnRef>
+          <a:fillRef idx="0">
+            <a:schemeClr val="accent1"/>
+          </a:fillRef>
+          <a:effectRef idx="0">
+            <a:schemeClr val="accent1"/>
+          </a:effectRef>
+          <a:fontRef idx="minor">
+            <a:schemeClr val="tx1"/>
+          </a:fontRef>
+        </p:style>
+      </p:cxnSp>
+      <p:sp>
+        <p:nvSpPr>
+          <p:cNvPr id="56" name="TextBox 55"/>
+          <p:cNvSpPr txBox="1"/>
+          <p:nvPr/>
+        </p:nvSpPr>
+        <p:spPr>
+          <a:xfrm>
+            <a:off x="3880884" y="2307777"/>
+            <a:ext cx="360996" cy="246221"/>
+          </a:xfrm>
+          <a:prstGeom prst="rect">
+            <a:avLst/>
+          </a:prstGeom>
+          <a:noFill/>
+        </p:spPr>
+        <p:txBody>
+          <a:bodyPr wrap="none" rtlCol="0">
+            <a:spAutoFit/>
+          </a:bodyPr>
+          <a:lstStyle/>
+          <a:p>
+            <a:r>
+              <a:rPr lang="en-US" sz="1000" dirty="0" smtClean="0"/>
+              <a:t>Yes</a:t>
+            </a:r>
+            <a:endParaRPr lang="en-US" sz="1000" dirty="0"/>
+          </a:p>
+        </p:txBody>
+      </p:sp>
+      <p:cxnSp>
+        <p:nvCxnSpPr>
+          <p:cNvPr id="60" name="Straight Arrow Connector 59"/>
+          <p:cNvCxnSpPr>
+            <a:stCxn id="44" idx="2"/>
+            <a:endCxn id="62" idx="0"/>
+          </p:cNvCxnSpPr>
+          <p:nvPr/>
+        </p:nvCxnSpPr>
+        <p:spPr>
+          <a:xfrm>
+            <a:off x="8251452" y="2305778"/>
+            <a:ext cx="0" cy="248220"/>
+          </a:xfrm>
+          <a:prstGeom prst="straightConnector1">
+            <a:avLst/>
+          </a:prstGeom>
+          <a:ln>
+            <a:tailEnd type="triangle"/>
+          </a:ln>
+        </p:spPr>
+        <p:style>
+          <a:lnRef idx="1">
+            <a:schemeClr val="accent1"/>
+          </a:lnRef>
+          <a:fillRef idx="0">
+            <a:schemeClr val="accent1"/>
+          </a:fillRef>
+          <a:effectRef idx="0">
+            <a:schemeClr val="accent1"/>
+          </a:effectRef>
+          <a:fontRef idx="minor">
+            <a:schemeClr val="tx1"/>
+          </a:fontRef>
+        </p:style>
+      </p:cxnSp>
+      <p:sp>
+        <p:nvSpPr>
+          <p:cNvPr id="61" name="TextBox 60"/>
+          <p:cNvSpPr txBox="1"/>
+          <p:nvPr/>
+        </p:nvSpPr>
+        <p:spPr>
+          <a:xfrm>
+            <a:off x="8248341" y="2326729"/>
+            <a:ext cx="360996" cy="246221"/>
+          </a:xfrm>
+          <a:prstGeom prst="rect">
+            <a:avLst/>
+          </a:prstGeom>
+          <a:noFill/>
+        </p:spPr>
+        <p:txBody>
+          <a:bodyPr wrap="none" rtlCol="0">
+            <a:spAutoFit/>
+          </a:bodyPr>
+          <a:lstStyle/>
+          <a:p>
+            <a:r>
+              <a:rPr lang="en-US" sz="1000" dirty="0" smtClean="0"/>
+              <a:t>Yes</a:t>
+            </a:r>
+            <a:endParaRPr lang="en-US" sz="1000" dirty="0"/>
+          </a:p>
+        </p:txBody>
+      </p:sp>
+      <p:sp>
+        <p:nvSpPr>
+          <p:cNvPr id="62" name="Rounded Rectangle 61"/>
+          <p:cNvSpPr/>
+          <p:nvPr/>
+        </p:nvSpPr>
+        <p:spPr>
+          <a:xfrm>
+            <a:off x="7294522" y="2553998"/>
+            <a:ext cx="1913860" cy="273125"/>
+          </a:xfrm>
+          <a:prstGeom prst="roundRect">
+            <a:avLst/>
+          </a:prstGeom>
+          <a:noFill/>
+        </p:spPr>
+        <p:style>
+          <a:lnRef idx="2">
+            <a:schemeClr val="accent1">
+              <a:shade val="50000"/>
+            </a:schemeClr>
+          </a:lnRef>
+          <a:fillRef idx="1">
+            <a:schemeClr val="accent1"/>
+          </a:fillRef>
+          <a:effectRef idx="0">
+            <a:schemeClr val="accent1"/>
+          </a:effectRef>
+          <a:fontRef idx="minor">
+            <a:schemeClr val="lt1"/>
+          </a:fontRef>
+        </p:style>
+        <p:txBody>
+          <a:bodyPr rtlCol="0" anchor="ctr"/>
+          <a:lstStyle/>
+          <a:p>
+            <a:pPr algn="ctr"/>
+            <a:r>
+              <a:rPr lang="en-US" sz="1000" dirty="0">
+                <a:solidFill>
+                  <a:schemeClr val="tx1"/>
+                </a:solidFill>
+              </a:rPr>
+              <a:t>SENSOR_CMD_RELAY</a:t>
+            </a:r>
+            <a:endParaRPr lang="en-US" sz="1000" dirty="0">
+              <a:solidFill>
+                <a:schemeClr val="tx1"/>
+              </a:solidFill>
+            </a:endParaRPr>
+          </a:p>
+        </p:txBody>
+      </p:sp>
+      <p:sp>
+        <p:nvSpPr>
+          <p:cNvPr id="63" name="Rounded Rectangle 62"/>
+          <p:cNvSpPr/>
+          <p:nvPr/>
+        </p:nvSpPr>
+        <p:spPr>
+          <a:xfrm>
+            <a:off x="7294522" y="2865028"/>
+            <a:ext cx="1913860" cy="273125"/>
+          </a:xfrm>
+          <a:prstGeom prst="roundRect">
+            <a:avLst/>
+          </a:prstGeom>
+          <a:noFill/>
+        </p:spPr>
+        <p:style>
+          <a:lnRef idx="2">
+            <a:schemeClr val="accent1">
+              <a:shade val="50000"/>
+            </a:schemeClr>
+          </a:lnRef>
+          <a:fillRef idx="1">
+            <a:schemeClr val="accent1"/>
+          </a:fillRef>
+          <a:effectRef idx="0">
+            <a:schemeClr val="accent1"/>
+          </a:effectRef>
+          <a:fontRef idx="minor">
+            <a:schemeClr val="lt1"/>
+          </a:fontRef>
+        </p:style>
+        <p:txBody>
+          <a:bodyPr rtlCol="0" anchor="ctr"/>
+          <a:lstStyle/>
+          <a:p>
+            <a:pPr algn="ctr"/>
+            <a:r>
+              <a:rPr lang="en-US" sz="1000" dirty="0">
+                <a:solidFill>
+                  <a:schemeClr val="tx1"/>
+                </a:solidFill>
+              </a:rPr>
+              <a:t>SENSOR_CMD_RELAY_RGB</a:t>
+            </a:r>
+            <a:endParaRPr lang="en-US" sz="1000" dirty="0">
+              <a:solidFill>
+                <a:schemeClr val="tx1"/>
+              </a:solidFill>
+            </a:endParaRPr>
+          </a:p>
+        </p:txBody>
+      </p:sp>
+    </p:spTree>
+    <p:extLst>
+      <p:ext uri="{BB962C8B-B14F-4D97-AF65-F5344CB8AC3E}">
+        <p14:creationId xmlns:p14="http://schemas.microsoft.com/office/powerpoint/2010/main" val="3212528089"/>
+      </p:ext>
+    </p:extLst>
+  </p:cSld>
+  <p:clrMapOvr>
+    <a:masterClrMapping/>
+  </p:clrMapOvr>
+  <p:timing>
+    <p:tnLst>
+      <p:par>
+        <p:cTn id="1" dur="indefinite" restart="never" nodeType="tmRoot"/>
+      </p:par>
+    </p:tnLst>
+  </p:timing>
+</p:sld>
+</file>
+
+<file path=ppt/slides/slide6.xml><?xml version="1.0" encoding="utf-8"?>
+<p:sld xmlns:a="http://schemas.openxmlformats.org/drawingml/2006/main" xmlns:r="http://schemas.openxmlformats.org/officeDocument/2006/relationships" xmlns:p="http://schemas.openxmlformats.org/presentationml/2006/main">
+  <p:cSld>
+    <p:spTree>
+      <p:nvGrpSpPr>
+        <p:cNvPr id="1" name=""/>
+        <p:cNvGrpSpPr/>
+        <p:nvPr/>
+      </p:nvGrpSpPr>
+      <p:grpSpPr>
+        <a:xfrm>
+          <a:off x="0" y="0"/>
+          <a:ext cx="0" cy="0"/>
+          <a:chOff x="0" y="0"/>
+          <a:chExt cx="0" cy="0"/>
+        </a:xfrm>
+      </p:grpSpPr>
+      <p:sp>
+        <p:nvSpPr>
+          <p:cNvPr id="63" name="TextBox 62"/>
+          <p:cNvSpPr txBox="1"/>
+          <p:nvPr/>
+        </p:nvSpPr>
+        <p:spPr>
+          <a:xfrm>
+            <a:off x="4570597" y="454169"/>
+            <a:ext cx="2468625" cy="369332"/>
+          </a:xfrm>
+          <a:prstGeom prst="rect">
+            <a:avLst/>
+          </a:prstGeom>
+          <a:noFill/>
+        </p:spPr>
+        <p:txBody>
+          <a:bodyPr wrap="none" rtlCol="0">
+            <a:spAutoFit/>
+          </a:bodyPr>
+          <a:lstStyle/>
+          <a:p>
+            <a:r>
+              <a:rPr lang="en-US" dirty="0" smtClean="0"/>
+              <a:t>Application and Services</a:t>
+            </a:r>
+            <a:endParaRPr lang="en-US" dirty="0"/>
+          </a:p>
+        </p:txBody>
+      </p:sp>
+      <p:sp>
+        <p:nvSpPr>
+          <p:cNvPr id="32" name="TextBox 31"/>
+          <p:cNvSpPr txBox="1"/>
+          <p:nvPr/>
+        </p:nvSpPr>
+        <p:spPr>
+          <a:xfrm>
+            <a:off x="4232694" y="1435234"/>
+            <a:ext cx="1026243" cy="261610"/>
+          </a:xfrm>
+          <a:prstGeom prst="rect">
+            <a:avLst/>
+          </a:prstGeom>
+          <a:noFill/>
+        </p:spPr>
+        <p:txBody>
+          <a:bodyPr wrap="none" rtlCol="0">
+            <a:spAutoFit/>
+          </a:bodyPr>
+          <a:lstStyle/>
+          <a:p>
+            <a:r>
+              <a:rPr lang="en-US" sz="1100" dirty="0" smtClean="0"/>
+              <a:t>Application DB</a:t>
+            </a:r>
+            <a:endParaRPr lang="en-US" sz="1100" dirty="0"/>
+          </a:p>
+        </p:txBody>
+      </p:sp>
+      <p:sp>
+        <p:nvSpPr>
+          <p:cNvPr id="33" name="Rectangle 32"/>
+          <p:cNvSpPr/>
+          <p:nvPr/>
+        </p:nvSpPr>
+        <p:spPr>
+          <a:xfrm>
+            <a:off x="4194619" y="1706520"/>
+            <a:ext cx="1102393" cy="263108"/>
+          </a:xfrm>
+          <a:prstGeom prst="rect">
+            <a:avLst/>
+          </a:prstGeom>
+          <a:solidFill>
+            <a:schemeClr val="accent6">
+              <a:lumMod val="60000"/>
+              <a:lumOff val="40000"/>
+            </a:schemeClr>
+          </a:solidFill>
+        </p:spPr>
+        <p:style>
+          <a:lnRef idx="2">
+            <a:schemeClr val="accent1">
+              <a:shade val="50000"/>
+            </a:schemeClr>
+          </a:lnRef>
+          <a:fillRef idx="1">
+            <a:schemeClr val="accent1"/>
+          </a:fillRef>
+          <a:effectRef idx="0">
+            <a:schemeClr val="accent1"/>
+          </a:effectRef>
+          <a:fontRef idx="minor">
+            <a:schemeClr val="lt1"/>
+          </a:fontRef>
+        </p:style>
+        <p:txBody>
+          <a:bodyPr rtlCol="0" anchor="ctr"/>
+          <a:lstStyle/>
+          <a:p>
+            <a:pPr algn="ctr"/>
+            <a:r>
+              <a:rPr lang="en-US" sz="1000" dirty="0" smtClean="0">
+                <a:solidFill>
+                  <a:schemeClr val="tx1"/>
+                </a:solidFill>
+              </a:rPr>
+              <a:t>APP 1</a:t>
+            </a:r>
+            <a:endParaRPr lang="en-US" sz="1000" dirty="0">
+              <a:solidFill>
+                <a:schemeClr val="tx1"/>
+              </a:solidFill>
+            </a:endParaRPr>
+          </a:p>
+        </p:txBody>
+      </p:sp>
+      <p:sp>
+        <p:nvSpPr>
+          <p:cNvPr id="35" name="Rectangle 34"/>
+          <p:cNvSpPr/>
+          <p:nvPr/>
+        </p:nvSpPr>
+        <p:spPr>
+          <a:xfrm>
+            <a:off x="3973793" y="1435234"/>
+            <a:ext cx="1516164" cy="1320361"/>
+          </a:xfrm>
+          <a:prstGeom prst="rect">
+            <a:avLst/>
+          </a:prstGeom>
+          <a:noFill/>
+          <a:ln w="3175">
+            <a:prstDash val="dash"/>
+          </a:ln>
+        </p:spPr>
+        <p:style>
+          <a:lnRef idx="2">
+            <a:schemeClr val="accent1">
+              <a:shade val="50000"/>
+            </a:schemeClr>
+          </a:lnRef>
+          <a:fillRef idx="1">
+            <a:schemeClr val="accent1"/>
+          </a:fillRef>
+          <a:effectRef idx="0">
+            <a:schemeClr val="accent1"/>
+          </a:effectRef>
+          <a:fontRef idx="minor">
+            <a:schemeClr val="lt1"/>
+          </a:fontRef>
+        </p:style>
+        <p:txBody>
+          <a:bodyPr rtlCol="0" anchor="ctr"/>
+          <a:lstStyle/>
+          <a:p>
+            <a:pPr algn="ctr"/>
+            <a:endParaRPr lang="en-US" sz="1000" dirty="0">
+              <a:solidFill>
+                <a:schemeClr val="tx1"/>
+              </a:solidFill>
+            </a:endParaRPr>
+          </a:p>
+        </p:txBody>
+      </p:sp>
+      <p:sp>
+        <p:nvSpPr>
+          <p:cNvPr id="36" name="Rectangle 35"/>
+          <p:cNvSpPr/>
+          <p:nvPr/>
+        </p:nvSpPr>
+        <p:spPr>
+          <a:xfrm>
+            <a:off x="4194619" y="2343039"/>
+            <a:ext cx="1102393" cy="263108"/>
+          </a:xfrm>
+          <a:prstGeom prst="rect">
+            <a:avLst/>
+          </a:prstGeom>
+          <a:solidFill>
+            <a:schemeClr val="accent6">
+              <a:lumMod val="60000"/>
+              <a:lumOff val="40000"/>
+            </a:schemeClr>
+          </a:solidFill>
+        </p:spPr>
+        <p:style>
+          <a:lnRef idx="2">
+            <a:schemeClr val="accent1">
+              <a:shade val="50000"/>
+            </a:schemeClr>
+          </a:lnRef>
+          <a:fillRef idx="1">
+            <a:schemeClr val="accent1"/>
+          </a:fillRef>
+          <a:effectRef idx="0">
+            <a:schemeClr val="accent1"/>
+          </a:effectRef>
+          <a:fontRef idx="minor">
+            <a:schemeClr val="lt1"/>
+          </a:fontRef>
+        </p:style>
+        <p:txBody>
+          <a:bodyPr rtlCol="0" anchor="ctr"/>
+          <a:lstStyle/>
+          <a:p>
+            <a:pPr algn="ctr"/>
+            <a:r>
+              <a:rPr lang="en-US" sz="1000" dirty="0" smtClean="0">
+                <a:solidFill>
+                  <a:schemeClr val="tx1"/>
+                </a:solidFill>
+              </a:rPr>
+              <a:t>APP N</a:t>
+            </a:r>
+            <a:endParaRPr lang="en-US" sz="1000" dirty="0">
+              <a:solidFill>
+                <a:schemeClr val="tx1"/>
+              </a:solidFill>
+            </a:endParaRPr>
+          </a:p>
+        </p:txBody>
+      </p:sp>
+      <p:cxnSp>
+        <p:nvCxnSpPr>
+          <p:cNvPr id="37" name="Straight Connector 36"/>
+          <p:cNvCxnSpPr>
+            <a:stCxn id="33" idx="2"/>
+            <a:endCxn id="36" idx="0"/>
+          </p:cNvCxnSpPr>
+          <p:nvPr/>
+        </p:nvCxnSpPr>
+        <p:spPr>
+          <a:xfrm>
+            <a:off x="4745816" y="1969628"/>
+            <a:ext cx="0" cy="373411"/>
+          </a:xfrm>
+          <a:prstGeom prst="line">
+            <a:avLst/>
+          </a:prstGeom>
+          <a:ln w="19050">
+            <a:prstDash val="dash"/>
+          </a:ln>
+        </p:spPr>
+        <p:style>
+          <a:lnRef idx="1">
+            <a:schemeClr val="accent1"/>
+          </a:lnRef>
+          <a:fillRef idx="0">
+            <a:schemeClr val="accent1"/>
+          </a:fillRef>
+          <a:effectRef idx="0">
+            <a:schemeClr val="accent1"/>
+          </a:effectRef>
+          <a:fontRef idx="minor">
+            <a:schemeClr val="tx1"/>
+          </a:fontRef>
+        </p:style>
+      </p:cxnSp>
+      <p:sp>
+        <p:nvSpPr>
+          <p:cNvPr id="39" name="Rectangle 38"/>
+          <p:cNvSpPr/>
+          <p:nvPr/>
+        </p:nvSpPr>
+        <p:spPr>
+          <a:xfrm>
+            <a:off x="5936827" y="1443412"/>
+            <a:ext cx="1102393" cy="263108"/>
+          </a:xfrm>
+          <a:prstGeom prst="rect">
+            <a:avLst/>
+          </a:prstGeom>
+          <a:noFill/>
+        </p:spPr>
+        <p:style>
+          <a:lnRef idx="2">
+            <a:schemeClr val="accent1">
+              <a:shade val="50000"/>
+            </a:schemeClr>
+          </a:lnRef>
+          <a:fillRef idx="1">
+            <a:schemeClr val="accent1"/>
+          </a:fillRef>
+          <a:effectRef idx="0">
+            <a:schemeClr val="accent1"/>
+          </a:effectRef>
+          <a:fontRef idx="minor">
+            <a:schemeClr val="lt1"/>
+          </a:fontRef>
+        </p:style>
+        <p:txBody>
+          <a:bodyPr rtlCol="0" anchor="ctr"/>
+          <a:lstStyle/>
+          <a:p>
+            <a:pPr algn="ctr"/>
+            <a:r>
+              <a:rPr lang="en-US" sz="1000" dirty="0" smtClean="0">
+                <a:solidFill>
+                  <a:schemeClr val="tx1"/>
+                </a:solidFill>
+              </a:rPr>
+              <a:t>HTML</a:t>
+            </a:r>
+            <a:endParaRPr lang="en-US" sz="1000" dirty="0">
+              <a:solidFill>
+                <a:schemeClr val="tx1"/>
+              </a:solidFill>
+            </a:endParaRPr>
+          </a:p>
+        </p:txBody>
+      </p:sp>
+      <p:sp>
+        <p:nvSpPr>
+          <p:cNvPr id="40" name="Rectangle 39"/>
+          <p:cNvSpPr/>
+          <p:nvPr/>
+        </p:nvSpPr>
+        <p:spPr>
+          <a:xfrm>
+            <a:off x="5936829" y="1969628"/>
+            <a:ext cx="1102393" cy="263108"/>
+          </a:xfrm>
+          <a:prstGeom prst="rect">
+            <a:avLst/>
+          </a:prstGeom>
+          <a:noFill/>
+        </p:spPr>
+        <p:style>
+          <a:lnRef idx="2">
+            <a:schemeClr val="accent1">
+              <a:shade val="50000"/>
+            </a:schemeClr>
+          </a:lnRef>
+          <a:fillRef idx="1">
+            <a:schemeClr val="accent1"/>
+          </a:fillRef>
+          <a:effectRef idx="0">
+            <a:schemeClr val="accent1"/>
+          </a:effectRef>
+          <a:fontRef idx="minor">
+            <a:schemeClr val="lt1"/>
+          </a:fontRef>
+        </p:style>
+        <p:txBody>
+          <a:bodyPr rtlCol="0" anchor="ctr"/>
+          <a:lstStyle/>
+          <a:p>
+            <a:pPr algn="ctr"/>
+            <a:r>
+              <a:rPr lang="en-US" sz="1000" dirty="0" smtClean="0">
+                <a:solidFill>
+                  <a:schemeClr val="tx1"/>
+                </a:solidFill>
+              </a:rPr>
+              <a:t>JavaScript</a:t>
+            </a:r>
+            <a:endParaRPr lang="en-US" sz="1000" dirty="0">
+              <a:solidFill>
+                <a:schemeClr val="tx1"/>
+              </a:solidFill>
+            </a:endParaRPr>
+          </a:p>
+        </p:txBody>
+      </p:sp>
+      <p:sp>
+        <p:nvSpPr>
+          <p:cNvPr id="41" name="Rectangle 40"/>
+          <p:cNvSpPr/>
+          <p:nvPr/>
+        </p:nvSpPr>
+        <p:spPr>
+          <a:xfrm>
+            <a:off x="5936829" y="2232736"/>
+            <a:ext cx="1102393" cy="263108"/>
+          </a:xfrm>
+          <a:prstGeom prst="rect">
+            <a:avLst/>
+          </a:prstGeom>
+          <a:noFill/>
+        </p:spPr>
+        <p:style>
+          <a:lnRef idx="2">
+            <a:schemeClr val="accent1">
+              <a:shade val="50000"/>
+            </a:schemeClr>
+          </a:lnRef>
+          <a:fillRef idx="1">
+            <a:schemeClr val="accent1"/>
+          </a:fillRef>
+          <a:effectRef idx="0">
+            <a:schemeClr val="accent1"/>
+          </a:effectRef>
+          <a:fontRef idx="minor">
+            <a:schemeClr val="lt1"/>
+          </a:fontRef>
+        </p:style>
+        <p:txBody>
+          <a:bodyPr rtlCol="0" anchor="ctr"/>
+          <a:lstStyle/>
+          <a:p>
+            <a:pPr algn="ctr"/>
+            <a:r>
+              <a:rPr lang="en-US" sz="1000" dirty="0" smtClean="0">
+                <a:solidFill>
+                  <a:schemeClr val="tx1"/>
+                </a:solidFill>
+              </a:rPr>
+              <a:t>Python</a:t>
+            </a:r>
+            <a:endParaRPr lang="en-US" sz="1000" dirty="0">
+              <a:solidFill>
+                <a:schemeClr val="tx1"/>
+              </a:solidFill>
+            </a:endParaRPr>
+          </a:p>
+        </p:txBody>
+      </p:sp>
+      <p:sp>
+        <p:nvSpPr>
+          <p:cNvPr id="42" name="Rectangle 41"/>
+          <p:cNvSpPr/>
+          <p:nvPr/>
+        </p:nvSpPr>
+        <p:spPr>
+          <a:xfrm>
+            <a:off x="5936828" y="1706520"/>
+            <a:ext cx="1102393" cy="263108"/>
+          </a:xfrm>
+          <a:prstGeom prst="rect">
+            <a:avLst/>
+          </a:prstGeom>
+          <a:noFill/>
+        </p:spPr>
+        <p:style>
+          <a:lnRef idx="2">
+            <a:schemeClr val="accent1">
+              <a:shade val="50000"/>
+            </a:schemeClr>
+          </a:lnRef>
+          <a:fillRef idx="1">
+            <a:schemeClr val="accent1"/>
+          </a:fillRef>
+          <a:effectRef idx="0">
+            <a:schemeClr val="accent1"/>
+          </a:effectRef>
+          <a:fontRef idx="minor">
+            <a:schemeClr val="lt1"/>
+          </a:fontRef>
+        </p:style>
+        <p:txBody>
+          <a:bodyPr rtlCol="0" anchor="ctr"/>
+          <a:lstStyle/>
+          <a:p>
+            <a:pPr algn="ctr"/>
+            <a:r>
+              <a:rPr lang="en-US" sz="1000" dirty="0" smtClean="0">
+                <a:solidFill>
+                  <a:schemeClr val="tx1"/>
+                </a:solidFill>
+              </a:rPr>
+              <a:t>CSS</a:t>
+            </a:r>
+            <a:endParaRPr lang="en-US" sz="1000" dirty="0">
+              <a:solidFill>
+                <a:schemeClr val="tx1"/>
+              </a:solidFill>
+            </a:endParaRPr>
+          </a:p>
+        </p:txBody>
+      </p:sp>
+      <p:cxnSp>
+        <p:nvCxnSpPr>
+          <p:cNvPr id="44" name="Straight Connector 43"/>
+          <p:cNvCxnSpPr/>
+          <p:nvPr/>
+        </p:nvCxnSpPr>
+        <p:spPr>
+          <a:xfrm flipV="1">
+            <a:off x="5285560" y="1442402"/>
+            <a:ext cx="651267" cy="264118"/>
+          </a:xfrm>
+          <a:prstGeom prst="line">
+            <a:avLst/>
+          </a:prstGeom>
+          <a:ln w="3175">
+            <a:prstDash val="dash"/>
+          </a:ln>
+        </p:spPr>
+        <p:style>
+          <a:lnRef idx="1">
+            <a:schemeClr val="accent1"/>
+          </a:lnRef>
+          <a:fillRef idx="0">
+            <a:schemeClr val="accent1"/>
+          </a:fillRef>
+          <a:effectRef idx="0">
+            <a:schemeClr val="accent1"/>
+          </a:effectRef>
+          <a:fontRef idx="minor">
+            <a:schemeClr val="tx1"/>
+          </a:fontRef>
+        </p:style>
+      </p:cxnSp>
+      <p:cxnSp>
+        <p:nvCxnSpPr>
+          <p:cNvPr id="45" name="Straight Connector 44"/>
+          <p:cNvCxnSpPr/>
+          <p:nvPr/>
+        </p:nvCxnSpPr>
+        <p:spPr>
+          <a:xfrm>
+            <a:off x="5312107" y="1977139"/>
+            <a:ext cx="624719" cy="518705"/>
+          </a:xfrm>
+          <a:prstGeom prst="line">
+            <a:avLst/>
+          </a:prstGeom>
+          <a:ln w="3175">
+            <a:prstDash val="dash"/>
+          </a:ln>
+        </p:spPr>
+        <p:style>
+          <a:lnRef idx="1">
+            <a:schemeClr val="accent1"/>
+          </a:lnRef>
+          <a:fillRef idx="0">
+            <a:schemeClr val="accent1"/>
+          </a:fillRef>
+          <a:effectRef idx="0">
+            <a:schemeClr val="accent1"/>
+          </a:effectRef>
+          <a:fontRef idx="minor">
+            <a:schemeClr val="tx1"/>
+          </a:fontRef>
+        </p:style>
+      </p:cxnSp>
+      <p:sp>
+        <p:nvSpPr>
+          <p:cNvPr id="48" name="Rectangle 47"/>
+          <p:cNvSpPr/>
+          <p:nvPr/>
+        </p:nvSpPr>
+        <p:spPr>
+          <a:xfrm>
+            <a:off x="4211404" y="2919849"/>
+            <a:ext cx="1102393" cy="509155"/>
+          </a:xfrm>
+          <a:prstGeom prst="rect">
+            <a:avLst/>
+          </a:prstGeom>
+          <a:solidFill>
+            <a:schemeClr val="accent2">
+              <a:lumMod val="60000"/>
+              <a:lumOff val="40000"/>
+            </a:schemeClr>
+          </a:solidFill>
+        </p:spPr>
+        <p:style>
+          <a:lnRef idx="2">
+            <a:schemeClr val="accent1">
+              <a:shade val="50000"/>
+            </a:schemeClr>
+          </a:lnRef>
+          <a:fillRef idx="1">
+            <a:schemeClr val="accent1"/>
+          </a:fillRef>
+          <a:effectRef idx="0">
+            <a:schemeClr val="accent1"/>
+          </a:effectRef>
+          <a:fontRef idx="minor">
+            <a:schemeClr val="lt1"/>
+          </a:fontRef>
+        </p:style>
+        <p:txBody>
+          <a:bodyPr rtlCol="0" anchor="ctr"/>
+          <a:lstStyle/>
+          <a:p>
+            <a:pPr algn="ctr"/>
+            <a:r>
+              <a:rPr lang="en-US" sz="1000" dirty="0" smtClean="0">
+                <a:solidFill>
+                  <a:schemeClr val="tx1"/>
+                </a:solidFill>
+              </a:rPr>
+              <a:t>Web Service</a:t>
+            </a:r>
+            <a:endParaRPr lang="en-US" sz="1000" dirty="0">
+              <a:solidFill>
+                <a:schemeClr val="tx1"/>
+              </a:solidFill>
+            </a:endParaRPr>
+          </a:p>
+        </p:txBody>
+      </p:sp>
+      <p:sp>
+        <p:nvSpPr>
+          <p:cNvPr id="49" name="Rectangle 48"/>
+          <p:cNvSpPr/>
+          <p:nvPr/>
+        </p:nvSpPr>
+        <p:spPr>
+          <a:xfrm>
+            <a:off x="1303643" y="4621120"/>
+            <a:ext cx="1317683" cy="327302"/>
+          </a:xfrm>
+          <a:prstGeom prst="rect">
+            <a:avLst/>
+          </a:prstGeom>
+          <a:noFill/>
+        </p:spPr>
+        <p:style>
+          <a:lnRef idx="2">
+            <a:schemeClr val="accent1">
+              <a:shade val="50000"/>
+            </a:schemeClr>
+          </a:lnRef>
+          <a:fillRef idx="1">
+            <a:schemeClr val="accent1"/>
+          </a:fillRef>
+          <a:effectRef idx="0">
+            <a:schemeClr val="accent1"/>
+          </a:effectRef>
+          <a:fontRef idx="minor">
+            <a:schemeClr val="lt1"/>
+          </a:fontRef>
+        </p:style>
+        <p:txBody>
+          <a:bodyPr rtlCol="0" anchor="ctr"/>
+          <a:lstStyle/>
+          <a:p>
+            <a:pPr algn="ctr"/>
+            <a:r>
+              <a:rPr lang="en-US" sz="1000" dirty="0" smtClean="0">
+                <a:solidFill>
+                  <a:schemeClr val="tx1"/>
+                </a:solidFill>
+              </a:rPr>
+              <a:t>Check For Events</a:t>
+            </a:r>
+            <a:endParaRPr lang="en-US" sz="1000" dirty="0">
+              <a:solidFill>
+                <a:schemeClr val="tx1"/>
+              </a:solidFill>
+            </a:endParaRPr>
+          </a:p>
+        </p:txBody>
+      </p:sp>
+      <p:sp>
+        <p:nvSpPr>
+          <p:cNvPr id="50" name="Rectangle 49"/>
+          <p:cNvSpPr/>
+          <p:nvPr/>
+        </p:nvSpPr>
+        <p:spPr>
+          <a:xfrm>
+            <a:off x="2845909" y="4621120"/>
+            <a:ext cx="1317683" cy="327302"/>
+          </a:xfrm>
+          <a:prstGeom prst="rect">
+            <a:avLst/>
+          </a:prstGeom>
+          <a:noFill/>
+        </p:spPr>
+        <p:style>
+          <a:lnRef idx="2">
+            <a:schemeClr val="accent1">
+              <a:shade val="50000"/>
+            </a:schemeClr>
+          </a:lnRef>
+          <a:fillRef idx="1">
+            <a:schemeClr val="accent1"/>
+          </a:fillRef>
+          <a:effectRef idx="0">
+            <a:schemeClr val="accent1"/>
+          </a:effectRef>
+          <a:fontRef idx="minor">
+            <a:schemeClr val="lt1"/>
+          </a:fontRef>
+        </p:style>
+        <p:txBody>
+          <a:bodyPr rtlCol="0" anchor="ctr"/>
+          <a:lstStyle/>
+          <a:p>
+            <a:pPr algn="ctr"/>
+            <a:r>
+              <a:rPr lang="en-US" sz="1000" dirty="0" smtClean="0">
+                <a:solidFill>
+                  <a:schemeClr val="tx1"/>
+                </a:solidFill>
+              </a:rPr>
+              <a:t>Execute Python Script</a:t>
+            </a:r>
+            <a:endParaRPr lang="en-US" sz="1000" dirty="0">
+              <a:solidFill>
+                <a:schemeClr val="tx1"/>
+              </a:solidFill>
+            </a:endParaRPr>
+          </a:p>
+        </p:txBody>
+      </p:sp>
+      <p:cxnSp>
+        <p:nvCxnSpPr>
+          <p:cNvPr id="51" name="Straight Arrow Connector 50"/>
+          <p:cNvCxnSpPr>
+            <a:stCxn id="49" idx="3"/>
+            <a:endCxn id="50" idx="1"/>
+          </p:cNvCxnSpPr>
+          <p:nvPr/>
+        </p:nvCxnSpPr>
+        <p:spPr>
+          <a:xfrm>
+            <a:off x="2621326" y="4784771"/>
+            <a:ext cx="224583" cy="0"/>
+          </a:xfrm>
+          <a:prstGeom prst="straightConnector1">
+            <a:avLst/>
+          </a:prstGeom>
+          <a:ln>
+            <a:tailEnd type="triangle"/>
+          </a:ln>
+        </p:spPr>
+        <p:style>
+          <a:lnRef idx="1">
+            <a:schemeClr val="accent1"/>
+          </a:lnRef>
+          <a:fillRef idx="0">
+            <a:schemeClr val="accent1"/>
+          </a:fillRef>
+          <a:effectRef idx="0">
+            <a:schemeClr val="accent1"/>
+          </a:effectRef>
+          <a:fontRef idx="minor">
+            <a:schemeClr val="tx1"/>
+          </a:fontRef>
+        </p:style>
+      </p:cxnSp>
+      <p:sp>
+        <p:nvSpPr>
+          <p:cNvPr id="53" name="Rectangle 52"/>
+          <p:cNvSpPr/>
+          <p:nvPr/>
+        </p:nvSpPr>
+        <p:spPr>
+          <a:xfrm>
+            <a:off x="9969978" y="4520739"/>
+            <a:ext cx="1102393" cy="263108"/>
+          </a:xfrm>
+          <a:prstGeom prst="rect">
+            <a:avLst/>
+          </a:prstGeom>
+          <a:noFill/>
+        </p:spPr>
+        <p:style>
+          <a:lnRef idx="2">
+            <a:schemeClr val="accent1">
+              <a:shade val="50000"/>
+            </a:schemeClr>
+          </a:lnRef>
+          <a:fillRef idx="1">
+            <a:schemeClr val="accent1"/>
+          </a:fillRef>
+          <a:effectRef idx="0">
+            <a:schemeClr val="accent1"/>
+          </a:effectRef>
+          <a:fontRef idx="minor">
+            <a:schemeClr val="lt1"/>
+          </a:fontRef>
+        </p:style>
+        <p:txBody>
+          <a:bodyPr rtlCol="0" anchor="ctr"/>
+          <a:lstStyle/>
+          <a:p>
+            <a:pPr algn="ctr"/>
+            <a:r>
+              <a:rPr lang="en-US" sz="1000" dirty="0" smtClean="0">
+                <a:solidFill>
+                  <a:schemeClr val="tx1"/>
+                </a:solidFill>
+              </a:rPr>
+              <a:t>HTML</a:t>
+            </a:r>
+            <a:endParaRPr lang="en-US" sz="1000" dirty="0">
+              <a:solidFill>
+                <a:schemeClr val="tx1"/>
+              </a:solidFill>
+            </a:endParaRPr>
+          </a:p>
+        </p:txBody>
+      </p:sp>
+      <p:sp>
+        <p:nvSpPr>
+          <p:cNvPr id="55" name="Rectangle 54"/>
+          <p:cNvSpPr/>
+          <p:nvPr/>
+        </p:nvSpPr>
+        <p:spPr>
+          <a:xfrm>
+            <a:off x="8129461" y="4649860"/>
+            <a:ext cx="1102393" cy="263108"/>
+          </a:xfrm>
+          <a:prstGeom prst="rect">
+            <a:avLst/>
+          </a:prstGeom>
+          <a:noFill/>
+        </p:spPr>
+        <p:style>
+          <a:lnRef idx="2">
+            <a:schemeClr val="accent1">
+              <a:shade val="50000"/>
+            </a:schemeClr>
+          </a:lnRef>
+          <a:fillRef idx="1">
+            <a:schemeClr val="accent1"/>
+          </a:fillRef>
+          <a:effectRef idx="0">
+            <a:schemeClr val="accent1"/>
+          </a:effectRef>
+          <a:fontRef idx="minor">
+            <a:schemeClr val="lt1"/>
+          </a:fontRef>
+        </p:style>
+        <p:txBody>
+          <a:bodyPr rtlCol="0" anchor="ctr"/>
+          <a:lstStyle/>
+          <a:p>
+            <a:pPr algn="ctr"/>
+            <a:r>
+              <a:rPr lang="en-US" sz="1000" dirty="0" smtClean="0">
+                <a:solidFill>
+                  <a:schemeClr val="tx1"/>
+                </a:solidFill>
+              </a:rPr>
+              <a:t>JavaScript</a:t>
+            </a:r>
+            <a:endParaRPr lang="en-US" sz="1000" dirty="0">
+              <a:solidFill>
+                <a:schemeClr val="tx1"/>
+              </a:solidFill>
+            </a:endParaRPr>
+          </a:p>
+        </p:txBody>
+      </p:sp>
+      <p:sp>
+        <p:nvSpPr>
+          <p:cNvPr id="57" name="Rectangle 56"/>
+          <p:cNvSpPr/>
+          <p:nvPr/>
+        </p:nvSpPr>
+        <p:spPr>
+          <a:xfrm>
+            <a:off x="9969979" y="4783847"/>
+            <a:ext cx="1102393" cy="263108"/>
+          </a:xfrm>
+          <a:prstGeom prst="rect">
+            <a:avLst/>
+          </a:prstGeom>
+          <a:noFill/>
+        </p:spPr>
+        <p:style>
+          <a:lnRef idx="2">
+            <a:schemeClr val="accent1">
+              <a:shade val="50000"/>
+            </a:schemeClr>
+          </a:lnRef>
+          <a:fillRef idx="1">
+            <a:schemeClr val="accent1"/>
+          </a:fillRef>
+          <a:effectRef idx="0">
+            <a:schemeClr val="accent1"/>
+          </a:effectRef>
+          <a:fontRef idx="minor">
+            <a:schemeClr val="lt1"/>
+          </a:fontRef>
+        </p:style>
+        <p:txBody>
+          <a:bodyPr rtlCol="0" anchor="ctr"/>
+          <a:lstStyle/>
+          <a:p>
+            <a:pPr algn="ctr"/>
+            <a:r>
+              <a:rPr lang="en-US" sz="1000" dirty="0" smtClean="0">
+                <a:solidFill>
+                  <a:schemeClr val="tx1"/>
+                </a:solidFill>
+              </a:rPr>
+              <a:t>CSS</a:t>
+            </a:r>
+            <a:endParaRPr lang="en-US" sz="1000" dirty="0">
+              <a:solidFill>
+                <a:schemeClr val="tx1"/>
+              </a:solidFill>
+            </a:endParaRPr>
+          </a:p>
+        </p:txBody>
+      </p:sp>
+      <p:sp>
+        <p:nvSpPr>
+          <p:cNvPr id="58" name="Rectangle 57"/>
+          <p:cNvSpPr/>
+          <p:nvPr/>
+        </p:nvSpPr>
+        <p:spPr>
+          <a:xfrm>
+            <a:off x="4502475" y="4621120"/>
+            <a:ext cx="1317683" cy="327302"/>
+          </a:xfrm>
+          <a:prstGeom prst="rect">
+            <a:avLst/>
+          </a:prstGeom>
+          <a:noFill/>
+        </p:spPr>
+        <p:style>
+          <a:lnRef idx="2">
+            <a:schemeClr val="accent1">
+              <a:shade val="50000"/>
+            </a:schemeClr>
+          </a:lnRef>
+          <a:fillRef idx="1">
+            <a:schemeClr val="accent1"/>
+          </a:fillRef>
+          <a:effectRef idx="0">
+            <a:schemeClr val="accent1"/>
+          </a:effectRef>
+          <a:fontRef idx="minor">
+            <a:schemeClr val="lt1"/>
+          </a:fontRef>
+        </p:style>
+        <p:txBody>
+          <a:bodyPr rtlCol="0" anchor="ctr"/>
+          <a:lstStyle/>
+          <a:p>
+            <a:pPr algn="ctr"/>
+            <a:r>
+              <a:rPr lang="en-US" sz="1000" dirty="0" smtClean="0">
+                <a:solidFill>
+                  <a:schemeClr val="tx1"/>
+                </a:solidFill>
+              </a:rPr>
+              <a:t>Save to DB</a:t>
+            </a:r>
+            <a:endParaRPr lang="en-US" sz="1000" dirty="0">
+              <a:solidFill>
+                <a:schemeClr val="tx1"/>
+              </a:solidFill>
+            </a:endParaRPr>
+          </a:p>
+        </p:txBody>
+      </p:sp>
+      <p:sp>
+        <p:nvSpPr>
+          <p:cNvPr id="59" name="Rectangle 58"/>
+          <p:cNvSpPr/>
+          <p:nvPr/>
+        </p:nvSpPr>
+        <p:spPr>
+          <a:xfrm>
+            <a:off x="4502474" y="4948422"/>
+            <a:ext cx="1317683" cy="327302"/>
+          </a:xfrm>
+          <a:prstGeom prst="rect">
+            <a:avLst/>
+          </a:prstGeom>
+          <a:noFill/>
+        </p:spPr>
+        <p:style>
+          <a:lnRef idx="2">
+            <a:schemeClr val="accent1">
+              <a:shade val="50000"/>
+            </a:schemeClr>
+          </a:lnRef>
+          <a:fillRef idx="1">
+            <a:schemeClr val="accent1"/>
+          </a:fillRef>
+          <a:effectRef idx="0">
+            <a:schemeClr val="accent1"/>
+          </a:effectRef>
+          <a:fontRef idx="minor">
+            <a:schemeClr val="lt1"/>
+          </a:fontRef>
+        </p:style>
+        <p:txBody>
+          <a:bodyPr rtlCol="0" anchor="ctr"/>
+          <a:lstStyle/>
+          <a:p>
+            <a:pPr algn="ctr"/>
+            <a:r>
+              <a:rPr lang="en-US" sz="1000" dirty="0" smtClean="0">
+                <a:solidFill>
+                  <a:schemeClr val="tx1"/>
+                </a:solidFill>
+              </a:rPr>
+              <a:t>Use other web services</a:t>
+            </a:r>
+            <a:endParaRPr lang="en-US" sz="1000" dirty="0">
+              <a:solidFill>
+                <a:schemeClr val="tx1"/>
+              </a:solidFill>
+            </a:endParaRPr>
+          </a:p>
+        </p:txBody>
+      </p:sp>
+      <p:sp>
+        <p:nvSpPr>
+          <p:cNvPr id="61" name="Rectangle 60"/>
+          <p:cNvSpPr/>
+          <p:nvPr/>
+        </p:nvSpPr>
+        <p:spPr>
+          <a:xfrm>
+            <a:off x="4502474" y="5275724"/>
+            <a:ext cx="1317683" cy="327302"/>
+          </a:xfrm>
+          <a:prstGeom prst="rect">
+            <a:avLst/>
+          </a:prstGeom>
+          <a:noFill/>
+        </p:spPr>
+        <p:style>
+          <a:lnRef idx="2">
+            <a:schemeClr val="accent1">
+              <a:shade val="50000"/>
+            </a:schemeClr>
+          </a:lnRef>
+          <a:fillRef idx="1">
+            <a:schemeClr val="accent1"/>
+          </a:fillRef>
+          <a:effectRef idx="0">
+            <a:schemeClr val="accent1"/>
+          </a:effectRef>
+          <a:fontRef idx="minor">
+            <a:schemeClr val="lt1"/>
+          </a:fontRef>
+        </p:style>
+        <p:txBody>
+          <a:bodyPr rtlCol="0" anchor="ctr"/>
+          <a:lstStyle/>
+          <a:p>
+            <a:pPr algn="ctr"/>
+            <a:r>
+              <a:rPr lang="en-US" sz="1000" dirty="0" smtClean="0">
+                <a:solidFill>
+                  <a:schemeClr val="tx1"/>
+                </a:solidFill>
+              </a:rPr>
+              <a:t>Send command to sensors</a:t>
+            </a:r>
+            <a:endParaRPr lang="en-US" sz="1000" dirty="0">
+              <a:solidFill>
+                <a:schemeClr val="tx1"/>
+              </a:solidFill>
+            </a:endParaRPr>
+          </a:p>
+        </p:txBody>
+      </p:sp>
+      <p:sp>
+        <p:nvSpPr>
+          <p:cNvPr id="62" name="Rectangle 61"/>
+          <p:cNvSpPr/>
+          <p:nvPr/>
+        </p:nvSpPr>
+        <p:spPr>
+          <a:xfrm>
+            <a:off x="4502474" y="5603026"/>
+            <a:ext cx="1317683" cy="327302"/>
+          </a:xfrm>
+          <a:prstGeom prst="rect">
+            <a:avLst/>
+          </a:prstGeom>
+          <a:noFill/>
+        </p:spPr>
+        <p:style>
+          <a:lnRef idx="2">
+            <a:schemeClr val="accent1">
+              <a:shade val="50000"/>
+            </a:schemeClr>
+          </a:lnRef>
+          <a:fillRef idx="1">
+            <a:schemeClr val="accent1"/>
+          </a:fillRef>
+          <a:effectRef idx="0">
+            <a:schemeClr val="accent1"/>
+          </a:effectRef>
+          <a:fontRef idx="minor">
+            <a:schemeClr val="lt1"/>
+          </a:fontRef>
+        </p:style>
+        <p:txBody>
+          <a:bodyPr rtlCol="0" anchor="ctr"/>
+          <a:lstStyle/>
+          <a:p>
+            <a:pPr algn="ctr"/>
+            <a:r>
+              <a:rPr lang="en-US" sz="1000" dirty="0" smtClean="0">
+                <a:solidFill>
+                  <a:schemeClr val="tx1"/>
+                </a:solidFill>
+              </a:rPr>
+              <a:t>Etc. </a:t>
+            </a:r>
+            <a:endParaRPr lang="en-US" sz="1000" dirty="0">
+              <a:solidFill>
+                <a:schemeClr val="tx1"/>
+              </a:solidFill>
+            </a:endParaRPr>
+          </a:p>
+        </p:txBody>
+      </p:sp>
+      <p:cxnSp>
+        <p:nvCxnSpPr>
+          <p:cNvPr id="65" name="Straight Connector 64"/>
+          <p:cNvCxnSpPr>
+            <a:stCxn id="50" idx="3"/>
+            <a:endCxn id="58" idx="1"/>
+          </p:cNvCxnSpPr>
+          <p:nvPr/>
+        </p:nvCxnSpPr>
+        <p:spPr>
+          <a:xfrm>
+            <a:off x="4163592" y="4784771"/>
+            <a:ext cx="338883" cy="0"/>
+          </a:xfrm>
+          <a:prstGeom prst="line">
+            <a:avLst/>
+          </a:prstGeom>
+          <a:ln w="3175">
+            <a:prstDash val="dash"/>
+          </a:ln>
+        </p:spPr>
+        <p:style>
+          <a:lnRef idx="1">
+            <a:schemeClr val="accent1"/>
+          </a:lnRef>
+          <a:fillRef idx="0">
+            <a:schemeClr val="accent1"/>
+          </a:fillRef>
+          <a:effectRef idx="0">
+            <a:schemeClr val="accent1"/>
+          </a:effectRef>
+          <a:fontRef idx="minor">
+            <a:schemeClr val="tx1"/>
+          </a:fontRef>
+        </p:style>
+      </p:cxnSp>
+      <p:sp>
+        <p:nvSpPr>
+          <p:cNvPr id="16" name="Flowchart: Magnetic Disk 15"/>
+          <p:cNvSpPr/>
+          <p:nvPr/>
+        </p:nvSpPr>
+        <p:spPr>
+          <a:xfrm>
+            <a:off x="6695233" y="4375643"/>
+            <a:ext cx="714325" cy="818255"/>
+          </a:xfrm>
+          <a:prstGeom prst="flowChartMagneticDisk">
+            <a:avLst/>
+          </a:prstGeom>
+          <a:noFill/>
+        </p:spPr>
+        <p:style>
+          <a:lnRef idx="2">
+            <a:schemeClr val="accent1">
+              <a:shade val="50000"/>
+            </a:schemeClr>
+          </a:lnRef>
+          <a:fillRef idx="1">
+            <a:schemeClr val="accent1"/>
+          </a:fillRef>
+          <a:effectRef idx="0">
+            <a:schemeClr val="accent1"/>
+          </a:effectRef>
+          <a:fontRef idx="minor">
+            <a:schemeClr val="lt1"/>
+          </a:fontRef>
+        </p:style>
+        <p:txBody>
+          <a:bodyPr rtlCol="0" anchor="ctr"/>
+          <a:lstStyle/>
+          <a:p>
+            <a:pPr algn="ctr"/>
+            <a:r>
+              <a:rPr lang="en-US" dirty="0" smtClean="0">
+                <a:solidFill>
+                  <a:schemeClr val="tx1"/>
+                </a:solidFill>
+              </a:rPr>
+              <a:t>DB</a:t>
+            </a:r>
+            <a:endParaRPr lang="en-US" dirty="0">
+              <a:solidFill>
+                <a:schemeClr val="tx1"/>
+              </a:solidFill>
+            </a:endParaRPr>
+          </a:p>
+        </p:txBody>
+      </p:sp>
+      <p:cxnSp>
+        <p:nvCxnSpPr>
+          <p:cNvPr id="66" name="Straight Arrow Connector 65"/>
+          <p:cNvCxnSpPr>
+            <a:stCxn id="58" idx="3"/>
+            <a:endCxn id="16" idx="2"/>
+          </p:cNvCxnSpPr>
+          <p:nvPr/>
+        </p:nvCxnSpPr>
+        <p:spPr>
+          <a:xfrm>
+            <a:off x="5820158" y="4784771"/>
+            <a:ext cx="875075" cy="0"/>
+          </a:xfrm>
+          <a:prstGeom prst="straightConnector1">
+            <a:avLst/>
+          </a:prstGeom>
+          <a:ln>
+            <a:headEnd type="triangle" w="med" len="med"/>
+            <a:tailEnd type="triangle" w="med" len="med"/>
+          </a:ln>
+        </p:spPr>
+        <p:style>
+          <a:lnRef idx="1">
+            <a:schemeClr val="accent1"/>
+          </a:lnRef>
+          <a:fillRef idx="0">
+            <a:schemeClr val="accent1"/>
+          </a:fillRef>
+          <a:effectRef idx="0">
+            <a:schemeClr val="accent1"/>
+          </a:effectRef>
+          <a:fontRef idx="minor">
+            <a:schemeClr val="tx1"/>
+          </a:fontRef>
+        </p:style>
+      </p:cxnSp>
+      <p:sp>
+        <p:nvSpPr>
+          <p:cNvPr id="69" name="TextBox 68"/>
+          <p:cNvSpPr txBox="1"/>
+          <p:nvPr/>
+        </p:nvSpPr>
+        <p:spPr>
+          <a:xfrm>
+            <a:off x="5903285" y="4545516"/>
+            <a:ext cx="691215" cy="246221"/>
+          </a:xfrm>
+          <a:prstGeom prst="rect">
+            <a:avLst/>
+          </a:prstGeom>
+          <a:noFill/>
+        </p:spPr>
+        <p:txBody>
+          <a:bodyPr wrap="none" rtlCol="0">
+            <a:spAutoFit/>
+          </a:bodyPr>
+          <a:lstStyle/>
+          <a:p>
+            <a:r>
+              <a:rPr lang="en-US" sz="1000" dirty="0" smtClean="0"/>
+              <a:t>Json Type</a:t>
+            </a:r>
+            <a:endParaRPr lang="en-US" sz="1000" dirty="0"/>
+          </a:p>
+        </p:txBody>
+      </p:sp>
+      <p:cxnSp>
+        <p:nvCxnSpPr>
+          <p:cNvPr id="70" name="Straight Arrow Connector 69"/>
+          <p:cNvCxnSpPr>
+            <a:stCxn id="16" idx="4"/>
+            <a:endCxn id="55" idx="1"/>
+          </p:cNvCxnSpPr>
+          <p:nvPr/>
+        </p:nvCxnSpPr>
+        <p:spPr>
+          <a:xfrm flipV="1">
+            <a:off x="7409558" y="4781414"/>
+            <a:ext cx="719903" cy="3357"/>
+          </a:xfrm>
+          <a:prstGeom prst="straightConnector1">
+            <a:avLst/>
+          </a:prstGeom>
+          <a:ln>
+            <a:headEnd type="triangle" w="med" len="med"/>
+            <a:tailEnd type="triangle" w="med" len="med"/>
+          </a:ln>
+        </p:spPr>
+        <p:style>
+          <a:lnRef idx="1">
+            <a:schemeClr val="accent1"/>
+          </a:lnRef>
+          <a:fillRef idx="0">
+            <a:schemeClr val="accent1"/>
+          </a:fillRef>
+          <a:effectRef idx="0">
+            <a:schemeClr val="accent1"/>
+          </a:effectRef>
+          <a:fontRef idx="minor">
+            <a:schemeClr val="tx1"/>
+          </a:fontRef>
+        </p:style>
+      </p:cxnSp>
+      <p:sp>
+        <p:nvSpPr>
+          <p:cNvPr id="73" name="TextBox 72"/>
+          <p:cNvSpPr txBox="1"/>
+          <p:nvPr/>
+        </p:nvSpPr>
+        <p:spPr>
+          <a:xfrm>
+            <a:off x="7423902" y="4545516"/>
+            <a:ext cx="691215" cy="246221"/>
+          </a:xfrm>
+          <a:prstGeom prst="rect">
+            <a:avLst/>
+          </a:prstGeom>
+          <a:noFill/>
+        </p:spPr>
+        <p:txBody>
+          <a:bodyPr wrap="none" rtlCol="0">
+            <a:spAutoFit/>
+          </a:bodyPr>
+          <a:lstStyle/>
+          <a:p>
+            <a:r>
+              <a:rPr lang="en-US" sz="1000" dirty="0" smtClean="0"/>
+              <a:t>Json Type</a:t>
+            </a:r>
+            <a:endParaRPr lang="en-US" sz="1000" dirty="0"/>
+          </a:p>
+        </p:txBody>
+      </p:sp>
+      <p:cxnSp>
+        <p:nvCxnSpPr>
+          <p:cNvPr id="76" name="Straight Arrow Connector 75"/>
+          <p:cNvCxnSpPr>
+            <a:stCxn id="55" idx="3"/>
+          </p:cNvCxnSpPr>
+          <p:nvPr/>
+        </p:nvCxnSpPr>
+        <p:spPr>
+          <a:xfrm>
+            <a:off x="9231854" y="4781414"/>
+            <a:ext cx="752468" cy="0"/>
+          </a:xfrm>
+          <a:prstGeom prst="straightConnector1">
+            <a:avLst/>
+          </a:prstGeom>
+          <a:ln>
+            <a:tailEnd type="triangle"/>
+          </a:ln>
+        </p:spPr>
+        <p:style>
+          <a:lnRef idx="1">
+            <a:schemeClr val="accent1"/>
+          </a:lnRef>
+          <a:fillRef idx="0">
+            <a:schemeClr val="accent1"/>
+          </a:fillRef>
+          <a:effectRef idx="0">
+            <a:schemeClr val="accent1"/>
+          </a:effectRef>
+          <a:fontRef idx="minor">
+            <a:schemeClr val="tx1"/>
+          </a:fontRef>
+        </p:style>
+      </p:cxnSp>
+      <p:sp>
+        <p:nvSpPr>
+          <p:cNvPr id="79" name="TextBox 78"/>
+          <p:cNvSpPr txBox="1"/>
+          <p:nvPr/>
+        </p:nvSpPr>
+        <p:spPr>
+          <a:xfrm>
+            <a:off x="9240290" y="4400536"/>
+            <a:ext cx="729687" cy="400110"/>
+          </a:xfrm>
+          <a:prstGeom prst="rect">
+            <a:avLst/>
+          </a:prstGeom>
+          <a:noFill/>
+        </p:spPr>
+        <p:txBody>
+          <a:bodyPr wrap="none" rtlCol="0">
+            <a:spAutoFit/>
+          </a:bodyPr>
+          <a:lstStyle/>
+          <a:p>
+            <a:r>
+              <a:rPr lang="en-US" sz="1000" dirty="0" smtClean="0"/>
+              <a:t>Render UI</a:t>
+            </a:r>
+          </a:p>
+          <a:p>
+            <a:r>
+              <a:rPr lang="en-US" sz="1000" dirty="0" smtClean="0"/>
+              <a:t>(Injection)</a:t>
+            </a:r>
+            <a:endParaRPr lang="en-US" sz="1000" dirty="0"/>
+          </a:p>
+        </p:txBody>
+      </p:sp>
+    </p:spTree>
+    <p:extLst>
+      <p:ext uri="{BB962C8B-B14F-4D97-AF65-F5344CB8AC3E}">
+        <p14:creationId xmlns:p14="http://schemas.microsoft.com/office/powerpoint/2010/main" val="2951859519"/>
       </p:ext>
     </p:extLst>
   </p:cSld>

--- a/docs/linux-deamons.pptx
+++ b/docs/linux-deamons.pptx
@@ -11,6 +11,7 @@
     <p:sldId id="258" r:id="rId5"/>
     <p:sldId id="259" r:id="rId6"/>
     <p:sldId id="261" r:id="rId7"/>
+    <p:sldId id="262" r:id="rId8"/>
   </p:sldIdLst>
   <p:sldSz cx="12192000" cy="6858000"/>
   <p:notesSz cx="6858000" cy="9144000"/>
@@ -248,7 +249,7 @@
           <a:p>
             <a:fld id="{A4AC1E80-B3D7-43F3-A8C9-A8CB4D81571C}" type="datetimeFigureOut">
               <a:rPr lang="en-US" smtClean="0"/>
-              <a:t>11/21/2014</a:t>
+              <a:t>12/24/2014</a:t>
             </a:fld>
             <a:endParaRPr lang="en-US"/>
           </a:p>
@@ -418,7 +419,7 @@
           <a:p>
             <a:fld id="{A4AC1E80-B3D7-43F3-A8C9-A8CB4D81571C}" type="datetimeFigureOut">
               <a:rPr lang="en-US" smtClean="0"/>
-              <a:t>11/21/2014</a:t>
+              <a:t>12/24/2014</a:t>
             </a:fld>
             <a:endParaRPr lang="en-US"/>
           </a:p>
@@ -598,7 +599,7 @@
           <a:p>
             <a:fld id="{A4AC1E80-B3D7-43F3-A8C9-A8CB4D81571C}" type="datetimeFigureOut">
               <a:rPr lang="en-US" smtClean="0"/>
-              <a:t>11/21/2014</a:t>
+              <a:t>12/24/2014</a:t>
             </a:fld>
             <a:endParaRPr lang="en-US"/>
           </a:p>
@@ -768,7 +769,7 @@
           <a:p>
             <a:fld id="{A4AC1E80-B3D7-43F3-A8C9-A8CB4D81571C}" type="datetimeFigureOut">
               <a:rPr lang="en-US" smtClean="0"/>
-              <a:t>11/21/2014</a:t>
+              <a:t>12/24/2014</a:t>
             </a:fld>
             <a:endParaRPr lang="en-US"/>
           </a:p>
@@ -1014,7 +1015,7 @@
           <a:p>
             <a:fld id="{A4AC1E80-B3D7-43F3-A8C9-A8CB4D81571C}" type="datetimeFigureOut">
               <a:rPr lang="en-US" smtClean="0"/>
-              <a:t>11/21/2014</a:t>
+              <a:t>12/24/2014</a:t>
             </a:fld>
             <a:endParaRPr lang="en-US"/>
           </a:p>
@@ -1246,7 +1247,7 @@
           <a:p>
             <a:fld id="{A4AC1E80-B3D7-43F3-A8C9-A8CB4D81571C}" type="datetimeFigureOut">
               <a:rPr lang="en-US" smtClean="0"/>
-              <a:t>11/21/2014</a:t>
+              <a:t>12/24/2014</a:t>
             </a:fld>
             <a:endParaRPr lang="en-US"/>
           </a:p>
@@ -1613,7 +1614,7 @@
           <a:p>
             <a:fld id="{A4AC1E80-B3D7-43F3-A8C9-A8CB4D81571C}" type="datetimeFigureOut">
               <a:rPr lang="en-US" smtClean="0"/>
-              <a:t>11/21/2014</a:t>
+              <a:t>12/24/2014</a:t>
             </a:fld>
             <a:endParaRPr lang="en-US"/>
           </a:p>
@@ -1731,7 +1732,7 @@
           <a:p>
             <a:fld id="{A4AC1E80-B3D7-43F3-A8C9-A8CB4D81571C}" type="datetimeFigureOut">
               <a:rPr lang="en-US" smtClean="0"/>
-              <a:t>11/21/2014</a:t>
+              <a:t>12/24/2014</a:t>
             </a:fld>
             <a:endParaRPr lang="en-US"/>
           </a:p>
@@ -1826,7 +1827,7 @@
           <a:p>
             <a:fld id="{A4AC1E80-B3D7-43F3-A8C9-A8CB4D81571C}" type="datetimeFigureOut">
               <a:rPr lang="en-US" smtClean="0"/>
-              <a:t>11/21/2014</a:t>
+              <a:t>12/24/2014</a:t>
             </a:fld>
             <a:endParaRPr lang="en-US"/>
           </a:p>
@@ -2103,7 +2104,7 @@
           <a:p>
             <a:fld id="{A4AC1E80-B3D7-43F3-A8C9-A8CB4D81571C}" type="datetimeFigureOut">
               <a:rPr lang="en-US" smtClean="0"/>
-              <a:t>11/21/2014</a:t>
+              <a:t>12/24/2014</a:t>
             </a:fld>
             <a:endParaRPr lang="en-US"/>
           </a:p>
@@ -2356,7 +2357,7 @@
           <a:p>
             <a:fld id="{A4AC1E80-B3D7-43F3-A8C9-A8CB4D81571C}" type="datetimeFigureOut">
               <a:rPr lang="en-US" smtClean="0"/>
-              <a:t>11/21/2014</a:t>
+              <a:t>12/24/2014</a:t>
             </a:fld>
             <a:endParaRPr lang="en-US"/>
           </a:p>
@@ -2569,7 +2570,7 @@
           <a:p>
             <a:fld id="{A4AC1E80-B3D7-43F3-A8C9-A8CB4D81571C}" type="datetimeFigureOut">
               <a:rPr lang="en-US" smtClean="0"/>
-              <a:t>11/21/2014</a:t>
+              <a:t>12/24/2014</a:t>
             </a:fld>
             <a:endParaRPr lang="en-US"/>
           </a:p>
@@ -6017,15 +6018,7 @@
                   <a:schemeClr val="tx1"/>
                 </a:solidFill>
               </a:rPr>
-              <a:t>Sensor </a:t>
-            </a:r>
-            <a:r>
-              <a:rPr lang="en-US" sz="1000" dirty="0" smtClean="0">
-                <a:solidFill>
-                  <a:schemeClr val="tx1"/>
-                </a:solidFill>
-              </a:rPr>
-              <a:t>Type</a:t>
+              <a:t>Sensor Type</a:t>
             </a:r>
           </a:p>
           <a:p>
@@ -6614,15 +6607,7 @@
                   <a:schemeClr val="tx1"/>
                 </a:solidFill>
               </a:rPr>
-              <a:t>Sensor </a:t>
-            </a:r>
-            <a:r>
-              <a:rPr lang="en-US" sz="1000" dirty="0" smtClean="0">
-                <a:solidFill>
-                  <a:schemeClr val="tx1"/>
-                </a:solidFill>
-              </a:rPr>
-              <a:t>Type</a:t>
+              <a:t>Sensor Type</a:t>
             </a:r>
           </a:p>
           <a:p>
@@ -10671,6 +10656,54 @@
               </a:rPr>
               <a:t>DEVICE_PROT_DATA_TYPE</a:t>
             </a:r>
+          </a:p>
+        </p:txBody>
+      </p:sp>
+      <p:sp>
+        <p:nvSpPr>
+          <p:cNvPr id="46" name="Rounded Rectangle 45"/>
+          <p:cNvSpPr/>
+          <p:nvPr/>
+        </p:nvSpPr>
+        <p:spPr>
+          <a:xfrm>
+            <a:off x="2894875" y="2553998"/>
+            <a:ext cx="1913860" cy="273125"/>
+          </a:xfrm>
+          <a:prstGeom prst="roundRect">
+            <a:avLst/>
+          </a:prstGeom>
+          <a:noFill/>
+        </p:spPr>
+        <p:style>
+          <a:lnRef idx="2">
+            <a:schemeClr val="accent1">
+              <a:shade val="50000"/>
+            </a:schemeClr>
+          </a:lnRef>
+          <a:fillRef idx="1">
+            <a:schemeClr val="accent1"/>
+          </a:fillRef>
+          <a:effectRef idx="0">
+            <a:schemeClr val="accent1"/>
+          </a:effectRef>
+          <a:fontRef idx="minor">
+            <a:schemeClr val="lt1"/>
+          </a:fontRef>
+        </p:style>
+        <p:txBody>
+          <a:bodyPr rtlCol="0" anchor="ctr"/>
+          <a:lstStyle/>
+          <a:p>
+            <a:pPr algn="ctr"/>
+            <a:r>
+              <a:rPr lang="en-US" sz="1000">
+                <a:solidFill>
+                  <a:schemeClr val="tx1"/>
+                </a:solidFill>
+              </a:rPr>
+              <a:t>DEVICE_PROT_CONNECT_REQ</a:t>
+            </a:r>
             <a:endParaRPr lang="en-US" sz="1000" dirty="0">
               <a:solidFill>
                 <a:schemeClr val="tx1"/>
@@ -10681,13 +10714,13 @@
       </p:sp>
       <p:sp>
         <p:nvSpPr>
-          <p:cNvPr id="46" name="Rounded Rectangle 45"/>
+          <p:cNvPr id="47" name="Rounded Rectangle 46"/>
           <p:cNvSpPr/>
           <p:nvPr/>
         </p:nvSpPr>
         <p:spPr>
           <a:xfrm>
-            <a:off x="2894875" y="2553998"/>
+            <a:off x="2894875" y="2865028"/>
             <a:ext cx="1913860" cy="273125"/>
           </a:xfrm>
           <a:prstGeom prst="roundRect">
@@ -10717,31 +10750,26 @@
           <a:p>
             <a:pPr algn="ctr"/>
             <a:r>
-              <a:rPr lang="en-US" sz="1000">
+              <a:rPr lang="en-US" sz="1000" dirty="0">
                 <a:solidFill>
                   <a:schemeClr val="tx1"/>
                 </a:solidFill>
               </a:rPr>
-              <a:t>DEVICE_PROT_CONNECT_REQ</a:t>
-            </a:r>
-            <a:endParaRPr lang="en-US" sz="1000" dirty="0">
-              <a:solidFill>
-                <a:schemeClr val="tx1"/>
-              </a:solidFill>
-            </a:endParaRPr>
-          </a:p>
-        </p:txBody>
-      </p:sp>
-      <p:sp>
-        <p:nvSpPr>
-          <p:cNvPr id="47" name="Rounded Rectangle 46"/>
+              <a:t>DEVICE_PROT_CONNECT_ADDR</a:t>
+            </a:r>
+          </a:p>
+        </p:txBody>
+      </p:sp>
+      <p:sp>
+        <p:nvSpPr>
+          <p:cNvPr id="48" name="Rounded Rectangle 47"/>
           <p:cNvSpPr/>
           <p:nvPr/>
         </p:nvSpPr>
         <p:spPr>
           <a:xfrm>
-            <a:off x="2894875" y="2865028"/>
-            <a:ext cx="1913860" cy="273125"/>
+            <a:off x="2894875" y="3176058"/>
+            <a:ext cx="1913860" cy="259674"/>
           </a:xfrm>
           <a:prstGeom prst="roundRect">
             <a:avLst/>
@@ -10775,66 +10803,8 @@
                   <a:schemeClr val="tx1"/>
                 </a:solidFill>
               </a:rPr>
-              <a:t>DEVICE_PROT_CONNECT_ADDR</a:t>
-            </a:r>
-            <a:endParaRPr lang="en-US" sz="1000" dirty="0">
-              <a:solidFill>
-                <a:schemeClr val="tx1"/>
-              </a:solidFill>
-            </a:endParaRPr>
-          </a:p>
-        </p:txBody>
-      </p:sp>
-      <p:sp>
-        <p:nvSpPr>
-          <p:cNvPr id="48" name="Rounded Rectangle 47"/>
-          <p:cNvSpPr/>
-          <p:nvPr/>
-        </p:nvSpPr>
-        <p:spPr>
-          <a:xfrm>
-            <a:off x="2894875" y="3176058"/>
-            <a:ext cx="1913860" cy="259674"/>
-          </a:xfrm>
-          <a:prstGeom prst="roundRect">
-            <a:avLst/>
-          </a:prstGeom>
-          <a:noFill/>
-        </p:spPr>
-        <p:style>
-          <a:lnRef idx="2">
-            <a:schemeClr val="accent1">
-              <a:shade val="50000"/>
-            </a:schemeClr>
-          </a:lnRef>
-          <a:fillRef idx="1">
-            <a:schemeClr val="accent1"/>
-          </a:fillRef>
-          <a:effectRef idx="0">
-            <a:schemeClr val="accent1"/>
-          </a:effectRef>
-          <a:fontRef idx="minor">
-            <a:schemeClr val="lt1"/>
-          </a:fontRef>
-        </p:style>
-        <p:txBody>
-          <a:bodyPr rtlCol="0" anchor="ctr"/>
-          <a:lstStyle/>
-          <a:p>
-            <a:pPr algn="ctr"/>
-            <a:r>
-              <a:rPr lang="en-US" sz="1000" dirty="0">
-                <a:solidFill>
-                  <a:schemeClr val="tx1"/>
-                </a:solidFill>
-              </a:rPr>
               <a:t>DEVICE_PROT_CONNECT_CHK</a:t>
             </a:r>
-            <a:endParaRPr lang="en-US" sz="1000" dirty="0">
-              <a:solidFill>
-                <a:schemeClr val="tx1"/>
-              </a:solidFill>
-            </a:endParaRPr>
           </a:p>
         </p:txBody>
       </p:sp>
@@ -11087,11 +11057,6 @@
               </a:rPr>
               <a:t>SENSOR_CMD_RELAY</a:t>
             </a:r>
-            <a:endParaRPr lang="en-US" sz="1000" dirty="0">
-              <a:solidFill>
-                <a:schemeClr val="tx1"/>
-              </a:solidFill>
-            </a:endParaRPr>
           </a:p>
         </p:txBody>
       </p:sp>
@@ -11140,11 +11105,6 @@
               </a:rPr>
               <a:t>SENSOR_CMD_RELAY_RGB</a:t>
             </a:r>
-            <a:endParaRPr lang="en-US" sz="1000" dirty="0">
-              <a:solidFill>
-                <a:schemeClr val="tx1"/>
-              </a:solidFill>
-            </a:endParaRPr>
           </a:p>
         </p:txBody>
       </p:sp>
@@ -12592,6 +12552,1441 @@
     <p:extLst>
       <p:ext uri="{BB962C8B-B14F-4D97-AF65-F5344CB8AC3E}">
         <p14:creationId xmlns:p14="http://schemas.microsoft.com/office/powerpoint/2010/main" val="2951859519"/>
+      </p:ext>
+    </p:extLst>
+  </p:cSld>
+  <p:clrMapOvr>
+    <a:masterClrMapping/>
+  </p:clrMapOvr>
+  <p:timing>
+    <p:tnLst>
+      <p:par>
+        <p:cTn id="1" dur="indefinite" restart="never" nodeType="tmRoot"/>
+      </p:par>
+    </p:tnLst>
+  </p:timing>
+</p:sld>
+</file>
+
+<file path=ppt/slides/slide7.xml><?xml version="1.0" encoding="utf-8"?>
+<p:sld xmlns:a="http://schemas.openxmlformats.org/drawingml/2006/main" xmlns:r="http://schemas.openxmlformats.org/officeDocument/2006/relationships" xmlns:p="http://schemas.openxmlformats.org/presentationml/2006/main">
+  <p:cSld>
+    <p:spTree>
+      <p:nvGrpSpPr>
+        <p:cNvPr id="1" name=""/>
+        <p:cNvGrpSpPr/>
+        <p:nvPr/>
+      </p:nvGrpSpPr>
+      <p:grpSpPr>
+        <a:xfrm>
+          <a:off x="0" y="0"/>
+          <a:ext cx="0" cy="0"/>
+          <a:chOff x="0" y="0"/>
+          <a:chExt cx="0" cy="0"/>
+        </a:xfrm>
+      </p:grpSpPr>
+      <p:sp>
+        <p:nvSpPr>
+          <p:cNvPr id="4" name="TextBox 3"/>
+          <p:cNvSpPr txBox="1"/>
+          <p:nvPr/>
+        </p:nvSpPr>
+        <p:spPr>
+          <a:xfrm>
+            <a:off x="5806950" y="2864166"/>
+            <a:ext cx="638316" cy="261610"/>
+          </a:xfrm>
+          <a:prstGeom prst="rect">
+            <a:avLst/>
+          </a:prstGeom>
+          <a:noFill/>
+        </p:spPr>
+        <p:txBody>
+          <a:bodyPr wrap="none" rtlCol="0">
+            <a:spAutoFit/>
+          </a:bodyPr>
+          <a:lstStyle/>
+          <a:p>
+            <a:r>
+              <a:rPr lang="en-US" sz="1100" dirty="0" smtClean="0"/>
+              <a:t>Node.JS</a:t>
+            </a:r>
+            <a:endParaRPr lang="en-US" sz="1100" dirty="0"/>
+          </a:p>
+        </p:txBody>
+      </p:sp>
+      <p:sp>
+        <p:nvSpPr>
+          <p:cNvPr id="6" name="Rectangle 5"/>
+          <p:cNvSpPr/>
+          <p:nvPr/>
+        </p:nvSpPr>
+        <p:spPr>
+          <a:xfrm>
+            <a:off x="5441133" y="3125776"/>
+            <a:ext cx="1348966" cy="1844577"/>
+          </a:xfrm>
+          <a:prstGeom prst="rect">
+            <a:avLst/>
+          </a:prstGeom>
+          <a:noFill/>
+          <a:ln w="3175">
+            <a:prstDash val="dash"/>
+          </a:ln>
+        </p:spPr>
+        <p:style>
+          <a:lnRef idx="2">
+            <a:schemeClr val="accent1">
+              <a:shade val="50000"/>
+            </a:schemeClr>
+          </a:lnRef>
+          <a:fillRef idx="1">
+            <a:schemeClr val="accent1"/>
+          </a:fillRef>
+          <a:effectRef idx="0">
+            <a:schemeClr val="accent1"/>
+          </a:effectRef>
+          <a:fontRef idx="minor">
+            <a:schemeClr val="lt1"/>
+          </a:fontRef>
+        </p:style>
+        <p:txBody>
+          <a:bodyPr rtlCol="0" anchor="ctr"/>
+          <a:lstStyle/>
+          <a:p>
+            <a:pPr algn="ctr"/>
+            <a:endParaRPr lang="en-US" sz="1000" dirty="0">
+              <a:solidFill>
+                <a:schemeClr val="tx1"/>
+              </a:solidFill>
+            </a:endParaRPr>
+          </a:p>
+        </p:txBody>
+      </p:sp>
+      <p:sp>
+        <p:nvSpPr>
+          <p:cNvPr id="9" name="Rectangle 8"/>
+          <p:cNvSpPr/>
+          <p:nvPr/>
+        </p:nvSpPr>
+        <p:spPr>
+          <a:xfrm>
+            <a:off x="2915216" y="3125777"/>
+            <a:ext cx="1327302" cy="1844576"/>
+          </a:xfrm>
+          <a:prstGeom prst="rect">
+            <a:avLst/>
+          </a:prstGeom>
+          <a:noFill/>
+          <a:ln w="3175">
+            <a:prstDash val="dash"/>
+          </a:ln>
+        </p:spPr>
+        <p:style>
+          <a:lnRef idx="2">
+            <a:schemeClr val="accent1">
+              <a:shade val="50000"/>
+            </a:schemeClr>
+          </a:lnRef>
+          <a:fillRef idx="1">
+            <a:schemeClr val="accent1"/>
+          </a:fillRef>
+          <a:effectRef idx="0">
+            <a:schemeClr val="accent1"/>
+          </a:effectRef>
+          <a:fontRef idx="minor">
+            <a:schemeClr val="lt1"/>
+          </a:fontRef>
+        </p:style>
+        <p:txBody>
+          <a:bodyPr rtlCol="0" anchor="ctr"/>
+          <a:lstStyle/>
+          <a:p>
+            <a:pPr algn="ctr"/>
+            <a:endParaRPr lang="en-US" sz="1000" dirty="0">
+              <a:solidFill>
+                <a:schemeClr val="tx1"/>
+              </a:solidFill>
+            </a:endParaRPr>
+          </a:p>
+        </p:txBody>
+      </p:sp>
+      <p:sp>
+        <p:nvSpPr>
+          <p:cNvPr id="10" name="TextBox 9"/>
+          <p:cNvSpPr txBox="1"/>
+          <p:nvPr/>
+        </p:nvSpPr>
+        <p:spPr>
+          <a:xfrm>
+            <a:off x="2987000" y="2864166"/>
+            <a:ext cx="1178528" cy="261610"/>
+          </a:xfrm>
+          <a:prstGeom prst="rect">
+            <a:avLst/>
+          </a:prstGeom>
+          <a:noFill/>
+        </p:spPr>
+        <p:txBody>
+          <a:bodyPr wrap="none" rtlCol="0">
+            <a:spAutoFit/>
+          </a:bodyPr>
+          <a:lstStyle/>
+          <a:p>
+            <a:r>
+              <a:rPr lang="en-US" sz="1100" dirty="0" smtClean="0"/>
+              <a:t>Linux Sensors FW</a:t>
+            </a:r>
+            <a:endParaRPr lang="en-US" sz="1100" dirty="0"/>
+          </a:p>
+        </p:txBody>
+      </p:sp>
+      <p:sp>
+        <p:nvSpPr>
+          <p:cNvPr id="11" name="Rectangle 10"/>
+          <p:cNvSpPr/>
+          <p:nvPr/>
+        </p:nvSpPr>
+        <p:spPr>
+          <a:xfrm>
+            <a:off x="3043121" y="3668753"/>
+            <a:ext cx="1102393" cy="310741"/>
+          </a:xfrm>
+          <a:prstGeom prst="rect">
+            <a:avLst/>
+          </a:prstGeom>
+          <a:solidFill>
+            <a:schemeClr val="accent1">
+              <a:lumMod val="40000"/>
+              <a:lumOff val="60000"/>
+            </a:schemeClr>
+          </a:solidFill>
+        </p:spPr>
+        <p:style>
+          <a:lnRef idx="2">
+            <a:schemeClr val="accent1">
+              <a:shade val="50000"/>
+            </a:schemeClr>
+          </a:lnRef>
+          <a:fillRef idx="1">
+            <a:schemeClr val="accent1"/>
+          </a:fillRef>
+          <a:effectRef idx="0">
+            <a:schemeClr val="accent1"/>
+          </a:effectRef>
+          <a:fontRef idx="minor">
+            <a:schemeClr val="lt1"/>
+          </a:fontRef>
+        </p:style>
+        <p:txBody>
+          <a:bodyPr rtlCol="0" anchor="ctr"/>
+          <a:lstStyle/>
+          <a:p>
+            <a:pPr algn="ctr"/>
+            <a:r>
+              <a:rPr lang="en-US" sz="1000" dirty="0" smtClean="0">
+                <a:solidFill>
+                  <a:schemeClr val="tx1"/>
+                </a:solidFill>
+              </a:rPr>
+              <a:t>Node.JS Request Listener</a:t>
+            </a:r>
+            <a:endParaRPr lang="en-US" sz="1000" dirty="0">
+              <a:solidFill>
+                <a:schemeClr val="tx1"/>
+              </a:solidFill>
+            </a:endParaRPr>
+          </a:p>
+        </p:txBody>
+      </p:sp>
+      <p:sp>
+        <p:nvSpPr>
+          <p:cNvPr id="13" name="Rectangle 12"/>
+          <p:cNvSpPr/>
+          <p:nvPr/>
+        </p:nvSpPr>
+        <p:spPr>
+          <a:xfrm>
+            <a:off x="5574909" y="3248756"/>
+            <a:ext cx="1102393" cy="310741"/>
+          </a:xfrm>
+          <a:prstGeom prst="rect">
+            <a:avLst/>
+          </a:prstGeom>
+          <a:solidFill>
+            <a:schemeClr val="accent1">
+              <a:lumMod val="40000"/>
+              <a:lumOff val="60000"/>
+            </a:schemeClr>
+          </a:solidFill>
+        </p:spPr>
+        <p:style>
+          <a:lnRef idx="2">
+            <a:schemeClr val="accent1">
+              <a:shade val="50000"/>
+            </a:schemeClr>
+          </a:lnRef>
+          <a:fillRef idx="1">
+            <a:schemeClr val="accent1"/>
+          </a:fillRef>
+          <a:effectRef idx="0">
+            <a:schemeClr val="accent1"/>
+          </a:effectRef>
+          <a:fontRef idx="minor">
+            <a:schemeClr val="lt1"/>
+          </a:fontRef>
+        </p:style>
+        <p:txBody>
+          <a:bodyPr rtlCol="0" anchor="ctr"/>
+          <a:lstStyle/>
+          <a:p>
+            <a:pPr algn="ctr"/>
+            <a:r>
+              <a:rPr lang="en-US" sz="1000" dirty="0" smtClean="0">
+                <a:solidFill>
+                  <a:schemeClr val="tx1"/>
+                </a:solidFill>
+              </a:rPr>
+              <a:t>Sensors FW DB Request Listener</a:t>
+            </a:r>
+            <a:endParaRPr lang="en-US" sz="1000" dirty="0">
+              <a:solidFill>
+                <a:schemeClr val="tx1"/>
+              </a:solidFill>
+            </a:endParaRPr>
+          </a:p>
+        </p:txBody>
+      </p:sp>
+      <p:sp>
+        <p:nvSpPr>
+          <p:cNvPr id="14" name="Rectangle 13"/>
+          <p:cNvSpPr/>
+          <p:nvPr/>
+        </p:nvSpPr>
+        <p:spPr>
+          <a:xfrm>
+            <a:off x="8107641" y="3125776"/>
+            <a:ext cx="1404182" cy="1844577"/>
+          </a:xfrm>
+          <a:prstGeom prst="rect">
+            <a:avLst/>
+          </a:prstGeom>
+          <a:noFill/>
+          <a:ln w="3175">
+            <a:prstDash val="dash"/>
+          </a:ln>
+        </p:spPr>
+        <p:style>
+          <a:lnRef idx="2">
+            <a:schemeClr val="accent1">
+              <a:shade val="50000"/>
+            </a:schemeClr>
+          </a:lnRef>
+          <a:fillRef idx="1">
+            <a:schemeClr val="accent1"/>
+          </a:fillRef>
+          <a:effectRef idx="0">
+            <a:schemeClr val="accent1"/>
+          </a:effectRef>
+          <a:fontRef idx="minor">
+            <a:schemeClr val="lt1"/>
+          </a:fontRef>
+        </p:style>
+        <p:txBody>
+          <a:bodyPr rtlCol="0" anchor="ctr"/>
+          <a:lstStyle/>
+          <a:p>
+            <a:pPr algn="ctr"/>
+            <a:endParaRPr lang="en-US" sz="1000" dirty="0">
+              <a:solidFill>
+                <a:schemeClr val="tx1"/>
+              </a:solidFill>
+            </a:endParaRPr>
+          </a:p>
+        </p:txBody>
+      </p:sp>
+      <p:sp>
+        <p:nvSpPr>
+          <p:cNvPr id="15" name="TextBox 14"/>
+          <p:cNvSpPr txBox="1"/>
+          <p:nvPr/>
+        </p:nvSpPr>
+        <p:spPr>
+          <a:xfrm>
+            <a:off x="8411513" y="2864166"/>
+            <a:ext cx="830677" cy="261610"/>
+          </a:xfrm>
+          <a:prstGeom prst="rect">
+            <a:avLst/>
+          </a:prstGeom>
+          <a:noFill/>
+        </p:spPr>
+        <p:txBody>
+          <a:bodyPr wrap="none" rtlCol="0">
+            <a:spAutoFit/>
+          </a:bodyPr>
+          <a:lstStyle/>
+          <a:p>
+            <a:r>
+              <a:rPr lang="en-US" sz="1100" dirty="0" smtClean="0"/>
+              <a:t>Application</a:t>
+            </a:r>
+            <a:endParaRPr lang="en-US" sz="1100" dirty="0"/>
+          </a:p>
+        </p:txBody>
+      </p:sp>
+      <p:sp>
+        <p:nvSpPr>
+          <p:cNvPr id="17" name="TextBox 16"/>
+          <p:cNvSpPr txBox="1"/>
+          <p:nvPr/>
+        </p:nvSpPr>
+        <p:spPr>
+          <a:xfrm>
+            <a:off x="5748439" y="1775056"/>
+            <a:ext cx="755335" cy="261610"/>
+          </a:xfrm>
+          <a:prstGeom prst="rect">
+            <a:avLst/>
+          </a:prstGeom>
+          <a:noFill/>
+        </p:spPr>
+        <p:txBody>
+          <a:bodyPr wrap="none" rtlCol="0">
+            <a:spAutoFit/>
+          </a:bodyPr>
+          <a:lstStyle/>
+          <a:p>
+            <a:r>
+              <a:rPr lang="en-US" sz="1100" dirty="0" err="1" smtClean="0"/>
+              <a:t>MongoDB</a:t>
+            </a:r>
+            <a:endParaRPr lang="en-US" sz="1100" dirty="0"/>
+          </a:p>
+        </p:txBody>
+      </p:sp>
+      <p:sp>
+        <p:nvSpPr>
+          <p:cNvPr id="18" name="Rectangle 17"/>
+          <p:cNvSpPr/>
+          <p:nvPr/>
+        </p:nvSpPr>
+        <p:spPr>
+          <a:xfrm>
+            <a:off x="5441133" y="2036666"/>
+            <a:ext cx="1348966" cy="525861"/>
+          </a:xfrm>
+          <a:prstGeom prst="rect">
+            <a:avLst/>
+          </a:prstGeom>
+          <a:noFill/>
+          <a:ln w="3175">
+            <a:prstDash val="dash"/>
+          </a:ln>
+        </p:spPr>
+        <p:style>
+          <a:lnRef idx="2">
+            <a:schemeClr val="accent1">
+              <a:shade val="50000"/>
+            </a:schemeClr>
+          </a:lnRef>
+          <a:fillRef idx="1">
+            <a:schemeClr val="accent1"/>
+          </a:fillRef>
+          <a:effectRef idx="0">
+            <a:schemeClr val="accent1"/>
+          </a:effectRef>
+          <a:fontRef idx="minor">
+            <a:schemeClr val="lt1"/>
+          </a:fontRef>
+        </p:style>
+        <p:txBody>
+          <a:bodyPr rtlCol="0" anchor="ctr"/>
+          <a:lstStyle/>
+          <a:p>
+            <a:pPr algn="ctr"/>
+            <a:endParaRPr lang="en-US" sz="1000" dirty="0">
+              <a:solidFill>
+                <a:schemeClr val="tx1"/>
+              </a:solidFill>
+            </a:endParaRPr>
+          </a:p>
+        </p:txBody>
+      </p:sp>
+      <p:sp>
+        <p:nvSpPr>
+          <p:cNvPr id="19" name="Rectangle 18"/>
+          <p:cNvSpPr/>
+          <p:nvPr/>
+        </p:nvSpPr>
+        <p:spPr>
+          <a:xfrm>
+            <a:off x="5574911" y="2142905"/>
+            <a:ext cx="1102393" cy="310741"/>
+          </a:xfrm>
+          <a:prstGeom prst="rect">
+            <a:avLst/>
+          </a:prstGeom>
+          <a:solidFill>
+            <a:schemeClr val="accent6">
+              <a:lumMod val="60000"/>
+              <a:lumOff val="40000"/>
+            </a:schemeClr>
+          </a:solidFill>
+        </p:spPr>
+        <p:style>
+          <a:lnRef idx="2">
+            <a:schemeClr val="accent1">
+              <a:shade val="50000"/>
+            </a:schemeClr>
+          </a:lnRef>
+          <a:fillRef idx="1">
+            <a:schemeClr val="accent1"/>
+          </a:fillRef>
+          <a:effectRef idx="0">
+            <a:schemeClr val="accent1"/>
+          </a:effectRef>
+          <a:fontRef idx="minor">
+            <a:schemeClr val="lt1"/>
+          </a:fontRef>
+        </p:style>
+        <p:txBody>
+          <a:bodyPr rtlCol="0" anchor="ctr"/>
+          <a:lstStyle/>
+          <a:p>
+            <a:pPr algn="ctr"/>
+            <a:r>
+              <a:rPr lang="en-US" sz="1000" dirty="0" smtClean="0">
+                <a:solidFill>
+                  <a:schemeClr val="tx1"/>
+                </a:solidFill>
+              </a:rPr>
+              <a:t>Database</a:t>
+            </a:r>
+            <a:endParaRPr lang="en-US" sz="1000" dirty="0">
+              <a:solidFill>
+                <a:schemeClr val="tx1"/>
+              </a:solidFill>
+            </a:endParaRPr>
+          </a:p>
+        </p:txBody>
+      </p:sp>
+      <p:sp>
+        <p:nvSpPr>
+          <p:cNvPr id="20" name="Rectangle 19"/>
+          <p:cNvSpPr/>
+          <p:nvPr/>
+        </p:nvSpPr>
+        <p:spPr>
+          <a:xfrm>
+            <a:off x="5574911" y="4119777"/>
+            <a:ext cx="1102393" cy="310741"/>
+          </a:xfrm>
+          <a:prstGeom prst="rect">
+            <a:avLst/>
+          </a:prstGeom>
+          <a:solidFill>
+            <a:schemeClr val="accent6">
+              <a:lumMod val="60000"/>
+              <a:lumOff val="40000"/>
+            </a:schemeClr>
+          </a:solidFill>
+        </p:spPr>
+        <p:style>
+          <a:lnRef idx="2">
+            <a:schemeClr val="accent1">
+              <a:shade val="50000"/>
+            </a:schemeClr>
+          </a:lnRef>
+          <a:fillRef idx="1">
+            <a:schemeClr val="accent1"/>
+          </a:fillRef>
+          <a:effectRef idx="0">
+            <a:schemeClr val="accent1"/>
+          </a:effectRef>
+          <a:fontRef idx="minor">
+            <a:schemeClr val="lt1"/>
+          </a:fontRef>
+        </p:style>
+        <p:txBody>
+          <a:bodyPr rtlCol="0" anchor="ctr"/>
+          <a:lstStyle/>
+          <a:p>
+            <a:pPr algn="ctr"/>
+            <a:r>
+              <a:rPr lang="en-US" sz="1000" dirty="0" smtClean="0">
+                <a:solidFill>
+                  <a:schemeClr val="tx1"/>
+                </a:solidFill>
+              </a:rPr>
+              <a:t>REST Service</a:t>
+            </a:r>
+            <a:endParaRPr lang="en-US" sz="1000" dirty="0">
+              <a:solidFill>
+                <a:schemeClr val="tx1"/>
+              </a:solidFill>
+            </a:endParaRPr>
+          </a:p>
+        </p:txBody>
+      </p:sp>
+      <p:sp>
+        <p:nvSpPr>
+          <p:cNvPr id="21" name="Rectangle 20"/>
+          <p:cNvSpPr/>
+          <p:nvPr/>
+        </p:nvSpPr>
+        <p:spPr>
+          <a:xfrm>
+            <a:off x="8275654" y="4541417"/>
+            <a:ext cx="1102393" cy="310741"/>
+          </a:xfrm>
+          <a:prstGeom prst="rect">
+            <a:avLst/>
+          </a:prstGeom>
+          <a:solidFill>
+            <a:schemeClr val="accent6">
+              <a:lumMod val="60000"/>
+              <a:lumOff val="40000"/>
+            </a:schemeClr>
+          </a:solidFill>
+        </p:spPr>
+        <p:style>
+          <a:lnRef idx="2">
+            <a:schemeClr val="accent1">
+              <a:shade val="50000"/>
+            </a:schemeClr>
+          </a:lnRef>
+          <a:fillRef idx="1">
+            <a:schemeClr val="accent1"/>
+          </a:fillRef>
+          <a:effectRef idx="0">
+            <a:schemeClr val="accent1"/>
+          </a:effectRef>
+          <a:fontRef idx="minor">
+            <a:schemeClr val="lt1"/>
+          </a:fontRef>
+        </p:style>
+        <p:txBody>
+          <a:bodyPr rtlCol="0" anchor="ctr"/>
+          <a:lstStyle/>
+          <a:p>
+            <a:pPr algn="ctr"/>
+            <a:r>
+              <a:rPr lang="en-US" sz="1000" dirty="0" smtClean="0">
+                <a:solidFill>
+                  <a:schemeClr val="tx1"/>
+                </a:solidFill>
+              </a:rPr>
+              <a:t>SSE Binds</a:t>
+            </a:r>
+            <a:endParaRPr lang="en-US" sz="1000" dirty="0">
+              <a:solidFill>
+                <a:schemeClr val="tx1"/>
+              </a:solidFill>
+            </a:endParaRPr>
+          </a:p>
+        </p:txBody>
+      </p:sp>
+      <p:sp>
+        <p:nvSpPr>
+          <p:cNvPr id="22" name="Rectangle 21"/>
+          <p:cNvSpPr/>
+          <p:nvPr/>
+        </p:nvSpPr>
+        <p:spPr>
+          <a:xfrm>
+            <a:off x="5574911" y="3670325"/>
+            <a:ext cx="1102393" cy="311271"/>
+          </a:xfrm>
+          <a:prstGeom prst="rect">
+            <a:avLst/>
+          </a:prstGeom>
+          <a:noFill/>
+          <a:ln w="3175">
+            <a:prstDash val="dash"/>
+          </a:ln>
+        </p:spPr>
+        <p:style>
+          <a:lnRef idx="2">
+            <a:schemeClr val="accent1">
+              <a:shade val="50000"/>
+            </a:schemeClr>
+          </a:lnRef>
+          <a:fillRef idx="1">
+            <a:schemeClr val="accent1"/>
+          </a:fillRef>
+          <a:effectRef idx="0">
+            <a:schemeClr val="accent1"/>
+          </a:effectRef>
+          <a:fontRef idx="minor">
+            <a:schemeClr val="lt1"/>
+          </a:fontRef>
+        </p:style>
+        <p:txBody>
+          <a:bodyPr rtlCol="0" anchor="ctr"/>
+          <a:lstStyle/>
+          <a:p>
+            <a:pPr algn="ctr"/>
+            <a:r>
+              <a:rPr lang="en-US" sz="1000" dirty="0" smtClean="0">
+                <a:solidFill>
+                  <a:schemeClr val="tx1"/>
+                </a:solidFill>
+              </a:rPr>
+              <a:t>Actions</a:t>
+            </a:r>
+            <a:endParaRPr lang="en-US" sz="1000" dirty="0">
+              <a:solidFill>
+                <a:schemeClr val="tx1"/>
+              </a:solidFill>
+            </a:endParaRPr>
+          </a:p>
+        </p:txBody>
+      </p:sp>
+      <p:cxnSp>
+        <p:nvCxnSpPr>
+          <p:cNvPr id="23" name="Straight Arrow Connector 22"/>
+          <p:cNvCxnSpPr>
+            <a:stCxn id="22" idx="1"/>
+            <a:endCxn id="11" idx="3"/>
+          </p:cNvCxnSpPr>
+          <p:nvPr/>
+        </p:nvCxnSpPr>
+        <p:spPr>
+          <a:xfrm flipH="1" flipV="1">
+            <a:off x="4145514" y="3824124"/>
+            <a:ext cx="1429397" cy="1837"/>
+          </a:xfrm>
+          <a:prstGeom prst="straightConnector1">
+            <a:avLst/>
+          </a:prstGeom>
+          <a:ln>
+            <a:tailEnd type="triangle"/>
+          </a:ln>
+        </p:spPr>
+        <p:style>
+          <a:lnRef idx="1">
+            <a:schemeClr val="accent1"/>
+          </a:lnRef>
+          <a:fillRef idx="0">
+            <a:schemeClr val="accent1"/>
+          </a:fillRef>
+          <a:effectRef idx="0">
+            <a:schemeClr val="accent1"/>
+          </a:effectRef>
+          <a:fontRef idx="minor">
+            <a:schemeClr val="tx1"/>
+          </a:fontRef>
+        </p:style>
+      </p:cxnSp>
+      <p:sp>
+        <p:nvSpPr>
+          <p:cNvPr id="28" name="Rectangle 27"/>
+          <p:cNvSpPr/>
+          <p:nvPr/>
+        </p:nvSpPr>
+        <p:spPr>
+          <a:xfrm>
+            <a:off x="5574909" y="4541418"/>
+            <a:ext cx="1102393" cy="310741"/>
+          </a:xfrm>
+          <a:prstGeom prst="rect">
+            <a:avLst/>
+          </a:prstGeom>
+          <a:solidFill>
+            <a:schemeClr val="accent6">
+              <a:lumMod val="60000"/>
+              <a:lumOff val="40000"/>
+            </a:schemeClr>
+          </a:solidFill>
+        </p:spPr>
+        <p:style>
+          <a:lnRef idx="2">
+            <a:schemeClr val="accent1">
+              <a:shade val="50000"/>
+            </a:schemeClr>
+          </a:lnRef>
+          <a:fillRef idx="1">
+            <a:schemeClr val="accent1"/>
+          </a:fillRef>
+          <a:effectRef idx="0">
+            <a:schemeClr val="accent1"/>
+          </a:effectRef>
+          <a:fontRef idx="minor">
+            <a:schemeClr val="lt1"/>
+          </a:fontRef>
+        </p:style>
+        <p:txBody>
+          <a:bodyPr rtlCol="0" anchor="ctr"/>
+          <a:lstStyle/>
+          <a:p>
+            <a:pPr algn="ctr"/>
+            <a:r>
+              <a:rPr lang="en-US" sz="1000" dirty="0" smtClean="0">
+                <a:solidFill>
+                  <a:schemeClr val="tx1"/>
+                </a:solidFill>
+              </a:rPr>
+              <a:t>SSE Push</a:t>
+            </a:r>
+            <a:endParaRPr lang="en-US" sz="1000" dirty="0">
+              <a:solidFill>
+                <a:schemeClr val="tx1"/>
+              </a:solidFill>
+            </a:endParaRPr>
+          </a:p>
+        </p:txBody>
+      </p:sp>
+      <p:cxnSp>
+        <p:nvCxnSpPr>
+          <p:cNvPr id="29" name="Straight Arrow Connector 28"/>
+          <p:cNvCxnSpPr>
+            <a:stCxn id="28" idx="3"/>
+            <a:endCxn id="21" idx="1"/>
+          </p:cNvCxnSpPr>
+          <p:nvPr/>
+        </p:nvCxnSpPr>
+        <p:spPr>
+          <a:xfrm flipV="1">
+            <a:off x="6677302" y="4696788"/>
+            <a:ext cx="1598352" cy="1"/>
+          </a:xfrm>
+          <a:prstGeom prst="straightConnector1">
+            <a:avLst/>
+          </a:prstGeom>
+          <a:ln>
+            <a:tailEnd type="triangle"/>
+          </a:ln>
+        </p:spPr>
+        <p:style>
+          <a:lnRef idx="1">
+            <a:schemeClr val="accent1"/>
+          </a:lnRef>
+          <a:fillRef idx="0">
+            <a:schemeClr val="accent1"/>
+          </a:fillRef>
+          <a:effectRef idx="0">
+            <a:schemeClr val="accent1"/>
+          </a:effectRef>
+          <a:fontRef idx="minor">
+            <a:schemeClr val="tx1"/>
+          </a:fontRef>
+        </p:style>
+      </p:cxnSp>
+      <p:sp>
+        <p:nvSpPr>
+          <p:cNvPr id="32" name="Rectangle 31"/>
+          <p:cNvSpPr/>
+          <p:nvPr/>
+        </p:nvSpPr>
+        <p:spPr>
+          <a:xfrm>
+            <a:off x="8275654" y="4119247"/>
+            <a:ext cx="1102393" cy="311271"/>
+          </a:xfrm>
+          <a:prstGeom prst="rect">
+            <a:avLst/>
+          </a:prstGeom>
+          <a:noFill/>
+          <a:ln w="3175">
+            <a:prstDash val="dash"/>
+          </a:ln>
+        </p:spPr>
+        <p:style>
+          <a:lnRef idx="2">
+            <a:schemeClr val="accent1">
+              <a:shade val="50000"/>
+            </a:schemeClr>
+          </a:lnRef>
+          <a:fillRef idx="1">
+            <a:schemeClr val="accent1"/>
+          </a:fillRef>
+          <a:effectRef idx="0">
+            <a:schemeClr val="accent1"/>
+          </a:effectRef>
+          <a:fontRef idx="minor">
+            <a:schemeClr val="lt1"/>
+          </a:fontRef>
+        </p:style>
+        <p:txBody>
+          <a:bodyPr rtlCol="0" anchor="ctr"/>
+          <a:lstStyle/>
+          <a:p>
+            <a:pPr algn="ctr"/>
+            <a:r>
+              <a:rPr lang="en-US" sz="1000" dirty="0">
+                <a:solidFill>
+                  <a:schemeClr val="tx1"/>
+                </a:solidFill>
+              </a:rPr>
+              <a:t>REST Service </a:t>
+            </a:r>
+            <a:r>
+              <a:rPr lang="en-US" sz="1000" dirty="0" smtClean="0">
+                <a:solidFill>
+                  <a:schemeClr val="tx1"/>
+                </a:solidFill>
+              </a:rPr>
+              <a:t>Requests</a:t>
+            </a:r>
+            <a:endParaRPr lang="en-US" sz="1000" dirty="0">
+              <a:solidFill>
+                <a:schemeClr val="tx1"/>
+              </a:solidFill>
+            </a:endParaRPr>
+          </a:p>
+        </p:txBody>
+      </p:sp>
+      <p:cxnSp>
+        <p:nvCxnSpPr>
+          <p:cNvPr id="33" name="Straight Arrow Connector 32"/>
+          <p:cNvCxnSpPr>
+            <a:stCxn id="32" idx="1"/>
+            <a:endCxn id="20" idx="3"/>
+          </p:cNvCxnSpPr>
+          <p:nvPr/>
+        </p:nvCxnSpPr>
+        <p:spPr>
+          <a:xfrm flipH="1">
+            <a:off x="6677304" y="4274883"/>
+            <a:ext cx="1598350" cy="265"/>
+          </a:xfrm>
+          <a:prstGeom prst="straightConnector1">
+            <a:avLst/>
+          </a:prstGeom>
+          <a:ln>
+            <a:headEnd type="triangle" w="med" len="med"/>
+            <a:tailEnd type="triangle" w="med" len="med"/>
+          </a:ln>
+        </p:spPr>
+        <p:style>
+          <a:lnRef idx="1">
+            <a:schemeClr val="accent1"/>
+          </a:lnRef>
+          <a:fillRef idx="0">
+            <a:schemeClr val="accent1"/>
+          </a:fillRef>
+          <a:effectRef idx="0">
+            <a:schemeClr val="accent1"/>
+          </a:effectRef>
+          <a:fontRef idx="minor">
+            <a:schemeClr val="tx1"/>
+          </a:fontRef>
+        </p:style>
+      </p:cxnSp>
+      <p:sp>
+        <p:nvSpPr>
+          <p:cNvPr id="36" name="Rectangle 35"/>
+          <p:cNvSpPr/>
+          <p:nvPr/>
+        </p:nvSpPr>
+        <p:spPr>
+          <a:xfrm>
+            <a:off x="3043121" y="4149343"/>
+            <a:ext cx="1102393" cy="702815"/>
+          </a:xfrm>
+          <a:prstGeom prst="rect">
+            <a:avLst/>
+          </a:prstGeom>
+          <a:solidFill>
+            <a:schemeClr val="accent2">
+              <a:lumMod val="60000"/>
+              <a:lumOff val="40000"/>
+            </a:schemeClr>
+          </a:solidFill>
+        </p:spPr>
+        <p:style>
+          <a:lnRef idx="2">
+            <a:schemeClr val="accent1">
+              <a:shade val="50000"/>
+            </a:schemeClr>
+          </a:lnRef>
+          <a:fillRef idx="1">
+            <a:schemeClr val="accent1"/>
+          </a:fillRef>
+          <a:effectRef idx="0">
+            <a:schemeClr val="accent1"/>
+          </a:effectRef>
+          <a:fontRef idx="minor">
+            <a:schemeClr val="lt1"/>
+          </a:fontRef>
+        </p:style>
+        <p:txBody>
+          <a:bodyPr rtlCol="0" anchor="ctr"/>
+          <a:lstStyle/>
+          <a:p>
+            <a:pPr algn="ctr"/>
+            <a:r>
+              <a:rPr lang="en-US" sz="1000" dirty="0" smtClean="0">
+                <a:solidFill>
+                  <a:schemeClr val="tx1"/>
+                </a:solidFill>
+              </a:rPr>
+              <a:t>Framework</a:t>
+            </a:r>
+            <a:endParaRPr lang="en-US" sz="1000" dirty="0">
+              <a:solidFill>
+                <a:schemeClr val="tx1"/>
+              </a:solidFill>
+            </a:endParaRPr>
+          </a:p>
+        </p:txBody>
+      </p:sp>
+      <p:cxnSp>
+        <p:nvCxnSpPr>
+          <p:cNvPr id="37" name="Straight Arrow Connector 36"/>
+          <p:cNvCxnSpPr>
+            <a:stCxn id="11" idx="2"/>
+            <a:endCxn id="36" idx="0"/>
+          </p:cNvCxnSpPr>
+          <p:nvPr/>
+        </p:nvCxnSpPr>
+        <p:spPr>
+          <a:xfrm>
+            <a:off x="3594318" y="3979494"/>
+            <a:ext cx="0" cy="169849"/>
+          </a:xfrm>
+          <a:prstGeom prst="straightConnector1">
+            <a:avLst/>
+          </a:prstGeom>
+          <a:ln>
+            <a:tailEnd type="triangle"/>
+          </a:ln>
+        </p:spPr>
+        <p:style>
+          <a:lnRef idx="1">
+            <a:schemeClr val="accent1"/>
+          </a:lnRef>
+          <a:fillRef idx="0">
+            <a:schemeClr val="accent1"/>
+          </a:fillRef>
+          <a:effectRef idx="0">
+            <a:schemeClr val="accent1"/>
+          </a:effectRef>
+          <a:fontRef idx="minor">
+            <a:schemeClr val="tx1"/>
+          </a:fontRef>
+        </p:style>
+      </p:cxnSp>
+      <p:sp>
+        <p:nvSpPr>
+          <p:cNvPr id="40" name="Rectangle 39"/>
+          <p:cNvSpPr/>
+          <p:nvPr/>
+        </p:nvSpPr>
+        <p:spPr>
+          <a:xfrm>
+            <a:off x="3040030" y="3248226"/>
+            <a:ext cx="1102393" cy="311271"/>
+          </a:xfrm>
+          <a:prstGeom prst="rect">
+            <a:avLst/>
+          </a:prstGeom>
+          <a:noFill/>
+          <a:ln w="3175">
+            <a:prstDash val="dash"/>
+          </a:ln>
+        </p:spPr>
+        <p:style>
+          <a:lnRef idx="2">
+            <a:schemeClr val="accent1">
+              <a:shade val="50000"/>
+            </a:schemeClr>
+          </a:lnRef>
+          <a:fillRef idx="1">
+            <a:schemeClr val="accent1"/>
+          </a:fillRef>
+          <a:effectRef idx="0">
+            <a:schemeClr val="accent1"/>
+          </a:effectRef>
+          <a:fontRef idx="minor">
+            <a:schemeClr val="lt1"/>
+          </a:fontRef>
+        </p:style>
+        <p:txBody>
+          <a:bodyPr rtlCol="0" anchor="ctr"/>
+          <a:lstStyle/>
+          <a:p>
+            <a:pPr algn="ctr"/>
+            <a:r>
+              <a:rPr lang="en-US" sz="1000" dirty="0" smtClean="0">
+                <a:solidFill>
+                  <a:schemeClr val="tx1"/>
+                </a:solidFill>
+              </a:rPr>
+              <a:t>Sensor Updates</a:t>
+            </a:r>
+            <a:endParaRPr lang="en-US" sz="1000" dirty="0">
+              <a:solidFill>
+                <a:schemeClr val="tx1"/>
+              </a:solidFill>
+            </a:endParaRPr>
+          </a:p>
+        </p:txBody>
+      </p:sp>
+      <p:cxnSp>
+        <p:nvCxnSpPr>
+          <p:cNvPr id="41" name="Straight Arrow Connector 40"/>
+          <p:cNvCxnSpPr>
+            <a:stCxn id="40" idx="3"/>
+            <a:endCxn id="13" idx="1"/>
+          </p:cNvCxnSpPr>
+          <p:nvPr/>
+        </p:nvCxnSpPr>
+        <p:spPr>
+          <a:xfrm>
+            <a:off x="4142423" y="3403862"/>
+            <a:ext cx="1432486" cy="265"/>
+          </a:xfrm>
+          <a:prstGeom prst="straightConnector1">
+            <a:avLst/>
+          </a:prstGeom>
+          <a:ln>
+            <a:tailEnd type="triangle"/>
+          </a:ln>
+        </p:spPr>
+        <p:style>
+          <a:lnRef idx="1">
+            <a:schemeClr val="accent1"/>
+          </a:lnRef>
+          <a:fillRef idx="0">
+            <a:schemeClr val="accent1"/>
+          </a:fillRef>
+          <a:effectRef idx="0">
+            <a:schemeClr val="accent1"/>
+          </a:effectRef>
+          <a:fontRef idx="minor">
+            <a:schemeClr val="tx1"/>
+          </a:fontRef>
+        </p:style>
+      </p:cxnSp>
+      <p:cxnSp>
+        <p:nvCxnSpPr>
+          <p:cNvPr id="44" name="Elbow Connector 43"/>
+          <p:cNvCxnSpPr>
+            <a:stCxn id="13" idx="3"/>
+            <a:endCxn id="19" idx="3"/>
+          </p:cNvCxnSpPr>
+          <p:nvPr/>
+        </p:nvCxnSpPr>
+        <p:spPr>
+          <a:xfrm flipV="1">
+            <a:off x="6677302" y="2298276"/>
+            <a:ext cx="2" cy="1105851"/>
+          </a:xfrm>
+          <a:prstGeom prst="bentConnector3">
+            <a:avLst>
+              <a:gd name="adj1" fmla="val 11430100000"/>
+            </a:avLst>
+          </a:prstGeom>
+          <a:ln>
+            <a:tailEnd type="triangle"/>
+          </a:ln>
+        </p:spPr>
+        <p:style>
+          <a:lnRef idx="1">
+            <a:schemeClr val="accent1"/>
+          </a:lnRef>
+          <a:fillRef idx="0">
+            <a:schemeClr val="accent1"/>
+          </a:fillRef>
+          <a:effectRef idx="0">
+            <a:schemeClr val="accent1"/>
+          </a:effectRef>
+          <a:fontRef idx="minor">
+            <a:schemeClr val="tx1"/>
+          </a:fontRef>
+        </p:style>
+      </p:cxnSp>
+      <p:cxnSp>
+        <p:nvCxnSpPr>
+          <p:cNvPr id="50" name="Straight Arrow Connector 49"/>
+          <p:cNvCxnSpPr>
+            <a:stCxn id="20" idx="0"/>
+            <a:endCxn id="22" idx="2"/>
+          </p:cNvCxnSpPr>
+          <p:nvPr/>
+        </p:nvCxnSpPr>
+        <p:spPr>
+          <a:xfrm flipV="1">
+            <a:off x="6126108" y="3981596"/>
+            <a:ext cx="0" cy="138181"/>
+          </a:xfrm>
+          <a:prstGeom prst="straightConnector1">
+            <a:avLst/>
+          </a:prstGeom>
+          <a:ln>
+            <a:tailEnd type="triangle"/>
+          </a:ln>
+        </p:spPr>
+        <p:style>
+          <a:lnRef idx="1">
+            <a:schemeClr val="accent1"/>
+          </a:lnRef>
+          <a:fillRef idx="0">
+            <a:schemeClr val="accent1"/>
+          </a:fillRef>
+          <a:effectRef idx="0">
+            <a:schemeClr val="accent1"/>
+          </a:effectRef>
+          <a:fontRef idx="minor">
+            <a:schemeClr val="tx1"/>
+          </a:fontRef>
+        </p:style>
+      </p:cxnSp>
+      <p:cxnSp>
+        <p:nvCxnSpPr>
+          <p:cNvPr id="53" name="Elbow Connector 52"/>
+          <p:cNvCxnSpPr>
+            <a:stCxn id="22" idx="3"/>
+            <a:endCxn id="19" idx="3"/>
+          </p:cNvCxnSpPr>
+          <p:nvPr/>
+        </p:nvCxnSpPr>
+        <p:spPr>
+          <a:xfrm flipV="1">
+            <a:off x="6677304" y="2298276"/>
+            <a:ext cx="12700" cy="1527685"/>
+          </a:xfrm>
+          <a:prstGeom prst="bentConnector3">
+            <a:avLst>
+              <a:gd name="adj1" fmla="val 1800000"/>
+            </a:avLst>
+          </a:prstGeom>
+          <a:ln>
+            <a:tailEnd type="triangle"/>
+          </a:ln>
+        </p:spPr>
+        <p:style>
+          <a:lnRef idx="1">
+            <a:schemeClr val="accent1"/>
+          </a:lnRef>
+          <a:fillRef idx="0">
+            <a:schemeClr val="accent1"/>
+          </a:fillRef>
+          <a:effectRef idx="0">
+            <a:schemeClr val="accent1"/>
+          </a:effectRef>
+          <a:fontRef idx="minor">
+            <a:schemeClr val="tx1"/>
+          </a:fontRef>
+        </p:style>
+      </p:cxnSp>
+      <p:sp>
+        <p:nvSpPr>
+          <p:cNvPr id="56" name="Rectangle 55"/>
+          <p:cNvSpPr/>
+          <p:nvPr/>
+        </p:nvSpPr>
+        <p:spPr>
+          <a:xfrm>
+            <a:off x="8275654" y="3226448"/>
+            <a:ext cx="1102393" cy="737429"/>
+          </a:xfrm>
+          <a:prstGeom prst="rect">
+            <a:avLst/>
+          </a:prstGeom>
+          <a:solidFill>
+            <a:schemeClr val="accent2">
+              <a:lumMod val="60000"/>
+              <a:lumOff val="40000"/>
+            </a:schemeClr>
+          </a:solidFill>
+        </p:spPr>
+        <p:style>
+          <a:lnRef idx="2">
+            <a:schemeClr val="accent1">
+              <a:shade val="50000"/>
+            </a:schemeClr>
+          </a:lnRef>
+          <a:fillRef idx="1">
+            <a:schemeClr val="accent1"/>
+          </a:fillRef>
+          <a:effectRef idx="0">
+            <a:schemeClr val="accent1"/>
+          </a:effectRef>
+          <a:fontRef idx="minor">
+            <a:schemeClr val="lt1"/>
+          </a:fontRef>
+        </p:style>
+        <p:txBody>
+          <a:bodyPr rtlCol="0" anchor="ctr"/>
+          <a:lstStyle/>
+          <a:p>
+            <a:pPr algn="ctr"/>
+            <a:r>
+              <a:rPr lang="en-US" sz="1000" dirty="0" smtClean="0">
+                <a:solidFill>
+                  <a:schemeClr val="tx1"/>
+                </a:solidFill>
+              </a:rPr>
+              <a:t>UI</a:t>
+            </a:r>
+            <a:endParaRPr lang="en-US" sz="1000" dirty="0">
+              <a:solidFill>
+                <a:schemeClr val="tx1"/>
+              </a:solidFill>
+            </a:endParaRPr>
+          </a:p>
+        </p:txBody>
+      </p:sp>
+      <p:cxnSp>
+        <p:nvCxnSpPr>
+          <p:cNvPr id="58" name="Elbow Connector 57"/>
+          <p:cNvCxnSpPr>
+            <a:stCxn id="36" idx="1"/>
+            <a:endCxn id="40" idx="1"/>
+          </p:cNvCxnSpPr>
+          <p:nvPr/>
+        </p:nvCxnSpPr>
+        <p:spPr>
+          <a:xfrm rot="10800000">
+            <a:off x="3040031" y="3403863"/>
+            <a:ext cx="3091" cy="1096889"/>
+          </a:xfrm>
+          <a:prstGeom prst="bentConnector3">
+            <a:avLst>
+              <a:gd name="adj1" fmla="val 7495665"/>
+            </a:avLst>
+          </a:prstGeom>
+          <a:ln>
+            <a:tailEnd type="triangle"/>
+          </a:ln>
+        </p:spPr>
+        <p:style>
+          <a:lnRef idx="1">
+            <a:schemeClr val="accent1"/>
+          </a:lnRef>
+          <a:fillRef idx="0">
+            <a:schemeClr val="accent1"/>
+          </a:fillRef>
+          <a:effectRef idx="0">
+            <a:schemeClr val="accent1"/>
+          </a:effectRef>
+          <a:fontRef idx="minor">
+            <a:schemeClr val="tx1"/>
+          </a:fontRef>
+        </p:style>
+      </p:cxnSp>
+      <p:cxnSp>
+        <p:nvCxnSpPr>
+          <p:cNvPr id="61" name="Elbow Connector 60"/>
+          <p:cNvCxnSpPr>
+            <a:stCxn id="13" idx="1"/>
+            <a:endCxn id="28" idx="1"/>
+          </p:cNvCxnSpPr>
+          <p:nvPr/>
+        </p:nvCxnSpPr>
+        <p:spPr>
+          <a:xfrm rot="10800000" flipV="1">
+            <a:off x="5574909" y="3404127"/>
+            <a:ext cx="12700" cy="1292662"/>
+          </a:xfrm>
+          <a:prstGeom prst="bentConnector3">
+            <a:avLst>
+              <a:gd name="adj1" fmla="val 1800000"/>
+            </a:avLst>
+          </a:prstGeom>
+          <a:ln>
+            <a:tailEnd type="triangle"/>
+          </a:ln>
+        </p:spPr>
+        <p:style>
+          <a:lnRef idx="1">
+            <a:schemeClr val="accent1"/>
+          </a:lnRef>
+          <a:fillRef idx="0">
+            <a:schemeClr val="accent1"/>
+          </a:fillRef>
+          <a:effectRef idx="0">
+            <a:schemeClr val="accent1"/>
+          </a:effectRef>
+          <a:fontRef idx="minor">
+            <a:schemeClr val="tx1"/>
+          </a:fontRef>
+        </p:style>
+      </p:cxnSp>
+      <p:cxnSp>
+        <p:nvCxnSpPr>
+          <p:cNvPr id="66" name="Elbow Connector 65"/>
+          <p:cNvCxnSpPr>
+            <a:stCxn id="32" idx="3"/>
+            <a:endCxn id="56" idx="3"/>
+          </p:cNvCxnSpPr>
+          <p:nvPr/>
+        </p:nvCxnSpPr>
+        <p:spPr>
+          <a:xfrm flipV="1">
+            <a:off x="9378047" y="3595163"/>
+            <a:ext cx="12700" cy="679720"/>
+          </a:xfrm>
+          <a:prstGeom prst="bentConnector3">
+            <a:avLst>
+              <a:gd name="adj1" fmla="val 1800000"/>
+            </a:avLst>
+          </a:prstGeom>
+          <a:ln>
+            <a:headEnd type="triangle" w="med" len="med"/>
+            <a:tailEnd type="triangle" w="med" len="med"/>
+          </a:ln>
+        </p:spPr>
+        <p:style>
+          <a:lnRef idx="1">
+            <a:schemeClr val="accent1"/>
+          </a:lnRef>
+          <a:fillRef idx="0">
+            <a:schemeClr val="accent1"/>
+          </a:fillRef>
+          <a:effectRef idx="0">
+            <a:schemeClr val="accent1"/>
+          </a:effectRef>
+          <a:fontRef idx="minor">
+            <a:schemeClr val="tx1"/>
+          </a:fontRef>
+        </p:style>
+      </p:cxnSp>
+      <p:cxnSp>
+        <p:nvCxnSpPr>
+          <p:cNvPr id="67" name="Elbow Connector 66"/>
+          <p:cNvCxnSpPr>
+            <a:stCxn id="21" idx="3"/>
+            <a:endCxn id="56" idx="3"/>
+          </p:cNvCxnSpPr>
+          <p:nvPr/>
+        </p:nvCxnSpPr>
+        <p:spPr>
+          <a:xfrm flipV="1">
+            <a:off x="9378047" y="3595163"/>
+            <a:ext cx="12700" cy="1101625"/>
+          </a:xfrm>
+          <a:prstGeom prst="bentConnector3">
+            <a:avLst>
+              <a:gd name="adj1" fmla="val 1800000"/>
+            </a:avLst>
+          </a:prstGeom>
+          <a:ln>
+            <a:tailEnd type="triangle"/>
+          </a:ln>
+        </p:spPr>
+        <p:style>
+          <a:lnRef idx="1">
+            <a:schemeClr val="accent1"/>
+          </a:lnRef>
+          <a:fillRef idx="0">
+            <a:schemeClr val="accent1"/>
+          </a:fillRef>
+          <a:effectRef idx="0">
+            <a:schemeClr val="accent1"/>
+          </a:effectRef>
+          <a:fontRef idx="minor">
+            <a:schemeClr val="tx1"/>
+          </a:fontRef>
+        </p:style>
+      </p:cxnSp>
+    </p:spTree>
+    <p:extLst>
+      <p:ext uri="{BB962C8B-B14F-4D97-AF65-F5344CB8AC3E}">
+        <p14:creationId xmlns:p14="http://schemas.microsoft.com/office/powerpoint/2010/main" val="3866390509"/>
       </p:ext>
     </p:extLst>
   </p:cSld>
